--- a/SDV_Hackathon_Pitching_ASAP.pptx
+++ b/SDV_Hackathon_Pitching_ASAP.pptx
@@ -5,40 +5,31 @@
     <p:sldMasterId id="2147483659" r:id="rId1"/>
   </p:sldMasterIdLst>
   <p:notesMasterIdLst>
-    <p:notesMasterId r:id="rId19"/>
+    <p:notesMasterId r:id="rId10"/>
   </p:notesMasterIdLst>
   <p:sldIdLst>
-    <p:sldId id="256" r:id="rId2"/>
-    <p:sldId id="257" r:id="rId3"/>
-    <p:sldId id="258" r:id="rId4"/>
-    <p:sldId id="259" r:id="rId5"/>
-    <p:sldId id="260" r:id="rId6"/>
-    <p:sldId id="261" r:id="rId7"/>
-    <p:sldId id="262" r:id="rId8"/>
-    <p:sldId id="263" r:id="rId9"/>
-    <p:sldId id="264" r:id="rId10"/>
-    <p:sldId id="265" r:id="rId11"/>
-    <p:sldId id="266" r:id="rId12"/>
-    <p:sldId id="267" r:id="rId13"/>
-    <p:sldId id="268" r:id="rId14"/>
-    <p:sldId id="269" r:id="rId15"/>
-    <p:sldId id="270" r:id="rId16"/>
-    <p:sldId id="271" r:id="rId17"/>
-    <p:sldId id="272" r:id="rId18"/>
+    <p:sldId id="257" r:id="rId2"/>
+    <p:sldId id="260" r:id="rId3"/>
+    <p:sldId id="261" r:id="rId4"/>
+    <p:sldId id="262" r:id="rId5"/>
+    <p:sldId id="273" r:id="rId6"/>
+    <p:sldId id="265" r:id="rId7"/>
+    <p:sldId id="271" r:id="rId8"/>
+    <p:sldId id="272" r:id="rId9"/>
   </p:sldIdLst>
   <p:sldSz cx="9144000" cy="5143500" type="screen16x9"/>
   <p:notesSz cx="6858000" cy="9144000"/>
   <p:embeddedFontLst>
     <p:embeddedFont>
       <p:font typeface="Audiowide" panose="020B0604020202020204" charset="0"/>
-      <p:regular r:id="rId20"/>
+      <p:regular r:id="rId11"/>
     </p:embeddedFont>
     <p:embeddedFont>
       <p:font typeface="Roboto" panose="02000000000000000000" pitchFamily="2" charset="0"/>
-      <p:regular r:id="rId21"/>
-      <p:bold r:id="rId22"/>
-      <p:italic r:id="rId23"/>
-      <p:boldItalic r:id="rId24"/>
+      <p:regular r:id="rId12"/>
+      <p:bold r:id="rId13"/>
+      <p:italic r:id="rId14"/>
+      <p:boldItalic r:id="rId15"/>
     </p:embeddedFont>
   </p:embeddedFontLst>
   <p:defaultTextStyle>
@@ -735,7 +726,7 @@
   <p:cSld>
     <p:spTree>
       <p:nvGrpSpPr>
-        <p:cNvPr id="1" name="Shape 50"/>
+        <p:cNvPr id="1" name="Shape 55"/>
         <p:cNvGrpSpPr/>
         <p:nvPr/>
       </p:nvGrpSpPr>
@@ -749,7 +740,7 @@
       </p:grpSpPr>
       <p:sp>
         <p:nvSpPr>
-          <p:cNvPr id="51" name="Google Shape;51;p:notes"/>
+          <p:cNvPr id="56" name="Google Shape;56;g3152b83c829_0_0:notes"/>
           <p:cNvSpPr>
             <a:spLocks noGrp="1" noRot="1" noChangeAspect="1"/>
           </p:cNvSpPr>
@@ -759,8 +750,8 @@
         </p:nvSpPr>
         <p:spPr>
           <a:xfrm>
-            <a:off x="381300" y="685800"/>
-            <a:ext cx="6096075" cy="3429000"/>
+            <a:off x="381000" y="685800"/>
+            <a:ext cx="6096000" cy="3429000"/>
           </a:xfrm>
           <a:custGeom>
             <a:avLst/>
@@ -790,7 +781,7 @@
       </p:sp>
       <p:sp>
         <p:nvSpPr>
-          <p:cNvPr id="52" name="Google Shape;52;p:notes"/>
+          <p:cNvPr id="57" name="Google Shape;57;g3152b83c829_0_0:notes"/>
           <p:cNvSpPr txBox="1">
             <a:spLocks noGrp="1"/>
           </p:cNvSpPr>
@@ -834,7 +825,446 @@
 </p:notes>
 </file>
 
-<file path=ppt/notesSlides/notesSlide10.xml><?xml version="1.0" encoding="utf-8"?>
+<file path=ppt/notesSlides/notesSlide2.xml><?xml version="1.0" encoding="utf-8"?>
+<p:notes xmlns:a="http://schemas.openxmlformats.org/drawingml/2006/main" xmlns:r="http://schemas.openxmlformats.org/officeDocument/2006/relationships" xmlns:p="http://schemas.openxmlformats.org/presentationml/2006/main" showMasterSp="0" showMasterPhAnim="0">
+  <p:cSld>
+    <p:spTree>
+      <p:nvGrpSpPr>
+        <p:cNvPr id="1" name="Shape 81"/>
+        <p:cNvGrpSpPr/>
+        <p:nvPr/>
+      </p:nvGrpSpPr>
+      <p:grpSpPr>
+        <a:xfrm>
+          <a:off x="0" y="0"/>
+          <a:ext cx="0" cy="0"/>
+          <a:chOff x="0" y="0"/>
+          <a:chExt cx="0" cy="0"/>
+        </a:xfrm>
+      </p:grpSpPr>
+      <p:sp>
+        <p:nvSpPr>
+          <p:cNvPr id="82" name="Google Shape;82;g31521ac731c_0_0:notes"/>
+          <p:cNvSpPr>
+            <a:spLocks noGrp="1" noRot="1" noChangeAspect="1"/>
+          </p:cNvSpPr>
+          <p:nvPr>
+            <p:ph type="sldImg" idx="2"/>
+          </p:nvPr>
+        </p:nvSpPr>
+        <p:spPr>
+          <a:xfrm>
+            <a:off x="381000" y="685800"/>
+            <a:ext cx="6096000" cy="3429000"/>
+          </a:xfrm>
+          <a:custGeom>
+            <a:avLst/>
+            <a:gdLst/>
+            <a:ahLst/>
+            <a:cxnLst/>
+            <a:rect l="l" t="t" r="r" b="b"/>
+            <a:pathLst>
+              <a:path w="120000" h="120000" extrusionOk="0">
+                <a:moveTo>
+                  <a:pt x="0" y="0"/>
+                </a:moveTo>
+                <a:lnTo>
+                  <a:pt x="120000" y="0"/>
+                </a:lnTo>
+                <a:lnTo>
+                  <a:pt x="120000" y="120000"/>
+                </a:lnTo>
+                <a:lnTo>
+                  <a:pt x="0" y="120000"/>
+                </a:lnTo>
+                <a:close/>
+              </a:path>
+            </a:pathLst>
+          </a:custGeom>
+        </p:spPr>
+      </p:sp>
+      <p:sp>
+        <p:nvSpPr>
+          <p:cNvPr id="83" name="Google Shape;83;g31521ac731c_0_0:notes"/>
+          <p:cNvSpPr txBox="1">
+            <a:spLocks noGrp="1"/>
+          </p:cNvSpPr>
+          <p:nvPr>
+            <p:ph type="body" idx="1"/>
+          </p:nvPr>
+        </p:nvSpPr>
+        <p:spPr>
+          <a:xfrm>
+            <a:off x="685800" y="4343400"/>
+            <a:ext cx="5486400" cy="4114800"/>
+          </a:xfrm>
+          <a:prstGeom prst="rect">
+            <a:avLst/>
+          </a:prstGeom>
+        </p:spPr>
+        <p:txBody>
+          <a:bodyPr spcFirstLastPara="1" wrap="square" lIns="91425" tIns="91425" rIns="91425" bIns="91425" anchor="t" anchorCtr="0">
+            <a:noAutofit/>
+          </a:bodyPr>
+          <a:lstStyle/>
+          <a:p>
+            <a:pPr marL="0" lvl="0" indent="0" algn="l" rtl="0">
+              <a:spcBef>
+                <a:spcPts val="0"/>
+              </a:spcBef>
+              <a:spcAft>
+                <a:spcPts val="0"/>
+              </a:spcAft>
+              <a:buNone/>
+            </a:pPr>
+            <a:endParaRPr/>
+          </a:p>
+        </p:txBody>
+      </p:sp>
+    </p:spTree>
+  </p:cSld>
+  <p:clrMapOvr>
+    <a:masterClrMapping/>
+  </p:clrMapOvr>
+</p:notes>
+</file>
+
+<file path=ppt/notesSlides/notesSlide3.xml><?xml version="1.0" encoding="utf-8"?>
+<p:notes xmlns:a="http://schemas.openxmlformats.org/drawingml/2006/main" xmlns:r="http://schemas.openxmlformats.org/officeDocument/2006/relationships" xmlns:p="http://schemas.openxmlformats.org/presentationml/2006/main" showMasterSp="0" showMasterPhAnim="0">
+  <p:cSld>
+    <p:spTree>
+      <p:nvGrpSpPr>
+        <p:cNvPr id="1" name="Shape 88"/>
+        <p:cNvGrpSpPr/>
+        <p:nvPr/>
+      </p:nvGrpSpPr>
+      <p:grpSpPr>
+        <a:xfrm>
+          <a:off x="0" y="0"/>
+          <a:ext cx="0" cy="0"/>
+          <a:chOff x="0" y="0"/>
+          <a:chExt cx="0" cy="0"/>
+        </a:xfrm>
+      </p:grpSpPr>
+      <p:sp>
+        <p:nvSpPr>
+          <p:cNvPr id="89" name="Google Shape;89;g3152b83c829_0_23:notes"/>
+          <p:cNvSpPr>
+            <a:spLocks noGrp="1" noRot="1" noChangeAspect="1"/>
+          </p:cNvSpPr>
+          <p:nvPr>
+            <p:ph type="sldImg" idx="2"/>
+          </p:nvPr>
+        </p:nvSpPr>
+        <p:spPr>
+          <a:xfrm>
+            <a:off x="381000" y="685800"/>
+            <a:ext cx="6096000" cy="3429000"/>
+          </a:xfrm>
+          <a:custGeom>
+            <a:avLst/>
+            <a:gdLst/>
+            <a:ahLst/>
+            <a:cxnLst/>
+            <a:rect l="l" t="t" r="r" b="b"/>
+            <a:pathLst>
+              <a:path w="120000" h="120000" extrusionOk="0">
+                <a:moveTo>
+                  <a:pt x="0" y="0"/>
+                </a:moveTo>
+                <a:lnTo>
+                  <a:pt x="120000" y="0"/>
+                </a:lnTo>
+                <a:lnTo>
+                  <a:pt x="120000" y="120000"/>
+                </a:lnTo>
+                <a:lnTo>
+                  <a:pt x="0" y="120000"/>
+                </a:lnTo>
+                <a:close/>
+              </a:path>
+            </a:pathLst>
+          </a:custGeom>
+        </p:spPr>
+      </p:sp>
+      <p:sp>
+        <p:nvSpPr>
+          <p:cNvPr id="90" name="Google Shape;90;g3152b83c829_0_23:notes"/>
+          <p:cNvSpPr txBox="1">
+            <a:spLocks noGrp="1"/>
+          </p:cNvSpPr>
+          <p:nvPr>
+            <p:ph type="body" idx="1"/>
+          </p:nvPr>
+        </p:nvSpPr>
+        <p:spPr>
+          <a:xfrm>
+            <a:off x="685800" y="4343400"/>
+            <a:ext cx="5486400" cy="4114800"/>
+          </a:xfrm>
+          <a:prstGeom prst="rect">
+            <a:avLst/>
+          </a:prstGeom>
+        </p:spPr>
+        <p:txBody>
+          <a:bodyPr spcFirstLastPara="1" wrap="square" lIns="91425" tIns="91425" rIns="91425" bIns="91425" anchor="t" anchorCtr="0">
+            <a:noAutofit/>
+          </a:bodyPr>
+          <a:lstStyle/>
+          <a:p>
+            <a:pPr marL="0" lvl="0" indent="0" algn="l" rtl="0">
+              <a:spcBef>
+                <a:spcPts val="0"/>
+              </a:spcBef>
+              <a:spcAft>
+                <a:spcPts val="0"/>
+              </a:spcAft>
+              <a:buNone/>
+            </a:pPr>
+            <a:endParaRPr/>
+          </a:p>
+        </p:txBody>
+      </p:sp>
+    </p:spTree>
+  </p:cSld>
+  <p:clrMapOvr>
+    <a:masterClrMapping/>
+  </p:clrMapOvr>
+</p:notes>
+</file>
+
+<file path=ppt/notesSlides/notesSlide4.xml><?xml version="1.0" encoding="utf-8"?>
+<p:notes xmlns:a="http://schemas.openxmlformats.org/drawingml/2006/main" xmlns:r="http://schemas.openxmlformats.org/officeDocument/2006/relationships" xmlns:p="http://schemas.openxmlformats.org/presentationml/2006/main" showMasterSp="0" showMasterPhAnim="0">
+  <p:cSld>
+    <p:spTree>
+      <p:nvGrpSpPr>
+        <p:cNvPr id="1" name="Shape 95"/>
+        <p:cNvGrpSpPr/>
+        <p:nvPr/>
+      </p:nvGrpSpPr>
+      <p:grpSpPr>
+        <a:xfrm>
+          <a:off x="0" y="0"/>
+          <a:ext cx="0" cy="0"/>
+          <a:chOff x="0" y="0"/>
+          <a:chExt cx="0" cy="0"/>
+        </a:xfrm>
+      </p:grpSpPr>
+      <p:sp>
+        <p:nvSpPr>
+          <p:cNvPr id="96" name="Google Shape;96;g3152b83c829_0_29:notes"/>
+          <p:cNvSpPr>
+            <a:spLocks noGrp="1" noRot="1" noChangeAspect="1"/>
+          </p:cNvSpPr>
+          <p:nvPr>
+            <p:ph type="sldImg" idx="2"/>
+          </p:nvPr>
+        </p:nvSpPr>
+        <p:spPr>
+          <a:xfrm>
+            <a:off x="381000" y="685800"/>
+            <a:ext cx="6096000" cy="3429000"/>
+          </a:xfrm>
+          <a:custGeom>
+            <a:avLst/>
+            <a:gdLst/>
+            <a:ahLst/>
+            <a:cxnLst/>
+            <a:rect l="l" t="t" r="r" b="b"/>
+            <a:pathLst>
+              <a:path w="120000" h="120000" extrusionOk="0">
+                <a:moveTo>
+                  <a:pt x="0" y="0"/>
+                </a:moveTo>
+                <a:lnTo>
+                  <a:pt x="120000" y="0"/>
+                </a:lnTo>
+                <a:lnTo>
+                  <a:pt x="120000" y="120000"/>
+                </a:lnTo>
+                <a:lnTo>
+                  <a:pt x="0" y="120000"/>
+                </a:lnTo>
+                <a:close/>
+              </a:path>
+            </a:pathLst>
+          </a:custGeom>
+        </p:spPr>
+      </p:sp>
+      <p:sp>
+        <p:nvSpPr>
+          <p:cNvPr id="97" name="Google Shape;97;g3152b83c829_0_29:notes"/>
+          <p:cNvSpPr txBox="1">
+            <a:spLocks noGrp="1"/>
+          </p:cNvSpPr>
+          <p:nvPr>
+            <p:ph type="body" idx="1"/>
+          </p:nvPr>
+        </p:nvSpPr>
+        <p:spPr>
+          <a:xfrm>
+            <a:off x="685800" y="4343400"/>
+            <a:ext cx="5486400" cy="4114800"/>
+          </a:xfrm>
+          <a:prstGeom prst="rect">
+            <a:avLst/>
+          </a:prstGeom>
+        </p:spPr>
+        <p:txBody>
+          <a:bodyPr spcFirstLastPara="1" wrap="square" lIns="91425" tIns="91425" rIns="91425" bIns="91425" anchor="t" anchorCtr="0">
+            <a:noAutofit/>
+          </a:bodyPr>
+          <a:lstStyle/>
+          <a:p>
+            <a:pPr marL="0" lvl="0" indent="0" algn="l" rtl="0">
+              <a:spcBef>
+                <a:spcPts val="0"/>
+              </a:spcBef>
+              <a:spcAft>
+                <a:spcPts val="0"/>
+              </a:spcAft>
+              <a:buNone/>
+            </a:pPr>
+            <a:endParaRPr/>
+          </a:p>
+        </p:txBody>
+      </p:sp>
+    </p:spTree>
+  </p:cSld>
+  <p:clrMapOvr>
+    <a:masterClrMapping/>
+  </p:clrMapOvr>
+</p:notes>
+</file>
+
+<file path=ppt/notesSlides/notesSlide5.xml><?xml version="1.0" encoding="utf-8"?>
+<p:notes xmlns:a="http://schemas.openxmlformats.org/drawingml/2006/main" xmlns:r="http://schemas.openxmlformats.org/officeDocument/2006/relationships" xmlns:p="http://schemas.openxmlformats.org/presentationml/2006/main" showMasterSp="0" showMasterPhAnim="0">
+  <p:cSld>
+    <p:spTree>
+      <p:nvGrpSpPr>
+        <p:cNvPr id="1" name="Shape 75">
+          <a:extLst>
+            <a:ext uri="{FF2B5EF4-FFF2-40B4-BE49-F238E27FC236}">
+              <a16:creationId xmlns:a16="http://schemas.microsoft.com/office/drawing/2014/main" id="{7240D0E4-008C-9024-7D47-1ED1D357867C}"/>
+            </a:ext>
+          </a:extLst>
+        </p:cNvPr>
+        <p:cNvGrpSpPr/>
+        <p:nvPr/>
+      </p:nvGrpSpPr>
+      <p:grpSpPr>
+        <a:xfrm>
+          <a:off x="0" y="0"/>
+          <a:ext cx="0" cy="0"/>
+          <a:chOff x="0" y="0"/>
+          <a:chExt cx="0" cy="0"/>
+        </a:xfrm>
+      </p:grpSpPr>
+      <p:sp>
+        <p:nvSpPr>
+          <p:cNvPr id="76" name="Google Shape;76;g3152b83c829_0_17:notes">
+            <a:extLst>
+              <a:ext uri="{FF2B5EF4-FFF2-40B4-BE49-F238E27FC236}">
+                <a16:creationId xmlns:a16="http://schemas.microsoft.com/office/drawing/2014/main" id="{C9A43FF8-7CF1-9B4C-54A7-ED5B78E782CA}"/>
+              </a:ext>
+            </a:extLst>
+          </p:cNvPr>
+          <p:cNvSpPr>
+            <a:spLocks noGrp="1" noRot="1" noChangeAspect="1"/>
+          </p:cNvSpPr>
+          <p:nvPr>
+            <p:ph type="sldImg" idx="2"/>
+          </p:nvPr>
+        </p:nvSpPr>
+        <p:spPr>
+          <a:xfrm>
+            <a:off x="381000" y="685800"/>
+            <a:ext cx="6096000" cy="3429000"/>
+          </a:xfrm>
+          <a:custGeom>
+            <a:avLst/>
+            <a:gdLst/>
+            <a:ahLst/>
+            <a:cxnLst/>
+            <a:rect l="l" t="t" r="r" b="b"/>
+            <a:pathLst>
+              <a:path w="120000" h="120000" extrusionOk="0">
+                <a:moveTo>
+                  <a:pt x="0" y="0"/>
+                </a:moveTo>
+                <a:lnTo>
+                  <a:pt x="120000" y="0"/>
+                </a:lnTo>
+                <a:lnTo>
+                  <a:pt x="120000" y="120000"/>
+                </a:lnTo>
+                <a:lnTo>
+                  <a:pt x="0" y="120000"/>
+                </a:lnTo>
+                <a:close/>
+              </a:path>
+            </a:pathLst>
+          </a:custGeom>
+        </p:spPr>
+      </p:sp>
+      <p:sp>
+        <p:nvSpPr>
+          <p:cNvPr id="77" name="Google Shape;77;g3152b83c829_0_17:notes">
+            <a:extLst>
+              <a:ext uri="{FF2B5EF4-FFF2-40B4-BE49-F238E27FC236}">
+                <a16:creationId xmlns:a16="http://schemas.microsoft.com/office/drawing/2014/main" id="{71DF4211-C9BF-7F4F-52C4-086E93D89FD3}"/>
+              </a:ext>
+            </a:extLst>
+          </p:cNvPr>
+          <p:cNvSpPr txBox="1">
+            <a:spLocks noGrp="1"/>
+          </p:cNvSpPr>
+          <p:nvPr>
+            <p:ph type="body" idx="1"/>
+          </p:nvPr>
+        </p:nvSpPr>
+        <p:spPr>
+          <a:xfrm>
+            <a:off x="685800" y="4343400"/>
+            <a:ext cx="5486400" cy="4114800"/>
+          </a:xfrm>
+          <a:prstGeom prst="rect">
+            <a:avLst/>
+          </a:prstGeom>
+        </p:spPr>
+        <p:txBody>
+          <a:bodyPr spcFirstLastPara="1" wrap="square" lIns="91425" tIns="91425" rIns="91425" bIns="91425" anchor="t" anchorCtr="0">
+            <a:noAutofit/>
+          </a:bodyPr>
+          <a:lstStyle/>
+          <a:p>
+            <a:pPr marL="0" lvl="0" indent="0" algn="l" rtl="0">
+              <a:spcBef>
+                <a:spcPts val="0"/>
+              </a:spcBef>
+              <a:spcAft>
+                <a:spcPts val="0"/>
+              </a:spcAft>
+              <a:buNone/>
+            </a:pPr>
+            <a:endParaRPr/>
+          </a:p>
+        </p:txBody>
+      </p:sp>
+    </p:spTree>
+    <p:extLst>
+      <p:ext uri="{BB962C8B-B14F-4D97-AF65-F5344CB8AC3E}">
+        <p14:creationId xmlns:p14="http://schemas.microsoft.com/office/powerpoint/2010/main" val="883863096"/>
+      </p:ext>
+    </p:extLst>
+  </p:cSld>
+  <p:clrMapOvr>
+    <a:masterClrMapping/>
+  </p:clrMapOvr>
+</p:notes>
+</file>
+
+<file path=ppt/notesSlides/notesSlide6.xml><?xml version="1.0" encoding="utf-8"?>
 <p:notes xmlns:a="http://schemas.openxmlformats.org/drawingml/2006/main" xmlns:r="http://schemas.openxmlformats.org/officeDocument/2006/relationships" xmlns:p="http://schemas.openxmlformats.org/presentationml/2006/main" showMasterSp="0" showMasterPhAnim="0">
   <p:cSld>
     <p:spTree>
@@ -938,527 +1368,7 @@
 </p:notes>
 </file>
 
-<file path=ppt/notesSlides/notesSlide11.xml><?xml version="1.0" encoding="utf-8"?>
-<p:notes xmlns:a="http://schemas.openxmlformats.org/drawingml/2006/main" xmlns:r="http://schemas.openxmlformats.org/officeDocument/2006/relationships" xmlns:p="http://schemas.openxmlformats.org/presentationml/2006/main" showMasterSp="0" showMasterPhAnim="0">
-  <p:cSld>
-    <p:spTree>
-      <p:nvGrpSpPr>
-        <p:cNvPr id="1" name="Shape 123"/>
-        <p:cNvGrpSpPr/>
-        <p:nvPr/>
-      </p:nvGrpSpPr>
-      <p:grpSpPr>
-        <a:xfrm>
-          <a:off x="0" y="0"/>
-          <a:ext cx="0" cy="0"/>
-          <a:chOff x="0" y="0"/>
-          <a:chExt cx="0" cy="0"/>
-        </a:xfrm>
-      </p:grpSpPr>
-      <p:sp>
-        <p:nvSpPr>
-          <p:cNvPr id="124" name="Google Shape;124;g3152b83c829_0_53:notes"/>
-          <p:cNvSpPr>
-            <a:spLocks noGrp="1" noRot="1" noChangeAspect="1"/>
-          </p:cNvSpPr>
-          <p:nvPr>
-            <p:ph type="sldImg" idx="2"/>
-          </p:nvPr>
-        </p:nvSpPr>
-        <p:spPr>
-          <a:xfrm>
-            <a:off x="381300" y="685800"/>
-            <a:ext cx="6096000" cy="3429000"/>
-          </a:xfrm>
-          <a:custGeom>
-            <a:avLst/>
-            <a:gdLst/>
-            <a:ahLst/>
-            <a:cxnLst/>
-            <a:rect l="l" t="t" r="r" b="b"/>
-            <a:pathLst>
-              <a:path w="120000" h="120000" extrusionOk="0">
-                <a:moveTo>
-                  <a:pt x="0" y="0"/>
-                </a:moveTo>
-                <a:lnTo>
-                  <a:pt x="120000" y="0"/>
-                </a:lnTo>
-                <a:lnTo>
-                  <a:pt x="120000" y="120000"/>
-                </a:lnTo>
-                <a:lnTo>
-                  <a:pt x="0" y="120000"/>
-                </a:lnTo>
-                <a:close/>
-              </a:path>
-            </a:pathLst>
-          </a:custGeom>
-        </p:spPr>
-      </p:sp>
-      <p:sp>
-        <p:nvSpPr>
-          <p:cNvPr id="125" name="Google Shape;125;g3152b83c829_0_53:notes"/>
-          <p:cNvSpPr txBox="1">
-            <a:spLocks noGrp="1"/>
-          </p:cNvSpPr>
-          <p:nvPr>
-            <p:ph type="body" idx="1"/>
-          </p:nvPr>
-        </p:nvSpPr>
-        <p:spPr>
-          <a:xfrm>
-            <a:off x="685800" y="4343400"/>
-            <a:ext cx="5486400" cy="4114800"/>
-          </a:xfrm>
-          <a:prstGeom prst="rect">
-            <a:avLst/>
-          </a:prstGeom>
-        </p:spPr>
-        <p:txBody>
-          <a:bodyPr spcFirstLastPara="1" wrap="square" lIns="91425" tIns="91425" rIns="91425" bIns="91425" anchor="t" anchorCtr="0">
-            <a:noAutofit/>
-          </a:bodyPr>
-          <a:lstStyle/>
-          <a:p>
-            <a:pPr marL="0" lvl="0" indent="0" algn="l" rtl="0">
-              <a:spcBef>
-                <a:spcPts val="0"/>
-              </a:spcBef>
-              <a:spcAft>
-                <a:spcPts val="0"/>
-              </a:spcAft>
-              <a:buNone/>
-            </a:pPr>
-            <a:endParaRPr/>
-          </a:p>
-        </p:txBody>
-      </p:sp>
-    </p:spTree>
-  </p:cSld>
-  <p:clrMapOvr>
-    <a:masterClrMapping/>
-  </p:clrMapOvr>
-</p:notes>
-</file>
-
-<file path=ppt/notesSlides/notesSlide12.xml><?xml version="1.0" encoding="utf-8"?>
-<p:notes xmlns:a="http://schemas.openxmlformats.org/drawingml/2006/main" xmlns:r="http://schemas.openxmlformats.org/officeDocument/2006/relationships" xmlns:p="http://schemas.openxmlformats.org/presentationml/2006/main" showMasterSp="0" showMasterPhAnim="0">
-  <p:cSld>
-    <p:spTree>
-      <p:nvGrpSpPr>
-        <p:cNvPr id="1" name="Shape 130"/>
-        <p:cNvGrpSpPr/>
-        <p:nvPr/>
-      </p:nvGrpSpPr>
-      <p:grpSpPr>
-        <a:xfrm>
-          <a:off x="0" y="0"/>
-          <a:ext cx="0" cy="0"/>
-          <a:chOff x="0" y="0"/>
-          <a:chExt cx="0" cy="0"/>
-        </a:xfrm>
-      </p:grpSpPr>
-      <p:sp>
-        <p:nvSpPr>
-          <p:cNvPr id="131" name="Google Shape;131;g3152b83c829_0_59:notes"/>
-          <p:cNvSpPr>
-            <a:spLocks noGrp="1" noRot="1" noChangeAspect="1"/>
-          </p:cNvSpPr>
-          <p:nvPr>
-            <p:ph type="sldImg" idx="2"/>
-          </p:nvPr>
-        </p:nvSpPr>
-        <p:spPr>
-          <a:xfrm>
-            <a:off x="381300" y="685800"/>
-            <a:ext cx="6096000" cy="3429000"/>
-          </a:xfrm>
-          <a:custGeom>
-            <a:avLst/>
-            <a:gdLst/>
-            <a:ahLst/>
-            <a:cxnLst/>
-            <a:rect l="l" t="t" r="r" b="b"/>
-            <a:pathLst>
-              <a:path w="120000" h="120000" extrusionOk="0">
-                <a:moveTo>
-                  <a:pt x="0" y="0"/>
-                </a:moveTo>
-                <a:lnTo>
-                  <a:pt x="120000" y="0"/>
-                </a:lnTo>
-                <a:lnTo>
-                  <a:pt x="120000" y="120000"/>
-                </a:lnTo>
-                <a:lnTo>
-                  <a:pt x="0" y="120000"/>
-                </a:lnTo>
-                <a:close/>
-              </a:path>
-            </a:pathLst>
-          </a:custGeom>
-        </p:spPr>
-      </p:sp>
-      <p:sp>
-        <p:nvSpPr>
-          <p:cNvPr id="132" name="Google Shape;132;g3152b83c829_0_59:notes"/>
-          <p:cNvSpPr txBox="1">
-            <a:spLocks noGrp="1"/>
-          </p:cNvSpPr>
-          <p:nvPr>
-            <p:ph type="body" idx="1"/>
-          </p:nvPr>
-        </p:nvSpPr>
-        <p:spPr>
-          <a:xfrm>
-            <a:off x="685800" y="4343400"/>
-            <a:ext cx="5486400" cy="4114800"/>
-          </a:xfrm>
-          <a:prstGeom prst="rect">
-            <a:avLst/>
-          </a:prstGeom>
-        </p:spPr>
-        <p:txBody>
-          <a:bodyPr spcFirstLastPara="1" wrap="square" lIns="91425" tIns="91425" rIns="91425" bIns="91425" anchor="t" anchorCtr="0">
-            <a:noAutofit/>
-          </a:bodyPr>
-          <a:lstStyle/>
-          <a:p>
-            <a:pPr marL="0" lvl="0" indent="0" algn="l" rtl="0">
-              <a:spcBef>
-                <a:spcPts val="0"/>
-              </a:spcBef>
-              <a:spcAft>
-                <a:spcPts val="0"/>
-              </a:spcAft>
-              <a:buNone/>
-            </a:pPr>
-            <a:endParaRPr/>
-          </a:p>
-        </p:txBody>
-      </p:sp>
-    </p:spTree>
-  </p:cSld>
-  <p:clrMapOvr>
-    <a:masterClrMapping/>
-  </p:clrMapOvr>
-</p:notes>
-</file>
-
-<file path=ppt/notesSlides/notesSlide13.xml><?xml version="1.0" encoding="utf-8"?>
-<p:notes xmlns:a="http://schemas.openxmlformats.org/drawingml/2006/main" xmlns:r="http://schemas.openxmlformats.org/officeDocument/2006/relationships" xmlns:p="http://schemas.openxmlformats.org/presentationml/2006/main" showMasterSp="0" showMasterPhAnim="0">
-  <p:cSld>
-    <p:spTree>
-      <p:nvGrpSpPr>
-        <p:cNvPr id="1" name="Shape 137"/>
-        <p:cNvGrpSpPr/>
-        <p:nvPr/>
-      </p:nvGrpSpPr>
-      <p:grpSpPr>
-        <a:xfrm>
-          <a:off x="0" y="0"/>
-          <a:ext cx="0" cy="0"/>
-          <a:chOff x="0" y="0"/>
-          <a:chExt cx="0" cy="0"/>
-        </a:xfrm>
-      </p:grpSpPr>
-      <p:sp>
-        <p:nvSpPr>
-          <p:cNvPr id="138" name="Google Shape;138;g3152b83c829_0_65:notes"/>
-          <p:cNvSpPr>
-            <a:spLocks noGrp="1" noRot="1" noChangeAspect="1"/>
-          </p:cNvSpPr>
-          <p:nvPr>
-            <p:ph type="sldImg" idx="2"/>
-          </p:nvPr>
-        </p:nvSpPr>
-        <p:spPr>
-          <a:xfrm>
-            <a:off x="381300" y="685800"/>
-            <a:ext cx="6096000" cy="3429000"/>
-          </a:xfrm>
-          <a:custGeom>
-            <a:avLst/>
-            <a:gdLst/>
-            <a:ahLst/>
-            <a:cxnLst/>
-            <a:rect l="l" t="t" r="r" b="b"/>
-            <a:pathLst>
-              <a:path w="120000" h="120000" extrusionOk="0">
-                <a:moveTo>
-                  <a:pt x="0" y="0"/>
-                </a:moveTo>
-                <a:lnTo>
-                  <a:pt x="120000" y="0"/>
-                </a:lnTo>
-                <a:lnTo>
-                  <a:pt x="120000" y="120000"/>
-                </a:lnTo>
-                <a:lnTo>
-                  <a:pt x="0" y="120000"/>
-                </a:lnTo>
-                <a:close/>
-              </a:path>
-            </a:pathLst>
-          </a:custGeom>
-        </p:spPr>
-      </p:sp>
-      <p:sp>
-        <p:nvSpPr>
-          <p:cNvPr id="139" name="Google Shape;139;g3152b83c829_0_65:notes"/>
-          <p:cNvSpPr txBox="1">
-            <a:spLocks noGrp="1"/>
-          </p:cNvSpPr>
-          <p:nvPr>
-            <p:ph type="body" idx="1"/>
-          </p:nvPr>
-        </p:nvSpPr>
-        <p:spPr>
-          <a:xfrm>
-            <a:off x="685800" y="4343400"/>
-            <a:ext cx="5486400" cy="4114800"/>
-          </a:xfrm>
-          <a:prstGeom prst="rect">
-            <a:avLst/>
-          </a:prstGeom>
-        </p:spPr>
-        <p:txBody>
-          <a:bodyPr spcFirstLastPara="1" wrap="square" lIns="91425" tIns="91425" rIns="91425" bIns="91425" anchor="t" anchorCtr="0">
-            <a:noAutofit/>
-          </a:bodyPr>
-          <a:lstStyle/>
-          <a:p>
-            <a:pPr marL="0" lvl="0" indent="0" algn="l" rtl="0">
-              <a:spcBef>
-                <a:spcPts val="0"/>
-              </a:spcBef>
-              <a:spcAft>
-                <a:spcPts val="0"/>
-              </a:spcAft>
-              <a:buNone/>
-            </a:pPr>
-            <a:endParaRPr/>
-          </a:p>
-        </p:txBody>
-      </p:sp>
-    </p:spTree>
-  </p:cSld>
-  <p:clrMapOvr>
-    <a:masterClrMapping/>
-  </p:clrMapOvr>
-</p:notes>
-</file>
-
-<file path=ppt/notesSlides/notesSlide14.xml><?xml version="1.0" encoding="utf-8"?>
-<p:notes xmlns:a="http://schemas.openxmlformats.org/drawingml/2006/main" xmlns:r="http://schemas.openxmlformats.org/officeDocument/2006/relationships" xmlns:p="http://schemas.openxmlformats.org/presentationml/2006/main" showMasterSp="0" showMasterPhAnim="0">
-  <p:cSld>
-    <p:spTree>
-      <p:nvGrpSpPr>
-        <p:cNvPr id="1" name="Shape 144"/>
-        <p:cNvGrpSpPr/>
-        <p:nvPr/>
-      </p:nvGrpSpPr>
-      <p:grpSpPr>
-        <a:xfrm>
-          <a:off x="0" y="0"/>
-          <a:ext cx="0" cy="0"/>
-          <a:chOff x="0" y="0"/>
-          <a:chExt cx="0" cy="0"/>
-        </a:xfrm>
-      </p:grpSpPr>
-      <p:sp>
-        <p:nvSpPr>
-          <p:cNvPr id="145" name="Google Shape;145;g3152b83c829_0_71:notes"/>
-          <p:cNvSpPr>
-            <a:spLocks noGrp="1" noRot="1" noChangeAspect="1"/>
-          </p:cNvSpPr>
-          <p:nvPr>
-            <p:ph type="sldImg" idx="2"/>
-          </p:nvPr>
-        </p:nvSpPr>
-        <p:spPr>
-          <a:xfrm>
-            <a:off x="381300" y="685800"/>
-            <a:ext cx="6096000" cy="3429000"/>
-          </a:xfrm>
-          <a:custGeom>
-            <a:avLst/>
-            <a:gdLst/>
-            <a:ahLst/>
-            <a:cxnLst/>
-            <a:rect l="l" t="t" r="r" b="b"/>
-            <a:pathLst>
-              <a:path w="120000" h="120000" extrusionOk="0">
-                <a:moveTo>
-                  <a:pt x="0" y="0"/>
-                </a:moveTo>
-                <a:lnTo>
-                  <a:pt x="120000" y="0"/>
-                </a:lnTo>
-                <a:lnTo>
-                  <a:pt x="120000" y="120000"/>
-                </a:lnTo>
-                <a:lnTo>
-                  <a:pt x="0" y="120000"/>
-                </a:lnTo>
-                <a:close/>
-              </a:path>
-            </a:pathLst>
-          </a:custGeom>
-        </p:spPr>
-      </p:sp>
-      <p:sp>
-        <p:nvSpPr>
-          <p:cNvPr id="146" name="Google Shape;146;g3152b83c829_0_71:notes"/>
-          <p:cNvSpPr txBox="1">
-            <a:spLocks noGrp="1"/>
-          </p:cNvSpPr>
-          <p:nvPr>
-            <p:ph type="body" idx="1"/>
-          </p:nvPr>
-        </p:nvSpPr>
-        <p:spPr>
-          <a:xfrm>
-            <a:off x="685800" y="4343400"/>
-            <a:ext cx="5486400" cy="4114800"/>
-          </a:xfrm>
-          <a:prstGeom prst="rect">
-            <a:avLst/>
-          </a:prstGeom>
-        </p:spPr>
-        <p:txBody>
-          <a:bodyPr spcFirstLastPara="1" wrap="square" lIns="91425" tIns="91425" rIns="91425" bIns="91425" anchor="t" anchorCtr="0">
-            <a:noAutofit/>
-          </a:bodyPr>
-          <a:lstStyle/>
-          <a:p>
-            <a:pPr marL="0" lvl="0" indent="0" algn="l" rtl="0">
-              <a:spcBef>
-                <a:spcPts val="0"/>
-              </a:spcBef>
-              <a:spcAft>
-                <a:spcPts val="0"/>
-              </a:spcAft>
-              <a:buNone/>
-            </a:pPr>
-            <a:endParaRPr/>
-          </a:p>
-        </p:txBody>
-      </p:sp>
-    </p:spTree>
-  </p:cSld>
-  <p:clrMapOvr>
-    <a:masterClrMapping/>
-  </p:clrMapOvr>
-</p:notes>
-</file>
-
-<file path=ppt/notesSlides/notesSlide15.xml><?xml version="1.0" encoding="utf-8"?>
-<p:notes xmlns:a="http://schemas.openxmlformats.org/drawingml/2006/main" xmlns:r="http://schemas.openxmlformats.org/officeDocument/2006/relationships" xmlns:p="http://schemas.openxmlformats.org/presentationml/2006/main" showMasterSp="0" showMasterPhAnim="0">
-  <p:cSld>
-    <p:spTree>
-      <p:nvGrpSpPr>
-        <p:cNvPr id="1" name="Shape 151"/>
-        <p:cNvGrpSpPr/>
-        <p:nvPr/>
-      </p:nvGrpSpPr>
-      <p:grpSpPr>
-        <a:xfrm>
-          <a:off x="0" y="0"/>
-          <a:ext cx="0" cy="0"/>
-          <a:chOff x="0" y="0"/>
-          <a:chExt cx="0" cy="0"/>
-        </a:xfrm>
-      </p:grpSpPr>
-      <p:sp>
-        <p:nvSpPr>
-          <p:cNvPr id="152" name="Google Shape;152;g3152b83c829_0_77:notes"/>
-          <p:cNvSpPr>
-            <a:spLocks noGrp="1" noRot="1" noChangeAspect="1"/>
-          </p:cNvSpPr>
-          <p:nvPr>
-            <p:ph type="sldImg" idx="2"/>
-          </p:nvPr>
-        </p:nvSpPr>
-        <p:spPr>
-          <a:xfrm>
-            <a:off x="381300" y="685800"/>
-            <a:ext cx="6096000" cy="3429000"/>
-          </a:xfrm>
-          <a:custGeom>
-            <a:avLst/>
-            <a:gdLst/>
-            <a:ahLst/>
-            <a:cxnLst/>
-            <a:rect l="l" t="t" r="r" b="b"/>
-            <a:pathLst>
-              <a:path w="120000" h="120000" extrusionOk="0">
-                <a:moveTo>
-                  <a:pt x="0" y="0"/>
-                </a:moveTo>
-                <a:lnTo>
-                  <a:pt x="120000" y="0"/>
-                </a:lnTo>
-                <a:lnTo>
-                  <a:pt x="120000" y="120000"/>
-                </a:lnTo>
-                <a:lnTo>
-                  <a:pt x="0" y="120000"/>
-                </a:lnTo>
-                <a:close/>
-              </a:path>
-            </a:pathLst>
-          </a:custGeom>
-        </p:spPr>
-      </p:sp>
-      <p:sp>
-        <p:nvSpPr>
-          <p:cNvPr id="153" name="Google Shape;153;g3152b83c829_0_77:notes"/>
-          <p:cNvSpPr txBox="1">
-            <a:spLocks noGrp="1"/>
-          </p:cNvSpPr>
-          <p:nvPr>
-            <p:ph type="body" idx="1"/>
-          </p:nvPr>
-        </p:nvSpPr>
-        <p:spPr>
-          <a:xfrm>
-            <a:off x="685800" y="4343400"/>
-            <a:ext cx="5486400" cy="4114800"/>
-          </a:xfrm>
-          <a:prstGeom prst="rect">
-            <a:avLst/>
-          </a:prstGeom>
-        </p:spPr>
-        <p:txBody>
-          <a:bodyPr spcFirstLastPara="1" wrap="square" lIns="91425" tIns="91425" rIns="91425" bIns="91425" anchor="t" anchorCtr="0">
-            <a:noAutofit/>
-          </a:bodyPr>
-          <a:lstStyle/>
-          <a:p>
-            <a:pPr marL="0" lvl="0" indent="0" algn="l" rtl="0">
-              <a:spcBef>
-                <a:spcPts val="0"/>
-              </a:spcBef>
-              <a:spcAft>
-                <a:spcPts val="0"/>
-              </a:spcAft>
-              <a:buNone/>
-            </a:pPr>
-            <a:endParaRPr/>
-          </a:p>
-        </p:txBody>
-      </p:sp>
-    </p:spTree>
-  </p:cSld>
-  <p:clrMapOvr>
-    <a:masterClrMapping/>
-  </p:clrMapOvr>
-</p:notes>
-</file>
-
-<file path=ppt/notesSlides/notesSlide16.xml><?xml version="1.0" encoding="utf-8"?>
+<file path=ppt/notesSlides/notesSlide7.xml><?xml version="1.0" encoding="utf-8"?>
 <p:notes xmlns:a="http://schemas.openxmlformats.org/drawingml/2006/main" xmlns:r="http://schemas.openxmlformats.org/officeDocument/2006/relationships" xmlns:p="http://schemas.openxmlformats.org/presentationml/2006/main" showMasterSp="0" showMasterPhAnim="0">
   <p:cSld>
     <p:spTree>
@@ -1487,7 +1397,7 @@
         </p:nvSpPr>
         <p:spPr>
           <a:xfrm>
-            <a:off x="381300" y="685800"/>
+            <a:off x="381000" y="685800"/>
             <a:ext cx="6096000" cy="3429000"/>
           </a:xfrm>
           <a:custGeom>
@@ -1562,7 +1472,7 @@
 </p:notes>
 </file>
 
-<file path=ppt/notesSlides/notesSlide17.xml><?xml version="1.0" encoding="utf-8"?>
+<file path=ppt/notesSlides/notesSlide8.xml><?xml version="1.0" encoding="utf-8"?>
 <p:notes xmlns:a="http://schemas.openxmlformats.org/drawingml/2006/main" xmlns:r="http://schemas.openxmlformats.org/officeDocument/2006/relationships" xmlns:p="http://schemas.openxmlformats.org/presentationml/2006/main" showMasterSp="0" showMasterPhAnim="0">
   <p:cSld>
     <p:spTree>
@@ -1591,7 +1501,7 @@
         </p:nvSpPr>
         <p:spPr>
           <a:xfrm>
-            <a:off x="381300" y="685800"/>
+            <a:off x="381000" y="685800"/>
             <a:ext cx="6096000" cy="3429000"/>
           </a:xfrm>
           <a:custGeom>
@@ -1666,12 +1576,12 @@
 </p:notes>
 </file>
 
-<file path=ppt/notesSlides/notesSlide2.xml><?xml version="1.0" encoding="utf-8"?>
-<p:notes xmlns:a="http://schemas.openxmlformats.org/drawingml/2006/main" xmlns:r="http://schemas.openxmlformats.org/officeDocument/2006/relationships" xmlns:p="http://schemas.openxmlformats.org/presentationml/2006/main" showMasterSp="0" showMasterPhAnim="0">
-  <p:cSld>
+<file path=ppt/slideLayouts/slideLayout1.xml><?xml version="1.0" encoding="utf-8"?>
+<p:sldLayout xmlns:a="http://schemas.openxmlformats.org/drawingml/2006/main" xmlns:r="http://schemas.openxmlformats.org/officeDocument/2006/relationships" xmlns:p="http://schemas.openxmlformats.org/presentationml/2006/main" matchingName="Section header" type="secHead">
+  <p:cSld name="SECTION_HEADER">
     <p:spTree>
       <p:nvGrpSpPr>
-        <p:cNvPr id="1" name="Shape 55"/>
+        <p:cNvPr id="1" name="Shape 13"/>
         <p:cNvGrpSpPr/>
         <p:nvPr/>
       </p:nvGrpSpPr>
@@ -1685,857 +1595,25 @@
       </p:grpSpPr>
       <p:sp>
         <p:nvSpPr>
-          <p:cNvPr id="56" name="Google Shape;56;g3152b83c829_0_0:notes"/>
-          <p:cNvSpPr>
-            <a:spLocks noGrp="1" noRot="1" noChangeAspect="1"/>
+          <p:cNvPr id="14" name="Google Shape;14;p3"/>
+          <p:cNvSpPr txBox="1">
+            <a:spLocks noGrp="1"/>
           </p:cNvSpPr>
           <p:nvPr>
-            <p:ph type="sldImg" idx="2"/>
+            <p:ph type="title"/>
           </p:nvPr>
         </p:nvSpPr>
         <p:spPr>
           <a:xfrm>
-            <a:off x="381000" y="685800"/>
-            <a:ext cx="6096000" cy="3429000"/>
-          </a:xfrm>
-          <a:custGeom>
-            <a:avLst/>
-            <a:gdLst/>
-            <a:ahLst/>
-            <a:cxnLst/>
-            <a:rect l="l" t="t" r="r" b="b"/>
-            <a:pathLst>
-              <a:path w="120000" h="120000" extrusionOk="0">
-                <a:moveTo>
-                  <a:pt x="0" y="0"/>
-                </a:moveTo>
-                <a:lnTo>
-                  <a:pt x="120000" y="0"/>
-                </a:lnTo>
-                <a:lnTo>
-                  <a:pt x="120000" y="120000"/>
-                </a:lnTo>
-                <a:lnTo>
-                  <a:pt x="0" y="120000"/>
-                </a:lnTo>
-                <a:close/>
-              </a:path>
-            </a:pathLst>
-          </a:custGeom>
-        </p:spPr>
-      </p:sp>
-      <p:sp>
-        <p:nvSpPr>
-          <p:cNvPr id="57" name="Google Shape;57;g3152b83c829_0_0:notes"/>
-          <p:cNvSpPr txBox="1">
-            <a:spLocks noGrp="1"/>
-          </p:cNvSpPr>
-          <p:nvPr>
-            <p:ph type="body" idx="1"/>
-          </p:nvPr>
-        </p:nvSpPr>
-        <p:spPr>
-          <a:xfrm>
-            <a:off x="685800" y="4343400"/>
-            <a:ext cx="5486400" cy="4114800"/>
+            <a:off x="311700" y="2150850"/>
+            <a:ext cx="8520600" cy="841800"/>
           </a:xfrm>
           <a:prstGeom prst="rect">
             <a:avLst/>
           </a:prstGeom>
         </p:spPr>
         <p:txBody>
-          <a:bodyPr spcFirstLastPara="1" wrap="square" lIns="91425" tIns="91425" rIns="91425" bIns="91425" anchor="t" anchorCtr="0">
-            <a:noAutofit/>
-          </a:bodyPr>
-          <a:lstStyle/>
-          <a:p>
-            <a:pPr marL="0" lvl="0" indent="0" algn="l" rtl="0">
-              <a:spcBef>
-                <a:spcPts val="0"/>
-              </a:spcBef>
-              <a:spcAft>
-                <a:spcPts val="0"/>
-              </a:spcAft>
-              <a:buNone/>
-            </a:pPr>
-            <a:endParaRPr/>
-          </a:p>
-        </p:txBody>
-      </p:sp>
-    </p:spTree>
-  </p:cSld>
-  <p:clrMapOvr>
-    <a:masterClrMapping/>
-  </p:clrMapOvr>
-</p:notes>
-</file>
-
-<file path=ppt/notesSlides/notesSlide3.xml><?xml version="1.0" encoding="utf-8"?>
-<p:notes xmlns:a="http://schemas.openxmlformats.org/drawingml/2006/main" xmlns:r="http://schemas.openxmlformats.org/officeDocument/2006/relationships" xmlns:p="http://schemas.openxmlformats.org/presentationml/2006/main" showMasterSp="0" showMasterPhAnim="0">
-  <p:cSld>
-    <p:spTree>
-      <p:nvGrpSpPr>
-        <p:cNvPr id="1" name="Shape 65"/>
-        <p:cNvGrpSpPr/>
-        <p:nvPr/>
-      </p:nvGrpSpPr>
-      <p:grpSpPr>
-        <a:xfrm>
-          <a:off x="0" y="0"/>
-          <a:ext cx="0" cy="0"/>
-          <a:chOff x="0" y="0"/>
-          <a:chExt cx="0" cy="0"/>
-        </a:xfrm>
-      </p:grpSpPr>
-      <p:sp>
-        <p:nvSpPr>
-          <p:cNvPr id="66" name="Google Shape;66;g3152b83c829_0_8:notes"/>
-          <p:cNvSpPr>
-            <a:spLocks noGrp="1" noRot="1" noChangeAspect="1"/>
-          </p:cNvSpPr>
-          <p:nvPr>
-            <p:ph type="sldImg" idx="2"/>
-          </p:nvPr>
-        </p:nvSpPr>
-        <p:spPr>
-          <a:xfrm>
-            <a:off x="381300" y="685800"/>
-            <a:ext cx="6096000" cy="3429000"/>
-          </a:xfrm>
-          <a:custGeom>
-            <a:avLst/>
-            <a:gdLst/>
-            <a:ahLst/>
-            <a:cxnLst/>
-            <a:rect l="l" t="t" r="r" b="b"/>
-            <a:pathLst>
-              <a:path w="120000" h="120000" extrusionOk="0">
-                <a:moveTo>
-                  <a:pt x="0" y="0"/>
-                </a:moveTo>
-                <a:lnTo>
-                  <a:pt x="120000" y="0"/>
-                </a:lnTo>
-                <a:lnTo>
-                  <a:pt x="120000" y="120000"/>
-                </a:lnTo>
-                <a:lnTo>
-                  <a:pt x="0" y="120000"/>
-                </a:lnTo>
-                <a:close/>
-              </a:path>
-            </a:pathLst>
-          </a:custGeom>
-        </p:spPr>
-      </p:sp>
-      <p:sp>
-        <p:nvSpPr>
-          <p:cNvPr id="67" name="Google Shape;67;g3152b83c829_0_8:notes"/>
-          <p:cNvSpPr txBox="1">
-            <a:spLocks noGrp="1"/>
-          </p:cNvSpPr>
-          <p:nvPr>
-            <p:ph type="body" idx="1"/>
-          </p:nvPr>
-        </p:nvSpPr>
-        <p:spPr>
-          <a:xfrm>
-            <a:off x="685800" y="4343400"/>
-            <a:ext cx="5486400" cy="4114800"/>
-          </a:xfrm>
-          <a:prstGeom prst="rect">
-            <a:avLst/>
-          </a:prstGeom>
-        </p:spPr>
-        <p:txBody>
-          <a:bodyPr spcFirstLastPara="1" wrap="square" lIns="91425" tIns="91425" rIns="91425" bIns="91425" anchor="t" anchorCtr="0">
-            <a:noAutofit/>
-          </a:bodyPr>
-          <a:lstStyle/>
-          <a:p>
-            <a:pPr marL="0" lvl="0" indent="0" algn="l" rtl="0">
-              <a:spcBef>
-                <a:spcPts val="0"/>
-              </a:spcBef>
-              <a:spcAft>
-                <a:spcPts val="0"/>
-              </a:spcAft>
-              <a:buNone/>
-            </a:pPr>
-            <a:endParaRPr/>
-          </a:p>
-        </p:txBody>
-      </p:sp>
-    </p:spTree>
-  </p:cSld>
-  <p:clrMapOvr>
-    <a:masterClrMapping/>
-  </p:clrMapOvr>
-</p:notes>
-</file>
-
-<file path=ppt/notesSlides/notesSlide4.xml><?xml version="1.0" encoding="utf-8"?>
-<p:notes xmlns:a="http://schemas.openxmlformats.org/drawingml/2006/main" xmlns:r="http://schemas.openxmlformats.org/officeDocument/2006/relationships" xmlns:p="http://schemas.openxmlformats.org/presentationml/2006/main" showMasterSp="0" showMasterPhAnim="0">
-  <p:cSld>
-    <p:spTree>
-      <p:nvGrpSpPr>
-        <p:cNvPr id="1" name="Shape 75"/>
-        <p:cNvGrpSpPr/>
-        <p:nvPr/>
-      </p:nvGrpSpPr>
-      <p:grpSpPr>
-        <a:xfrm>
-          <a:off x="0" y="0"/>
-          <a:ext cx="0" cy="0"/>
-          <a:chOff x="0" y="0"/>
-          <a:chExt cx="0" cy="0"/>
-        </a:xfrm>
-      </p:grpSpPr>
-      <p:sp>
-        <p:nvSpPr>
-          <p:cNvPr id="76" name="Google Shape;76;g3152b83c829_0_17:notes"/>
-          <p:cNvSpPr>
-            <a:spLocks noGrp="1" noRot="1" noChangeAspect="1"/>
-          </p:cNvSpPr>
-          <p:nvPr>
-            <p:ph type="sldImg" idx="2"/>
-          </p:nvPr>
-        </p:nvSpPr>
-        <p:spPr>
-          <a:xfrm>
-            <a:off x="381300" y="685800"/>
-            <a:ext cx="6096000" cy="3429000"/>
-          </a:xfrm>
-          <a:custGeom>
-            <a:avLst/>
-            <a:gdLst/>
-            <a:ahLst/>
-            <a:cxnLst/>
-            <a:rect l="l" t="t" r="r" b="b"/>
-            <a:pathLst>
-              <a:path w="120000" h="120000" extrusionOk="0">
-                <a:moveTo>
-                  <a:pt x="0" y="0"/>
-                </a:moveTo>
-                <a:lnTo>
-                  <a:pt x="120000" y="0"/>
-                </a:lnTo>
-                <a:lnTo>
-                  <a:pt x="120000" y="120000"/>
-                </a:lnTo>
-                <a:lnTo>
-                  <a:pt x="0" y="120000"/>
-                </a:lnTo>
-                <a:close/>
-              </a:path>
-            </a:pathLst>
-          </a:custGeom>
-        </p:spPr>
-      </p:sp>
-      <p:sp>
-        <p:nvSpPr>
-          <p:cNvPr id="77" name="Google Shape;77;g3152b83c829_0_17:notes"/>
-          <p:cNvSpPr txBox="1">
-            <a:spLocks noGrp="1"/>
-          </p:cNvSpPr>
-          <p:nvPr>
-            <p:ph type="body" idx="1"/>
-          </p:nvPr>
-        </p:nvSpPr>
-        <p:spPr>
-          <a:xfrm>
-            <a:off x="685800" y="4343400"/>
-            <a:ext cx="5486400" cy="4114800"/>
-          </a:xfrm>
-          <a:prstGeom prst="rect">
-            <a:avLst/>
-          </a:prstGeom>
-        </p:spPr>
-        <p:txBody>
-          <a:bodyPr spcFirstLastPara="1" wrap="square" lIns="91425" tIns="91425" rIns="91425" bIns="91425" anchor="t" anchorCtr="0">
-            <a:noAutofit/>
-          </a:bodyPr>
-          <a:lstStyle/>
-          <a:p>
-            <a:pPr marL="0" lvl="0" indent="0" algn="l" rtl="0">
-              <a:spcBef>
-                <a:spcPts val="0"/>
-              </a:spcBef>
-              <a:spcAft>
-                <a:spcPts val="0"/>
-              </a:spcAft>
-              <a:buNone/>
-            </a:pPr>
-            <a:endParaRPr/>
-          </a:p>
-        </p:txBody>
-      </p:sp>
-    </p:spTree>
-  </p:cSld>
-  <p:clrMapOvr>
-    <a:masterClrMapping/>
-  </p:clrMapOvr>
-</p:notes>
-</file>
-
-<file path=ppt/notesSlides/notesSlide5.xml><?xml version="1.0" encoding="utf-8"?>
-<p:notes xmlns:a="http://schemas.openxmlformats.org/drawingml/2006/main" xmlns:r="http://schemas.openxmlformats.org/officeDocument/2006/relationships" xmlns:p="http://schemas.openxmlformats.org/presentationml/2006/main" showMasterSp="0" showMasterPhAnim="0">
-  <p:cSld>
-    <p:spTree>
-      <p:nvGrpSpPr>
-        <p:cNvPr id="1" name="Shape 81"/>
-        <p:cNvGrpSpPr/>
-        <p:nvPr/>
-      </p:nvGrpSpPr>
-      <p:grpSpPr>
-        <a:xfrm>
-          <a:off x="0" y="0"/>
-          <a:ext cx="0" cy="0"/>
-          <a:chOff x="0" y="0"/>
-          <a:chExt cx="0" cy="0"/>
-        </a:xfrm>
-      </p:grpSpPr>
-      <p:sp>
-        <p:nvSpPr>
-          <p:cNvPr id="82" name="Google Shape;82;g31521ac731c_0_0:notes"/>
-          <p:cNvSpPr>
-            <a:spLocks noGrp="1" noRot="1" noChangeAspect="1"/>
-          </p:cNvSpPr>
-          <p:nvPr>
-            <p:ph type="sldImg" idx="2"/>
-          </p:nvPr>
-        </p:nvSpPr>
-        <p:spPr>
-          <a:xfrm>
-            <a:off x="381000" y="685800"/>
-            <a:ext cx="6096000" cy="3429000"/>
-          </a:xfrm>
-          <a:custGeom>
-            <a:avLst/>
-            <a:gdLst/>
-            <a:ahLst/>
-            <a:cxnLst/>
-            <a:rect l="l" t="t" r="r" b="b"/>
-            <a:pathLst>
-              <a:path w="120000" h="120000" extrusionOk="0">
-                <a:moveTo>
-                  <a:pt x="0" y="0"/>
-                </a:moveTo>
-                <a:lnTo>
-                  <a:pt x="120000" y="0"/>
-                </a:lnTo>
-                <a:lnTo>
-                  <a:pt x="120000" y="120000"/>
-                </a:lnTo>
-                <a:lnTo>
-                  <a:pt x="0" y="120000"/>
-                </a:lnTo>
-                <a:close/>
-              </a:path>
-            </a:pathLst>
-          </a:custGeom>
-        </p:spPr>
-      </p:sp>
-      <p:sp>
-        <p:nvSpPr>
-          <p:cNvPr id="83" name="Google Shape;83;g31521ac731c_0_0:notes"/>
-          <p:cNvSpPr txBox="1">
-            <a:spLocks noGrp="1"/>
-          </p:cNvSpPr>
-          <p:nvPr>
-            <p:ph type="body" idx="1"/>
-          </p:nvPr>
-        </p:nvSpPr>
-        <p:spPr>
-          <a:xfrm>
-            <a:off x="685800" y="4343400"/>
-            <a:ext cx="5486400" cy="4114800"/>
-          </a:xfrm>
-          <a:prstGeom prst="rect">
-            <a:avLst/>
-          </a:prstGeom>
-        </p:spPr>
-        <p:txBody>
-          <a:bodyPr spcFirstLastPara="1" wrap="square" lIns="91425" tIns="91425" rIns="91425" bIns="91425" anchor="t" anchorCtr="0">
-            <a:noAutofit/>
-          </a:bodyPr>
-          <a:lstStyle/>
-          <a:p>
-            <a:pPr marL="0" lvl="0" indent="0" algn="l" rtl="0">
-              <a:spcBef>
-                <a:spcPts val="0"/>
-              </a:spcBef>
-              <a:spcAft>
-                <a:spcPts val="0"/>
-              </a:spcAft>
-              <a:buNone/>
-            </a:pPr>
-            <a:endParaRPr/>
-          </a:p>
-        </p:txBody>
-      </p:sp>
-    </p:spTree>
-  </p:cSld>
-  <p:clrMapOvr>
-    <a:masterClrMapping/>
-  </p:clrMapOvr>
-</p:notes>
-</file>
-
-<file path=ppt/notesSlides/notesSlide6.xml><?xml version="1.0" encoding="utf-8"?>
-<p:notes xmlns:a="http://schemas.openxmlformats.org/drawingml/2006/main" xmlns:r="http://schemas.openxmlformats.org/officeDocument/2006/relationships" xmlns:p="http://schemas.openxmlformats.org/presentationml/2006/main" showMasterSp="0" showMasterPhAnim="0">
-  <p:cSld>
-    <p:spTree>
-      <p:nvGrpSpPr>
-        <p:cNvPr id="1" name="Shape 88"/>
-        <p:cNvGrpSpPr/>
-        <p:nvPr/>
-      </p:nvGrpSpPr>
-      <p:grpSpPr>
-        <a:xfrm>
-          <a:off x="0" y="0"/>
-          <a:ext cx="0" cy="0"/>
-          <a:chOff x="0" y="0"/>
-          <a:chExt cx="0" cy="0"/>
-        </a:xfrm>
-      </p:grpSpPr>
-      <p:sp>
-        <p:nvSpPr>
-          <p:cNvPr id="89" name="Google Shape;89;g3152b83c829_0_23:notes"/>
-          <p:cNvSpPr>
-            <a:spLocks noGrp="1" noRot="1" noChangeAspect="1"/>
-          </p:cNvSpPr>
-          <p:nvPr>
-            <p:ph type="sldImg" idx="2"/>
-          </p:nvPr>
-        </p:nvSpPr>
-        <p:spPr>
-          <a:xfrm>
-            <a:off x="381000" y="685800"/>
-            <a:ext cx="6096000" cy="3429000"/>
-          </a:xfrm>
-          <a:custGeom>
-            <a:avLst/>
-            <a:gdLst/>
-            <a:ahLst/>
-            <a:cxnLst/>
-            <a:rect l="l" t="t" r="r" b="b"/>
-            <a:pathLst>
-              <a:path w="120000" h="120000" extrusionOk="0">
-                <a:moveTo>
-                  <a:pt x="0" y="0"/>
-                </a:moveTo>
-                <a:lnTo>
-                  <a:pt x="120000" y="0"/>
-                </a:lnTo>
-                <a:lnTo>
-                  <a:pt x="120000" y="120000"/>
-                </a:lnTo>
-                <a:lnTo>
-                  <a:pt x="0" y="120000"/>
-                </a:lnTo>
-                <a:close/>
-              </a:path>
-            </a:pathLst>
-          </a:custGeom>
-        </p:spPr>
-      </p:sp>
-      <p:sp>
-        <p:nvSpPr>
-          <p:cNvPr id="90" name="Google Shape;90;g3152b83c829_0_23:notes"/>
-          <p:cNvSpPr txBox="1">
-            <a:spLocks noGrp="1"/>
-          </p:cNvSpPr>
-          <p:nvPr>
-            <p:ph type="body" idx="1"/>
-          </p:nvPr>
-        </p:nvSpPr>
-        <p:spPr>
-          <a:xfrm>
-            <a:off x="685800" y="4343400"/>
-            <a:ext cx="5486400" cy="4114800"/>
-          </a:xfrm>
-          <a:prstGeom prst="rect">
-            <a:avLst/>
-          </a:prstGeom>
-        </p:spPr>
-        <p:txBody>
-          <a:bodyPr spcFirstLastPara="1" wrap="square" lIns="91425" tIns="91425" rIns="91425" bIns="91425" anchor="t" anchorCtr="0">
-            <a:noAutofit/>
-          </a:bodyPr>
-          <a:lstStyle/>
-          <a:p>
-            <a:pPr marL="0" lvl="0" indent="0" algn="l" rtl="0">
-              <a:spcBef>
-                <a:spcPts val="0"/>
-              </a:spcBef>
-              <a:spcAft>
-                <a:spcPts val="0"/>
-              </a:spcAft>
-              <a:buNone/>
-            </a:pPr>
-            <a:endParaRPr/>
-          </a:p>
-        </p:txBody>
-      </p:sp>
-    </p:spTree>
-  </p:cSld>
-  <p:clrMapOvr>
-    <a:masterClrMapping/>
-  </p:clrMapOvr>
-</p:notes>
-</file>
-
-<file path=ppt/notesSlides/notesSlide7.xml><?xml version="1.0" encoding="utf-8"?>
-<p:notes xmlns:a="http://schemas.openxmlformats.org/drawingml/2006/main" xmlns:r="http://schemas.openxmlformats.org/officeDocument/2006/relationships" xmlns:p="http://schemas.openxmlformats.org/presentationml/2006/main" showMasterSp="0" showMasterPhAnim="0">
-  <p:cSld>
-    <p:spTree>
-      <p:nvGrpSpPr>
-        <p:cNvPr id="1" name="Shape 95"/>
-        <p:cNvGrpSpPr/>
-        <p:nvPr/>
-      </p:nvGrpSpPr>
-      <p:grpSpPr>
-        <a:xfrm>
-          <a:off x="0" y="0"/>
-          <a:ext cx="0" cy="0"/>
-          <a:chOff x="0" y="0"/>
-          <a:chExt cx="0" cy="0"/>
-        </a:xfrm>
-      </p:grpSpPr>
-      <p:sp>
-        <p:nvSpPr>
-          <p:cNvPr id="96" name="Google Shape;96;g3152b83c829_0_29:notes"/>
-          <p:cNvSpPr>
-            <a:spLocks noGrp="1" noRot="1" noChangeAspect="1"/>
-          </p:cNvSpPr>
-          <p:nvPr>
-            <p:ph type="sldImg" idx="2"/>
-          </p:nvPr>
-        </p:nvSpPr>
-        <p:spPr>
-          <a:xfrm>
-            <a:off x="381000" y="685800"/>
-            <a:ext cx="6096000" cy="3429000"/>
-          </a:xfrm>
-          <a:custGeom>
-            <a:avLst/>
-            <a:gdLst/>
-            <a:ahLst/>
-            <a:cxnLst/>
-            <a:rect l="l" t="t" r="r" b="b"/>
-            <a:pathLst>
-              <a:path w="120000" h="120000" extrusionOk="0">
-                <a:moveTo>
-                  <a:pt x="0" y="0"/>
-                </a:moveTo>
-                <a:lnTo>
-                  <a:pt x="120000" y="0"/>
-                </a:lnTo>
-                <a:lnTo>
-                  <a:pt x="120000" y="120000"/>
-                </a:lnTo>
-                <a:lnTo>
-                  <a:pt x="0" y="120000"/>
-                </a:lnTo>
-                <a:close/>
-              </a:path>
-            </a:pathLst>
-          </a:custGeom>
-        </p:spPr>
-      </p:sp>
-      <p:sp>
-        <p:nvSpPr>
-          <p:cNvPr id="97" name="Google Shape;97;g3152b83c829_0_29:notes"/>
-          <p:cNvSpPr txBox="1">
-            <a:spLocks noGrp="1"/>
-          </p:cNvSpPr>
-          <p:nvPr>
-            <p:ph type="body" idx="1"/>
-          </p:nvPr>
-        </p:nvSpPr>
-        <p:spPr>
-          <a:xfrm>
-            <a:off x="685800" y="4343400"/>
-            <a:ext cx="5486400" cy="4114800"/>
-          </a:xfrm>
-          <a:prstGeom prst="rect">
-            <a:avLst/>
-          </a:prstGeom>
-        </p:spPr>
-        <p:txBody>
-          <a:bodyPr spcFirstLastPara="1" wrap="square" lIns="91425" tIns="91425" rIns="91425" bIns="91425" anchor="t" anchorCtr="0">
-            <a:noAutofit/>
-          </a:bodyPr>
-          <a:lstStyle/>
-          <a:p>
-            <a:pPr marL="0" lvl="0" indent="0" algn="l" rtl="0">
-              <a:spcBef>
-                <a:spcPts val="0"/>
-              </a:spcBef>
-              <a:spcAft>
-                <a:spcPts val="0"/>
-              </a:spcAft>
-              <a:buNone/>
-            </a:pPr>
-            <a:endParaRPr/>
-          </a:p>
-        </p:txBody>
-      </p:sp>
-    </p:spTree>
-  </p:cSld>
-  <p:clrMapOvr>
-    <a:masterClrMapping/>
-  </p:clrMapOvr>
-</p:notes>
-</file>
-
-<file path=ppt/notesSlides/notesSlide8.xml><?xml version="1.0" encoding="utf-8"?>
-<p:notes xmlns:a="http://schemas.openxmlformats.org/drawingml/2006/main" xmlns:r="http://schemas.openxmlformats.org/officeDocument/2006/relationships" xmlns:p="http://schemas.openxmlformats.org/presentationml/2006/main" showMasterSp="0" showMasterPhAnim="0">
-  <p:cSld>
-    <p:spTree>
-      <p:nvGrpSpPr>
-        <p:cNvPr id="1" name="Shape 102"/>
-        <p:cNvGrpSpPr/>
-        <p:nvPr/>
-      </p:nvGrpSpPr>
-      <p:grpSpPr>
-        <a:xfrm>
-          <a:off x="0" y="0"/>
-          <a:ext cx="0" cy="0"/>
-          <a:chOff x="0" y="0"/>
-          <a:chExt cx="0" cy="0"/>
-        </a:xfrm>
-      </p:grpSpPr>
-      <p:sp>
-        <p:nvSpPr>
-          <p:cNvPr id="103" name="Google Shape;103;g3152b83c829_0_35:notes"/>
-          <p:cNvSpPr>
-            <a:spLocks noGrp="1" noRot="1" noChangeAspect="1"/>
-          </p:cNvSpPr>
-          <p:nvPr>
-            <p:ph type="sldImg" idx="2"/>
-          </p:nvPr>
-        </p:nvSpPr>
-        <p:spPr>
-          <a:xfrm>
-            <a:off x="381300" y="685800"/>
-            <a:ext cx="6096000" cy="3429000"/>
-          </a:xfrm>
-          <a:custGeom>
-            <a:avLst/>
-            <a:gdLst/>
-            <a:ahLst/>
-            <a:cxnLst/>
-            <a:rect l="l" t="t" r="r" b="b"/>
-            <a:pathLst>
-              <a:path w="120000" h="120000" extrusionOk="0">
-                <a:moveTo>
-                  <a:pt x="0" y="0"/>
-                </a:moveTo>
-                <a:lnTo>
-                  <a:pt x="120000" y="0"/>
-                </a:lnTo>
-                <a:lnTo>
-                  <a:pt x="120000" y="120000"/>
-                </a:lnTo>
-                <a:lnTo>
-                  <a:pt x="0" y="120000"/>
-                </a:lnTo>
-                <a:close/>
-              </a:path>
-            </a:pathLst>
-          </a:custGeom>
-        </p:spPr>
-      </p:sp>
-      <p:sp>
-        <p:nvSpPr>
-          <p:cNvPr id="104" name="Google Shape;104;g3152b83c829_0_35:notes"/>
-          <p:cNvSpPr txBox="1">
-            <a:spLocks noGrp="1"/>
-          </p:cNvSpPr>
-          <p:nvPr>
-            <p:ph type="body" idx="1"/>
-          </p:nvPr>
-        </p:nvSpPr>
-        <p:spPr>
-          <a:xfrm>
-            <a:off x="685800" y="4343400"/>
-            <a:ext cx="5486400" cy="4114800"/>
-          </a:xfrm>
-          <a:prstGeom prst="rect">
-            <a:avLst/>
-          </a:prstGeom>
-        </p:spPr>
-        <p:txBody>
-          <a:bodyPr spcFirstLastPara="1" wrap="square" lIns="91425" tIns="91425" rIns="91425" bIns="91425" anchor="t" anchorCtr="0">
-            <a:noAutofit/>
-          </a:bodyPr>
-          <a:lstStyle/>
-          <a:p>
-            <a:pPr marL="0" lvl="0" indent="0" algn="l" rtl="0">
-              <a:spcBef>
-                <a:spcPts val="0"/>
-              </a:spcBef>
-              <a:spcAft>
-                <a:spcPts val="0"/>
-              </a:spcAft>
-              <a:buNone/>
-            </a:pPr>
-            <a:endParaRPr/>
-          </a:p>
-        </p:txBody>
-      </p:sp>
-    </p:spTree>
-  </p:cSld>
-  <p:clrMapOvr>
-    <a:masterClrMapping/>
-  </p:clrMapOvr>
-</p:notes>
-</file>
-
-<file path=ppt/notesSlides/notesSlide9.xml><?xml version="1.0" encoding="utf-8"?>
-<p:notes xmlns:a="http://schemas.openxmlformats.org/drawingml/2006/main" xmlns:r="http://schemas.openxmlformats.org/officeDocument/2006/relationships" xmlns:p="http://schemas.openxmlformats.org/presentationml/2006/main" showMasterSp="0" showMasterPhAnim="0">
-  <p:cSld>
-    <p:spTree>
-      <p:nvGrpSpPr>
-        <p:cNvPr id="1" name="Shape 109"/>
-        <p:cNvGrpSpPr/>
-        <p:nvPr/>
-      </p:nvGrpSpPr>
-      <p:grpSpPr>
-        <a:xfrm>
-          <a:off x="0" y="0"/>
-          <a:ext cx="0" cy="0"/>
-          <a:chOff x="0" y="0"/>
-          <a:chExt cx="0" cy="0"/>
-        </a:xfrm>
-      </p:grpSpPr>
-      <p:sp>
-        <p:nvSpPr>
-          <p:cNvPr id="110" name="Google Shape;110;g3152b83c829_0_41:notes"/>
-          <p:cNvSpPr>
-            <a:spLocks noGrp="1" noRot="1" noChangeAspect="1"/>
-          </p:cNvSpPr>
-          <p:nvPr>
-            <p:ph type="sldImg" idx="2"/>
-          </p:nvPr>
-        </p:nvSpPr>
-        <p:spPr>
-          <a:xfrm>
-            <a:off x="381300" y="685800"/>
-            <a:ext cx="6096000" cy="3429000"/>
-          </a:xfrm>
-          <a:custGeom>
-            <a:avLst/>
-            <a:gdLst/>
-            <a:ahLst/>
-            <a:cxnLst/>
-            <a:rect l="l" t="t" r="r" b="b"/>
-            <a:pathLst>
-              <a:path w="120000" h="120000" extrusionOk="0">
-                <a:moveTo>
-                  <a:pt x="0" y="0"/>
-                </a:moveTo>
-                <a:lnTo>
-                  <a:pt x="120000" y="0"/>
-                </a:lnTo>
-                <a:lnTo>
-                  <a:pt x="120000" y="120000"/>
-                </a:lnTo>
-                <a:lnTo>
-                  <a:pt x="0" y="120000"/>
-                </a:lnTo>
-                <a:close/>
-              </a:path>
-            </a:pathLst>
-          </a:custGeom>
-        </p:spPr>
-      </p:sp>
-      <p:sp>
-        <p:nvSpPr>
-          <p:cNvPr id="111" name="Google Shape;111;g3152b83c829_0_41:notes"/>
-          <p:cNvSpPr txBox="1">
-            <a:spLocks noGrp="1"/>
-          </p:cNvSpPr>
-          <p:nvPr>
-            <p:ph type="body" idx="1"/>
-          </p:nvPr>
-        </p:nvSpPr>
-        <p:spPr>
-          <a:xfrm>
-            <a:off x="685800" y="4343400"/>
-            <a:ext cx="5486400" cy="4114800"/>
-          </a:xfrm>
-          <a:prstGeom prst="rect">
-            <a:avLst/>
-          </a:prstGeom>
-        </p:spPr>
-        <p:txBody>
-          <a:bodyPr spcFirstLastPara="1" wrap="square" lIns="91425" tIns="91425" rIns="91425" bIns="91425" anchor="t" anchorCtr="0">
-            <a:noAutofit/>
-          </a:bodyPr>
-          <a:lstStyle/>
-          <a:p>
-            <a:pPr marL="0" lvl="0" indent="0" algn="l" rtl="0">
-              <a:spcBef>
-                <a:spcPts val="0"/>
-              </a:spcBef>
-              <a:spcAft>
-                <a:spcPts val="0"/>
-              </a:spcAft>
-              <a:buNone/>
-            </a:pPr>
-            <a:endParaRPr/>
-          </a:p>
-        </p:txBody>
-      </p:sp>
-    </p:spTree>
-  </p:cSld>
-  <p:clrMapOvr>
-    <a:masterClrMapping/>
-  </p:clrMapOvr>
-</p:notes>
-</file>
-
-<file path=ppt/slideLayouts/slideLayout1.xml><?xml version="1.0" encoding="utf-8"?>
-<p:sldLayout xmlns:a="http://schemas.openxmlformats.org/drawingml/2006/main" xmlns:r="http://schemas.openxmlformats.org/officeDocument/2006/relationships" xmlns:p="http://schemas.openxmlformats.org/presentationml/2006/main" matchingName="Title slide" type="title">
-  <p:cSld name="TITLE">
-    <p:spTree>
-      <p:nvGrpSpPr>
-        <p:cNvPr id="1" name="Shape 9"/>
-        <p:cNvGrpSpPr/>
-        <p:nvPr/>
-      </p:nvGrpSpPr>
-      <p:grpSpPr>
-        <a:xfrm>
-          <a:off x="0" y="0"/>
-          <a:ext cx="0" cy="0"/>
-          <a:chOff x="0" y="0"/>
-          <a:chExt cx="0" cy="0"/>
-        </a:xfrm>
-      </p:grpSpPr>
-      <p:sp>
-        <p:nvSpPr>
-          <p:cNvPr id="10" name="Google Shape;10;p2"/>
-          <p:cNvSpPr txBox="1">
-            <a:spLocks noGrp="1"/>
-          </p:cNvSpPr>
-          <p:nvPr>
-            <p:ph type="ctrTitle"/>
-          </p:nvPr>
-        </p:nvSpPr>
-        <p:spPr>
-          <a:xfrm>
-            <a:off x="311708" y="744575"/>
-            <a:ext cx="8520600" cy="2052600"/>
-          </a:xfrm>
-          <a:prstGeom prst="rect">
-            <a:avLst/>
-          </a:prstGeom>
-        </p:spPr>
-        <p:txBody>
-          <a:bodyPr spcFirstLastPara="1" wrap="square" lIns="91425" tIns="91425" rIns="91425" bIns="91425" anchor="b" anchorCtr="0">
+          <a:bodyPr spcFirstLastPara="1" wrap="square" lIns="91425" tIns="91425" rIns="91425" bIns="91425" anchor="ctr" anchorCtr="0">
             <a:normAutofit/>
           </a:bodyPr>
           <a:lstStyle>
@@ -2546,9 +1624,9 @@
               <a:spcAft>
                 <a:spcPts val="0"/>
               </a:spcAft>
-              <a:buSzPts val="5200"/>
-              <a:buNone/>
-              <a:defRPr sz="5200"/>
+              <a:buSzPts val="3600"/>
+              <a:buNone/>
+              <a:defRPr sz="3600"/>
             </a:lvl1pPr>
             <a:lvl2pPr lvl="1" algn="ctr">
               <a:spcBef>
@@ -2557,9 +1635,9 @@
               <a:spcAft>
                 <a:spcPts val="0"/>
               </a:spcAft>
-              <a:buSzPts val="5200"/>
-              <a:buNone/>
-              <a:defRPr sz="5200"/>
+              <a:buSzPts val="3600"/>
+              <a:buNone/>
+              <a:defRPr sz="3600"/>
             </a:lvl2pPr>
             <a:lvl3pPr lvl="2" algn="ctr">
               <a:spcBef>
@@ -2568,9 +1646,9 @@
               <a:spcAft>
                 <a:spcPts val="0"/>
               </a:spcAft>
-              <a:buSzPts val="5200"/>
-              <a:buNone/>
-              <a:defRPr sz="5200"/>
+              <a:buSzPts val="3600"/>
+              <a:buNone/>
+              <a:defRPr sz="3600"/>
             </a:lvl3pPr>
             <a:lvl4pPr lvl="3" algn="ctr">
               <a:spcBef>
@@ -2579,9 +1657,9 @@
               <a:spcAft>
                 <a:spcPts val="0"/>
               </a:spcAft>
-              <a:buSzPts val="5200"/>
-              <a:buNone/>
-              <a:defRPr sz="5200"/>
+              <a:buSzPts val="3600"/>
+              <a:buNone/>
+              <a:defRPr sz="3600"/>
             </a:lvl4pPr>
             <a:lvl5pPr lvl="4" algn="ctr">
               <a:spcBef>
@@ -2590,9 +1668,9 @@
               <a:spcAft>
                 <a:spcPts val="0"/>
               </a:spcAft>
-              <a:buSzPts val="5200"/>
-              <a:buNone/>
-              <a:defRPr sz="5200"/>
+              <a:buSzPts val="3600"/>
+              <a:buNone/>
+              <a:defRPr sz="3600"/>
             </a:lvl5pPr>
             <a:lvl6pPr lvl="5" algn="ctr">
               <a:spcBef>
@@ -2601,9 +1679,9 @@
               <a:spcAft>
                 <a:spcPts val="0"/>
               </a:spcAft>
-              <a:buSzPts val="5200"/>
-              <a:buNone/>
-              <a:defRPr sz="5200"/>
+              <a:buSzPts val="3600"/>
+              <a:buNone/>
+              <a:defRPr sz="3600"/>
             </a:lvl6pPr>
             <a:lvl7pPr lvl="6" algn="ctr">
               <a:spcBef>
@@ -2612,9 +1690,9 @@
               <a:spcAft>
                 <a:spcPts val="0"/>
               </a:spcAft>
-              <a:buSzPts val="5200"/>
-              <a:buNone/>
-              <a:defRPr sz="5200"/>
+              <a:buSzPts val="3600"/>
+              <a:buNone/>
+              <a:defRPr sz="3600"/>
             </a:lvl7pPr>
             <a:lvl8pPr lvl="7" algn="ctr">
               <a:spcBef>
@@ -2623,9 +1701,9 @@
               <a:spcAft>
                 <a:spcPts val="0"/>
               </a:spcAft>
-              <a:buSzPts val="5200"/>
-              <a:buNone/>
-              <a:defRPr sz="5200"/>
+              <a:buSzPts val="3600"/>
+              <a:buNone/>
+              <a:defRPr sz="3600"/>
             </a:lvl8pPr>
             <a:lvl9pPr lvl="8" algn="ctr">
               <a:spcBef>
@@ -2634,9 +1712,9 @@
               <a:spcAft>
                 <a:spcPts val="0"/>
               </a:spcAft>
-              <a:buSzPts val="5200"/>
-              <a:buNone/>
-              <a:defRPr sz="5200"/>
+              <a:buSzPts val="3600"/>
+              <a:buNone/>
+              <a:defRPr sz="3600"/>
             </a:lvl9pPr>
           </a:lstStyle>
           <a:p>
@@ -2646,163 +1724,7 @@
       </p:sp>
       <p:sp>
         <p:nvSpPr>
-          <p:cNvPr id="11" name="Google Shape;11;p2"/>
-          <p:cNvSpPr txBox="1">
-            <a:spLocks noGrp="1"/>
-          </p:cNvSpPr>
-          <p:nvPr>
-            <p:ph type="subTitle" idx="1"/>
-          </p:nvPr>
-        </p:nvSpPr>
-        <p:spPr>
-          <a:xfrm>
-            <a:off x="311700" y="2834125"/>
-            <a:ext cx="8520600" cy="792600"/>
-          </a:xfrm>
-          <a:prstGeom prst="rect">
-            <a:avLst/>
-          </a:prstGeom>
-        </p:spPr>
-        <p:txBody>
-          <a:bodyPr spcFirstLastPara="1" wrap="square" lIns="91425" tIns="91425" rIns="91425" bIns="91425" anchor="t" anchorCtr="0">
-            <a:normAutofit/>
-          </a:bodyPr>
-          <a:lstStyle>
-            <a:lvl1pPr lvl="0" algn="ctr">
-              <a:lnSpc>
-                <a:spcPct val="100000"/>
-              </a:lnSpc>
-              <a:spcBef>
-                <a:spcPts val="0"/>
-              </a:spcBef>
-              <a:spcAft>
-                <a:spcPts val="0"/>
-              </a:spcAft>
-              <a:buSzPts val="2800"/>
-              <a:buNone/>
-              <a:defRPr sz="2800"/>
-            </a:lvl1pPr>
-            <a:lvl2pPr lvl="1" algn="ctr">
-              <a:lnSpc>
-                <a:spcPct val="100000"/>
-              </a:lnSpc>
-              <a:spcBef>
-                <a:spcPts val="0"/>
-              </a:spcBef>
-              <a:spcAft>
-                <a:spcPts val="0"/>
-              </a:spcAft>
-              <a:buSzPts val="2800"/>
-              <a:buNone/>
-              <a:defRPr sz="2800"/>
-            </a:lvl2pPr>
-            <a:lvl3pPr lvl="2" algn="ctr">
-              <a:lnSpc>
-                <a:spcPct val="100000"/>
-              </a:lnSpc>
-              <a:spcBef>
-                <a:spcPts val="0"/>
-              </a:spcBef>
-              <a:spcAft>
-                <a:spcPts val="0"/>
-              </a:spcAft>
-              <a:buSzPts val="2800"/>
-              <a:buNone/>
-              <a:defRPr sz="2800"/>
-            </a:lvl3pPr>
-            <a:lvl4pPr lvl="3" algn="ctr">
-              <a:lnSpc>
-                <a:spcPct val="100000"/>
-              </a:lnSpc>
-              <a:spcBef>
-                <a:spcPts val="0"/>
-              </a:spcBef>
-              <a:spcAft>
-                <a:spcPts val="0"/>
-              </a:spcAft>
-              <a:buSzPts val="2800"/>
-              <a:buNone/>
-              <a:defRPr sz="2800"/>
-            </a:lvl4pPr>
-            <a:lvl5pPr lvl="4" algn="ctr">
-              <a:lnSpc>
-                <a:spcPct val="100000"/>
-              </a:lnSpc>
-              <a:spcBef>
-                <a:spcPts val="0"/>
-              </a:spcBef>
-              <a:spcAft>
-                <a:spcPts val="0"/>
-              </a:spcAft>
-              <a:buSzPts val="2800"/>
-              <a:buNone/>
-              <a:defRPr sz="2800"/>
-            </a:lvl5pPr>
-            <a:lvl6pPr lvl="5" algn="ctr">
-              <a:lnSpc>
-                <a:spcPct val="100000"/>
-              </a:lnSpc>
-              <a:spcBef>
-                <a:spcPts val="0"/>
-              </a:spcBef>
-              <a:spcAft>
-                <a:spcPts val="0"/>
-              </a:spcAft>
-              <a:buSzPts val="2800"/>
-              <a:buNone/>
-              <a:defRPr sz="2800"/>
-            </a:lvl6pPr>
-            <a:lvl7pPr lvl="6" algn="ctr">
-              <a:lnSpc>
-                <a:spcPct val="100000"/>
-              </a:lnSpc>
-              <a:spcBef>
-                <a:spcPts val="0"/>
-              </a:spcBef>
-              <a:spcAft>
-                <a:spcPts val="0"/>
-              </a:spcAft>
-              <a:buSzPts val="2800"/>
-              <a:buNone/>
-              <a:defRPr sz="2800"/>
-            </a:lvl7pPr>
-            <a:lvl8pPr lvl="7" algn="ctr">
-              <a:lnSpc>
-                <a:spcPct val="100000"/>
-              </a:lnSpc>
-              <a:spcBef>
-                <a:spcPts val="0"/>
-              </a:spcBef>
-              <a:spcAft>
-                <a:spcPts val="0"/>
-              </a:spcAft>
-              <a:buSzPts val="2800"/>
-              <a:buNone/>
-              <a:defRPr sz="2800"/>
-            </a:lvl8pPr>
-            <a:lvl9pPr lvl="8" algn="ctr">
-              <a:lnSpc>
-                <a:spcPct val="100000"/>
-              </a:lnSpc>
-              <a:spcBef>
-                <a:spcPts val="0"/>
-              </a:spcBef>
-              <a:spcAft>
-                <a:spcPts val="0"/>
-              </a:spcAft>
-              <a:buSzPts val="2800"/>
-              <a:buNone/>
-              <a:defRPr sz="2800"/>
-            </a:lvl9pPr>
-          </a:lstStyle>
-          <a:p>
-            <a:endParaRPr/>
-          </a:p>
-        </p:txBody>
-      </p:sp>
-      <p:sp>
-        <p:nvSpPr>
-          <p:cNvPr id="12" name="Google Shape;12;p2"/>
+          <p:cNvPr id="15" name="Google Shape;15;p3"/>
           <p:cNvSpPr txBox="1">
             <a:spLocks noGrp="1"/>
           </p:cNvSpPr>
@@ -2888,370 +1810,6 @@
 </file>
 
 <file path=ppt/slideLayouts/slideLayout10.xml><?xml version="1.0" encoding="utf-8"?>
-<p:sldLayout xmlns:a="http://schemas.openxmlformats.org/drawingml/2006/main" xmlns:r="http://schemas.openxmlformats.org/officeDocument/2006/relationships" xmlns:p="http://schemas.openxmlformats.org/presentationml/2006/main" matchingName="Big number">
-  <p:cSld name="BIG_NUMBER">
-    <p:spTree>
-      <p:nvGrpSpPr>
-        <p:cNvPr id="1" name="Shape 44"/>
-        <p:cNvGrpSpPr/>
-        <p:nvPr/>
-      </p:nvGrpSpPr>
-      <p:grpSpPr>
-        <a:xfrm>
-          <a:off x="0" y="0"/>
-          <a:ext cx="0" cy="0"/>
-          <a:chOff x="0" y="0"/>
-          <a:chExt cx="0" cy="0"/>
-        </a:xfrm>
-      </p:grpSpPr>
-      <p:sp>
-        <p:nvSpPr>
-          <p:cNvPr id="45" name="Google Shape;45;p11"/>
-          <p:cNvSpPr txBox="1">
-            <a:spLocks noGrp="1"/>
-          </p:cNvSpPr>
-          <p:nvPr>
-            <p:ph type="title" hasCustomPrompt="1"/>
-          </p:nvPr>
-        </p:nvSpPr>
-        <p:spPr>
-          <a:xfrm>
-            <a:off x="311700" y="1106125"/>
-            <a:ext cx="8520600" cy="1963500"/>
-          </a:xfrm>
-          <a:prstGeom prst="rect">
-            <a:avLst/>
-          </a:prstGeom>
-        </p:spPr>
-        <p:txBody>
-          <a:bodyPr spcFirstLastPara="1" wrap="square" lIns="91425" tIns="91425" rIns="91425" bIns="91425" anchor="b" anchorCtr="0">
-            <a:normAutofit/>
-          </a:bodyPr>
-          <a:lstStyle>
-            <a:lvl1pPr lvl="0" algn="ctr">
-              <a:spcBef>
-                <a:spcPts val="0"/>
-              </a:spcBef>
-              <a:spcAft>
-                <a:spcPts val="0"/>
-              </a:spcAft>
-              <a:buSzPts val="12000"/>
-              <a:buNone/>
-              <a:defRPr sz="12000"/>
-            </a:lvl1pPr>
-            <a:lvl2pPr lvl="1" algn="ctr">
-              <a:spcBef>
-                <a:spcPts val="0"/>
-              </a:spcBef>
-              <a:spcAft>
-                <a:spcPts val="0"/>
-              </a:spcAft>
-              <a:buSzPts val="12000"/>
-              <a:buNone/>
-              <a:defRPr sz="12000"/>
-            </a:lvl2pPr>
-            <a:lvl3pPr lvl="2" algn="ctr">
-              <a:spcBef>
-                <a:spcPts val="0"/>
-              </a:spcBef>
-              <a:spcAft>
-                <a:spcPts val="0"/>
-              </a:spcAft>
-              <a:buSzPts val="12000"/>
-              <a:buNone/>
-              <a:defRPr sz="12000"/>
-            </a:lvl3pPr>
-            <a:lvl4pPr lvl="3" algn="ctr">
-              <a:spcBef>
-                <a:spcPts val="0"/>
-              </a:spcBef>
-              <a:spcAft>
-                <a:spcPts val="0"/>
-              </a:spcAft>
-              <a:buSzPts val="12000"/>
-              <a:buNone/>
-              <a:defRPr sz="12000"/>
-            </a:lvl4pPr>
-            <a:lvl5pPr lvl="4" algn="ctr">
-              <a:spcBef>
-                <a:spcPts val="0"/>
-              </a:spcBef>
-              <a:spcAft>
-                <a:spcPts val="0"/>
-              </a:spcAft>
-              <a:buSzPts val="12000"/>
-              <a:buNone/>
-              <a:defRPr sz="12000"/>
-            </a:lvl5pPr>
-            <a:lvl6pPr lvl="5" algn="ctr">
-              <a:spcBef>
-                <a:spcPts val="0"/>
-              </a:spcBef>
-              <a:spcAft>
-                <a:spcPts val="0"/>
-              </a:spcAft>
-              <a:buSzPts val="12000"/>
-              <a:buNone/>
-              <a:defRPr sz="12000"/>
-            </a:lvl6pPr>
-            <a:lvl7pPr lvl="6" algn="ctr">
-              <a:spcBef>
-                <a:spcPts val="0"/>
-              </a:spcBef>
-              <a:spcAft>
-                <a:spcPts val="0"/>
-              </a:spcAft>
-              <a:buSzPts val="12000"/>
-              <a:buNone/>
-              <a:defRPr sz="12000"/>
-            </a:lvl7pPr>
-            <a:lvl8pPr lvl="7" algn="ctr">
-              <a:spcBef>
-                <a:spcPts val="0"/>
-              </a:spcBef>
-              <a:spcAft>
-                <a:spcPts val="0"/>
-              </a:spcAft>
-              <a:buSzPts val="12000"/>
-              <a:buNone/>
-              <a:defRPr sz="12000"/>
-            </a:lvl8pPr>
-            <a:lvl9pPr lvl="8" algn="ctr">
-              <a:spcBef>
-                <a:spcPts val="0"/>
-              </a:spcBef>
-              <a:spcAft>
-                <a:spcPts val="0"/>
-              </a:spcAft>
-              <a:buSzPts val="12000"/>
-              <a:buNone/>
-              <a:defRPr sz="12000"/>
-            </a:lvl9pPr>
-          </a:lstStyle>
-          <a:p>
-            <a:r>
-              <a:t>xx%</a:t>
-            </a:r>
-          </a:p>
-        </p:txBody>
-      </p:sp>
-      <p:sp>
-        <p:nvSpPr>
-          <p:cNvPr id="46" name="Google Shape;46;p11"/>
-          <p:cNvSpPr txBox="1">
-            <a:spLocks noGrp="1"/>
-          </p:cNvSpPr>
-          <p:nvPr>
-            <p:ph type="body" idx="1"/>
-          </p:nvPr>
-        </p:nvSpPr>
-        <p:spPr>
-          <a:xfrm>
-            <a:off x="311700" y="3152225"/>
-            <a:ext cx="8520600" cy="1300800"/>
-          </a:xfrm>
-          <a:prstGeom prst="rect">
-            <a:avLst/>
-          </a:prstGeom>
-        </p:spPr>
-        <p:txBody>
-          <a:bodyPr spcFirstLastPara="1" wrap="square" lIns="91425" tIns="91425" rIns="91425" bIns="91425" anchor="t" anchorCtr="0">
-            <a:normAutofit/>
-          </a:bodyPr>
-          <a:lstStyle>
-            <a:lvl1pPr marL="457200" lvl="0" indent="-342900" algn="ctr">
-              <a:spcBef>
-                <a:spcPts val="0"/>
-              </a:spcBef>
-              <a:spcAft>
-                <a:spcPts val="0"/>
-              </a:spcAft>
-              <a:buSzPts val="1800"/>
-              <a:buChar char="●"/>
-              <a:defRPr/>
-            </a:lvl1pPr>
-            <a:lvl2pPr marL="914400" lvl="1" indent="-317500" algn="ctr">
-              <a:spcBef>
-                <a:spcPts val="0"/>
-              </a:spcBef>
-              <a:spcAft>
-                <a:spcPts val="0"/>
-              </a:spcAft>
-              <a:buSzPts val="1400"/>
-              <a:buChar char="○"/>
-              <a:defRPr/>
-            </a:lvl2pPr>
-            <a:lvl3pPr marL="1371600" lvl="2" indent="-317500" algn="ctr">
-              <a:spcBef>
-                <a:spcPts val="0"/>
-              </a:spcBef>
-              <a:spcAft>
-                <a:spcPts val="0"/>
-              </a:spcAft>
-              <a:buSzPts val="1400"/>
-              <a:buChar char="■"/>
-              <a:defRPr/>
-            </a:lvl3pPr>
-            <a:lvl4pPr marL="1828800" lvl="3" indent="-317500" algn="ctr">
-              <a:spcBef>
-                <a:spcPts val="0"/>
-              </a:spcBef>
-              <a:spcAft>
-                <a:spcPts val="0"/>
-              </a:spcAft>
-              <a:buSzPts val="1400"/>
-              <a:buChar char="●"/>
-              <a:defRPr/>
-            </a:lvl4pPr>
-            <a:lvl5pPr marL="2286000" lvl="4" indent="-317500" algn="ctr">
-              <a:spcBef>
-                <a:spcPts val="0"/>
-              </a:spcBef>
-              <a:spcAft>
-                <a:spcPts val="0"/>
-              </a:spcAft>
-              <a:buSzPts val="1400"/>
-              <a:buChar char="○"/>
-              <a:defRPr/>
-            </a:lvl5pPr>
-            <a:lvl6pPr marL="2743200" lvl="5" indent="-317500" algn="ctr">
-              <a:spcBef>
-                <a:spcPts val="0"/>
-              </a:spcBef>
-              <a:spcAft>
-                <a:spcPts val="0"/>
-              </a:spcAft>
-              <a:buSzPts val="1400"/>
-              <a:buChar char="■"/>
-              <a:defRPr/>
-            </a:lvl6pPr>
-            <a:lvl7pPr marL="3200400" lvl="6" indent="-317500" algn="ctr">
-              <a:spcBef>
-                <a:spcPts val="0"/>
-              </a:spcBef>
-              <a:spcAft>
-                <a:spcPts val="0"/>
-              </a:spcAft>
-              <a:buSzPts val="1400"/>
-              <a:buChar char="●"/>
-              <a:defRPr/>
-            </a:lvl7pPr>
-            <a:lvl8pPr marL="3657600" lvl="7" indent="-317500" algn="ctr">
-              <a:spcBef>
-                <a:spcPts val="0"/>
-              </a:spcBef>
-              <a:spcAft>
-                <a:spcPts val="0"/>
-              </a:spcAft>
-              <a:buSzPts val="1400"/>
-              <a:buChar char="○"/>
-              <a:defRPr/>
-            </a:lvl8pPr>
-            <a:lvl9pPr marL="4114800" lvl="8" indent="-317500" algn="ctr">
-              <a:spcBef>
-                <a:spcPts val="0"/>
-              </a:spcBef>
-              <a:spcAft>
-                <a:spcPts val="0"/>
-              </a:spcAft>
-              <a:buSzPts val="1400"/>
-              <a:buChar char="■"/>
-              <a:defRPr/>
-            </a:lvl9pPr>
-          </a:lstStyle>
-          <a:p>
-            <a:endParaRPr/>
-          </a:p>
-        </p:txBody>
-      </p:sp>
-      <p:sp>
-        <p:nvSpPr>
-          <p:cNvPr id="47" name="Google Shape;47;p11"/>
-          <p:cNvSpPr txBox="1">
-            <a:spLocks noGrp="1"/>
-          </p:cNvSpPr>
-          <p:nvPr>
-            <p:ph type="sldNum" idx="12"/>
-          </p:nvPr>
-        </p:nvSpPr>
-        <p:spPr>
-          <a:xfrm>
-            <a:off x="8472458" y="4663217"/>
-            <a:ext cx="548700" cy="393600"/>
-          </a:xfrm>
-          <a:prstGeom prst="rect">
-            <a:avLst/>
-          </a:prstGeom>
-        </p:spPr>
-        <p:txBody>
-          <a:bodyPr spcFirstLastPara="1" wrap="square" lIns="91425" tIns="91425" rIns="91425" bIns="91425" anchor="ctr" anchorCtr="0">
-            <a:normAutofit/>
-          </a:bodyPr>
-          <a:lstStyle>
-            <a:lvl1pPr lvl="0">
-              <a:buNone/>
-              <a:defRPr/>
-            </a:lvl1pPr>
-            <a:lvl2pPr lvl="1">
-              <a:buNone/>
-              <a:defRPr/>
-            </a:lvl2pPr>
-            <a:lvl3pPr lvl="2">
-              <a:buNone/>
-              <a:defRPr/>
-            </a:lvl3pPr>
-            <a:lvl4pPr lvl="3">
-              <a:buNone/>
-              <a:defRPr/>
-            </a:lvl4pPr>
-            <a:lvl5pPr lvl="4">
-              <a:buNone/>
-              <a:defRPr/>
-            </a:lvl5pPr>
-            <a:lvl6pPr lvl="5">
-              <a:buNone/>
-              <a:defRPr/>
-            </a:lvl6pPr>
-            <a:lvl7pPr lvl="6">
-              <a:buNone/>
-              <a:defRPr/>
-            </a:lvl7pPr>
-            <a:lvl8pPr lvl="7">
-              <a:buNone/>
-              <a:defRPr/>
-            </a:lvl8pPr>
-            <a:lvl9pPr lvl="8">
-              <a:buNone/>
-              <a:defRPr/>
-            </a:lvl9pPr>
-          </a:lstStyle>
-          <a:p>
-            <a:pPr marL="0" lvl="0" indent="0" algn="r" rtl="0">
-              <a:spcBef>
-                <a:spcPts val="0"/>
-              </a:spcBef>
-              <a:spcAft>
-                <a:spcPts val="0"/>
-              </a:spcAft>
-              <a:buNone/>
-            </a:pPr>
-            <a:fld id="{00000000-1234-1234-1234-123412341234}" type="slidenum">
-              <a:rPr lang="en"/>
-              <a:t>‹Nr.›</a:t>
-            </a:fld>
-            <a:endParaRPr/>
-          </a:p>
-        </p:txBody>
-      </p:sp>
-    </p:spTree>
-  </p:cSld>
-  <p:clrMapOvr>
-    <a:masterClrMapping/>
-  </p:clrMapOvr>
-</p:sldLayout>
-</file>
-
-<file path=ppt/slideLayouts/slideLayout11.xml><?xml version="1.0" encoding="utf-8"?>
 <p:sldLayout xmlns:a="http://schemas.openxmlformats.org/drawingml/2006/main" xmlns:r="http://schemas.openxmlformats.org/officeDocument/2006/relationships" xmlns:p="http://schemas.openxmlformats.org/presentationml/2006/main" matchingName="Blank" type="blank">
   <p:cSld name="BLANK">
     <p:spTree>
@@ -3356,239 +1914,6 @@
 </file>
 
 <file path=ppt/slideLayouts/slideLayout2.xml><?xml version="1.0" encoding="utf-8"?>
-<p:sldLayout xmlns:a="http://schemas.openxmlformats.org/drawingml/2006/main" xmlns:r="http://schemas.openxmlformats.org/officeDocument/2006/relationships" xmlns:p="http://schemas.openxmlformats.org/presentationml/2006/main" matchingName="Section header" type="secHead">
-  <p:cSld name="SECTION_HEADER">
-    <p:spTree>
-      <p:nvGrpSpPr>
-        <p:cNvPr id="1" name="Shape 13"/>
-        <p:cNvGrpSpPr/>
-        <p:nvPr/>
-      </p:nvGrpSpPr>
-      <p:grpSpPr>
-        <a:xfrm>
-          <a:off x="0" y="0"/>
-          <a:ext cx="0" cy="0"/>
-          <a:chOff x="0" y="0"/>
-          <a:chExt cx="0" cy="0"/>
-        </a:xfrm>
-      </p:grpSpPr>
-      <p:sp>
-        <p:nvSpPr>
-          <p:cNvPr id="14" name="Google Shape;14;p3"/>
-          <p:cNvSpPr txBox="1">
-            <a:spLocks noGrp="1"/>
-          </p:cNvSpPr>
-          <p:nvPr>
-            <p:ph type="title"/>
-          </p:nvPr>
-        </p:nvSpPr>
-        <p:spPr>
-          <a:xfrm>
-            <a:off x="311700" y="2150850"/>
-            <a:ext cx="8520600" cy="841800"/>
-          </a:xfrm>
-          <a:prstGeom prst="rect">
-            <a:avLst/>
-          </a:prstGeom>
-        </p:spPr>
-        <p:txBody>
-          <a:bodyPr spcFirstLastPara="1" wrap="square" lIns="91425" tIns="91425" rIns="91425" bIns="91425" anchor="ctr" anchorCtr="0">
-            <a:normAutofit/>
-          </a:bodyPr>
-          <a:lstStyle>
-            <a:lvl1pPr lvl="0" algn="ctr">
-              <a:spcBef>
-                <a:spcPts val="0"/>
-              </a:spcBef>
-              <a:spcAft>
-                <a:spcPts val="0"/>
-              </a:spcAft>
-              <a:buSzPts val="3600"/>
-              <a:buNone/>
-              <a:defRPr sz="3600"/>
-            </a:lvl1pPr>
-            <a:lvl2pPr lvl="1" algn="ctr">
-              <a:spcBef>
-                <a:spcPts val="0"/>
-              </a:spcBef>
-              <a:spcAft>
-                <a:spcPts val="0"/>
-              </a:spcAft>
-              <a:buSzPts val="3600"/>
-              <a:buNone/>
-              <a:defRPr sz="3600"/>
-            </a:lvl2pPr>
-            <a:lvl3pPr lvl="2" algn="ctr">
-              <a:spcBef>
-                <a:spcPts val="0"/>
-              </a:spcBef>
-              <a:spcAft>
-                <a:spcPts val="0"/>
-              </a:spcAft>
-              <a:buSzPts val="3600"/>
-              <a:buNone/>
-              <a:defRPr sz="3600"/>
-            </a:lvl3pPr>
-            <a:lvl4pPr lvl="3" algn="ctr">
-              <a:spcBef>
-                <a:spcPts val="0"/>
-              </a:spcBef>
-              <a:spcAft>
-                <a:spcPts val="0"/>
-              </a:spcAft>
-              <a:buSzPts val="3600"/>
-              <a:buNone/>
-              <a:defRPr sz="3600"/>
-            </a:lvl4pPr>
-            <a:lvl5pPr lvl="4" algn="ctr">
-              <a:spcBef>
-                <a:spcPts val="0"/>
-              </a:spcBef>
-              <a:spcAft>
-                <a:spcPts val="0"/>
-              </a:spcAft>
-              <a:buSzPts val="3600"/>
-              <a:buNone/>
-              <a:defRPr sz="3600"/>
-            </a:lvl5pPr>
-            <a:lvl6pPr lvl="5" algn="ctr">
-              <a:spcBef>
-                <a:spcPts val="0"/>
-              </a:spcBef>
-              <a:spcAft>
-                <a:spcPts val="0"/>
-              </a:spcAft>
-              <a:buSzPts val="3600"/>
-              <a:buNone/>
-              <a:defRPr sz="3600"/>
-            </a:lvl6pPr>
-            <a:lvl7pPr lvl="6" algn="ctr">
-              <a:spcBef>
-                <a:spcPts val="0"/>
-              </a:spcBef>
-              <a:spcAft>
-                <a:spcPts val="0"/>
-              </a:spcAft>
-              <a:buSzPts val="3600"/>
-              <a:buNone/>
-              <a:defRPr sz="3600"/>
-            </a:lvl7pPr>
-            <a:lvl8pPr lvl="7" algn="ctr">
-              <a:spcBef>
-                <a:spcPts val="0"/>
-              </a:spcBef>
-              <a:spcAft>
-                <a:spcPts val="0"/>
-              </a:spcAft>
-              <a:buSzPts val="3600"/>
-              <a:buNone/>
-              <a:defRPr sz="3600"/>
-            </a:lvl8pPr>
-            <a:lvl9pPr lvl="8" algn="ctr">
-              <a:spcBef>
-                <a:spcPts val="0"/>
-              </a:spcBef>
-              <a:spcAft>
-                <a:spcPts val="0"/>
-              </a:spcAft>
-              <a:buSzPts val="3600"/>
-              <a:buNone/>
-              <a:defRPr sz="3600"/>
-            </a:lvl9pPr>
-          </a:lstStyle>
-          <a:p>
-            <a:endParaRPr/>
-          </a:p>
-        </p:txBody>
-      </p:sp>
-      <p:sp>
-        <p:nvSpPr>
-          <p:cNvPr id="15" name="Google Shape;15;p3"/>
-          <p:cNvSpPr txBox="1">
-            <a:spLocks noGrp="1"/>
-          </p:cNvSpPr>
-          <p:nvPr>
-            <p:ph type="sldNum" idx="12"/>
-          </p:nvPr>
-        </p:nvSpPr>
-        <p:spPr>
-          <a:xfrm>
-            <a:off x="8472458" y="4663217"/>
-            <a:ext cx="548700" cy="393600"/>
-          </a:xfrm>
-          <a:prstGeom prst="rect">
-            <a:avLst/>
-          </a:prstGeom>
-        </p:spPr>
-        <p:txBody>
-          <a:bodyPr spcFirstLastPara="1" wrap="square" lIns="91425" tIns="91425" rIns="91425" bIns="91425" anchor="ctr" anchorCtr="0">
-            <a:normAutofit/>
-          </a:bodyPr>
-          <a:lstStyle>
-            <a:lvl1pPr lvl="0">
-              <a:buNone/>
-              <a:defRPr/>
-            </a:lvl1pPr>
-            <a:lvl2pPr lvl="1">
-              <a:buNone/>
-              <a:defRPr/>
-            </a:lvl2pPr>
-            <a:lvl3pPr lvl="2">
-              <a:buNone/>
-              <a:defRPr/>
-            </a:lvl3pPr>
-            <a:lvl4pPr lvl="3">
-              <a:buNone/>
-              <a:defRPr/>
-            </a:lvl4pPr>
-            <a:lvl5pPr lvl="4">
-              <a:buNone/>
-              <a:defRPr/>
-            </a:lvl5pPr>
-            <a:lvl6pPr lvl="5">
-              <a:buNone/>
-              <a:defRPr/>
-            </a:lvl6pPr>
-            <a:lvl7pPr lvl="6">
-              <a:buNone/>
-              <a:defRPr/>
-            </a:lvl7pPr>
-            <a:lvl8pPr lvl="7">
-              <a:buNone/>
-              <a:defRPr/>
-            </a:lvl8pPr>
-            <a:lvl9pPr lvl="8">
-              <a:buNone/>
-              <a:defRPr/>
-            </a:lvl9pPr>
-          </a:lstStyle>
-          <a:p>
-            <a:pPr marL="0" lvl="0" indent="0" algn="r" rtl="0">
-              <a:spcBef>
-                <a:spcPts val="0"/>
-              </a:spcBef>
-              <a:spcAft>
-                <a:spcPts val="0"/>
-              </a:spcAft>
-              <a:buNone/>
-            </a:pPr>
-            <a:fld id="{00000000-1234-1234-1234-123412341234}" type="slidenum">
-              <a:rPr lang="en"/>
-              <a:t>‹Nr.›</a:t>
-            </a:fld>
-            <a:endParaRPr/>
-          </a:p>
-        </p:txBody>
-      </p:sp>
-    </p:spTree>
-  </p:cSld>
-  <p:clrMapOvr>
-    <a:masterClrMapping/>
-  </p:clrMapOvr>
-</p:sldLayout>
-</file>
-
-<file path=ppt/slideLayouts/slideLayout3.xml><?xml version="1.0" encoding="utf-8"?>
 <p:sldLayout xmlns:a="http://schemas.openxmlformats.org/drawingml/2006/main" xmlns:r="http://schemas.openxmlformats.org/officeDocument/2006/relationships" xmlns:p="http://schemas.openxmlformats.org/presentationml/2006/main" matchingName="Title and body" type="tx">
   <p:cSld name="TITLE_AND_BODY">
     <p:spTree>
@@ -3950,7 +2275,7 @@
 </p:sldLayout>
 </file>
 
-<file path=ppt/slideLayouts/slideLayout4.xml><?xml version="1.0" encoding="utf-8"?>
+<file path=ppt/slideLayouts/slideLayout3.xml><?xml version="1.0" encoding="utf-8"?>
 <p:sldLayout xmlns:a="http://schemas.openxmlformats.org/drawingml/2006/main" xmlns:r="http://schemas.openxmlformats.org/officeDocument/2006/relationships" xmlns:p="http://schemas.openxmlformats.org/presentationml/2006/main" matchingName="Title and two columns" type="twoColTx">
   <p:cSld name="TITLE_AND_TWO_COLUMNS">
     <p:spTree>
@@ -4441,7 +2766,7 @@
 </p:sldLayout>
 </file>
 
-<file path=ppt/slideLayouts/slideLayout5.xml><?xml version="1.0" encoding="utf-8"?>
+<file path=ppt/slideLayouts/slideLayout4.xml><?xml version="1.0" encoding="utf-8"?>
 <p:sldLayout xmlns:a="http://schemas.openxmlformats.org/drawingml/2006/main" xmlns:r="http://schemas.openxmlformats.org/officeDocument/2006/relationships" xmlns:p="http://schemas.openxmlformats.org/presentationml/2006/main" matchingName="Title only" type="titleOnly">
   <p:cSld name="TITLE_ONLY">
     <p:spTree>
@@ -4674,7 +2999,7 @@
 </p:sldLayout>
 </file>
 
-<file path=ppt/slideLayouts/slideLayout6.xml><?xml version="1.0" encoding="utf-8"?>
+<file path=ppt/slideLayouts/slideLayout5.xml><?xml version="1.0" encoding="utf-8"?>
 <p:sldLayout xmlns:a="http://schemas.openxmlformats.org/drawingml/2006/main" xmlns:r="http://schemas.openxmlformats.org/officeDocument/2006/relationships" xmlns:p="http://schemas.openxmlformats.org/presentationml/2006/main" matchingName="One column text">
   <p:cSld name="ONE_COLUMN_TEXT">
     <p:spTree>
@@ -5036,7 +3361,7 @@
 </p:sldLayout>
 </file>
 
-<file path=ppt/slideLayouts/slideLayout7.xml><?xml version="1.0" encoding="utf-8"?>
+<file path=ppt/slideLayouts/slideLayout6.xml><?xml version="1.0" encoding="utf-8"?>
 <p:sldLayout xmlns:a="http://schemas.openxmlformats.org/drawingml/2006/main" xmlns:r="http://schemas.openxmlformats.org/officeDocument/2006/relationships" xmlns:p="http://schemas.openxmlformats.org/presentationml/2006/main" matchingName="Main point">
   <p:cSld name="MAIN_POINT">
     <p:spTree>
@@ -5269,7 +3594,7 @@
 </p:sldLayout>
 </file>
 
-<file path=ppt/slideLayouts/slideLayout8.xml><?xml version="1.0" encoding="utf-8"?>
+<file path=ppt/slideLayouts/slideLayout7.xml><?xml version="1.0" encoding="utf-8"?>
 <p:sldLayout xmlns:a="http://schemas.openxmlformats.org/drawingml/2006/main" xmlns:r="http://schemas.openxmlformats.org/officeDocument/2006/relationships" xmlns:p="http://schemas.openxmlformats.org/presentationml/2006/main" matchingName="Section title and description">
   <p:cSld name="SECTION_TITLE_AND_DESCRIPTION">
     <p:spTree>
@@ -5827,7 +4152,7 @@
 </p:sldLayout>
 </file>
 
-<file path=ppt/slideLayouts/slideLayout9.xml><?xml version="1.0" encoding="utf-8"?>
+<file path=ppt/slideLayouts/slideLayout8.xml><?xml version="1.0" encoding="utf-8"?>
 <p:sldLayout xmlns:a="http://schemas.openxmlformats.org/drawingml/2006/main" xmlns:r="http://schemas.openxmlformats.org/officeDocument/2006/relationships" xmlns:p="http://schemas.openxmlformats.org/presentationml/2006/main" matchingName="Caption">
   <p:cSld name="CAPTION_ONLY">
     <p:spTree>
@@ -5891,6 +4216,370 @@
       <p:sp>
         <p:nvSpPr>
           <p:cNvPr id="43" name="Google Shape;43;p10"/>
+          <p:cNvSpPr txBox="1">
+            <a:spLocks noGrp="1"/>
+          </p:cNvSpPr>
+          <p:nvPr>
+            <p:ph type="sldNum" idx="12"/>
+          </p:nvPr>
+        </p:nvSpPr>
+        <p:spPr>
+          <a:xfrm>
+            <a:off x="8472458" y="4663217"/>
+            <a:ext cx="548700" cy="393600"/>
+          </a:xfrm>
+          <a:prstGeom prst="rect">
+            <a:avLst/>
+          </a:prstGeom>
+        </p:spPr>
+        <p:txBody>
+          <a:bodyPr spcFirstLastPara="1" wrap="square" lIns="91425" tIns="91425" rIns="91425" bIns="91425" anchor="ctr" anchorCtr="0">
+            <a:normAutofit/>
+          </a:bodyPr>
+          <a:lstStyle>
+            <a:lvl1pPr lvl="0">
+              <a:buNone/>
+              <a:defRPr/>
+            </a:lvl1pPr>
+            <a:lvl2pPr lvl="1">
+              <a:buNone/>
+              <a:defRPr/>
+            </a:lvl2pPr>
+            <a:lvl3pPr lvl="2">
+              <a:buNone/>
+              <a:defRPr/>
+            </a:lvl3pPr>
+            <a:lvl4pPr lvl="3">
+              <a:buNone/>
+              <a:defRPr/>
+            </a:lvl4pPr>
+            <a:lvl5pPr lvl="4">
+              <a:buNone/>
+              <a:defRPr/>
+            </a:lvl5pPr>
+            <a:lvl6pPr lvl="5">
+              <a:buNone/>
+              <a:defRPr/>
+            </a:lvl6pPr>
+            <a:lvl7pPr lvl="6">
+              <a:buNone/>
+              <a:defRPr/>
+            </a:lvl7pPr>
+            <a:lvl8pPr lvl="7">
+              <a:buNone/>
+              <a:defRPr/>
+            </a:lvl8pPr>
+            <a:lvl9pPr lvl="8">
+              <a:buNone/>
+              <a:defRPr/>
+            </a:lvl9pPr>
+          </a:lstStyle>
+          <a:p>
+            <a:pPr marL="0" lvl="0" indent="0" algn="r" rtl="0">
+              <a:spcBef>
+                <a:spcPts val="0"/>
+              </a:spcBef>
+              <a:spcAft>
+                <a:spcPts val="0"/>
+              </a:spcAft>
+              <a:buNone/>
+            </a:pPr>
+            <a:fld id="{00000000-1234-1234-1234-123412341234}" type="slidenum">
+              <a:rPr lang="en"/>
+              <a:t>‹Nr.›</a:t>
+            </a:fld>
+            <a:endParaRPr/>
+          </a:p>
+        </p:txBody>
+      </p:sp>
+    </p:spTree>
+  </p:cSld>
+  <p:clrMapOvr>
+    <a:masterClrMapping/>
+  </p:clrMapOvr>
+</p:sldLayout>
+</file>
+
+<file path=ppt/slideLayouts/slideLayout9.xml><?xml version="1.0" encoding="utf-8"?>
+<p:sldLayout xmlns:a="http://schemas.openxmlformats.org/drawingml/2006/main" xmlns:r="http://schemas.openxmlformats.org/officeDocument/2006/relationships" xmlns:p="http://schemas.openxmlformats.org/presentationml/2006/main" matchingName="Big number">
+  <p:cSld name="BIG_NUMBER">
+    <p:spTree>
+      <p:nvGrpSpPr>
+        <p:cNvPr id="1" name="Shape 44"/>
+        <p:cNvGrpSpPr/>
+        <p:nvPr/>
+      </p:nvGrpSpPr>
+      <p:grpSpPr>
+        <a:xfrm>
+          <a:off x="0" y="0"/>
+          <a:ext cx="0" cy="0"/>
+          <a:chOff x="0" y="0"/>
+          <a:chExt cx="0" cy="0"/>
+        </a:xfrm>
+      </p:grpSpPr>
+      <p:sp>
+        <p:nvSpPr>
+          <p:cNvPr id="45" name="Google Shape;45;p11"/>
+          <p:cNvSpPr txBox="1">
+            <a:spLocks noGrp="1"/>
+          </p:cNvSpPr>
+          <p:nvPr>
+            <p:ph type="title" hasCustomPrompt="1"/>
+          </p:nvPr>
+        </p:nvSpPr>
+        <p:spPr>
+          <a:xfrm>
+            <a:off x="311700" y="1106125"/>
+            <a:ext cx="8520600" cy="1963500"/>
+          </a:xfrm>
+          <a:prstGeom prst="rect">
+            <a:avLst/>
+          </a:prstGeom>
+        </p:spPr>
+        <p:txBody>
+          <a:bodyPr spcFirstLastPara="1" wrap="square" lIns="91425" tIns="91425" rIns="91425" bIns="91425" anchor="b" anchorCtr="0">
+            <a:normAutofit/>
+          </a:bodyPr>
+          <a:lstStyle>
+            <a:lvl1pPr lvl="0" algn="ctr">
+              <a:spcBef>
+                <a:spcPts val="0"/>
+              </a:spcBef>
+              <a:spcAft>
+                <a:spcPts val="0"/>
+              </a:spcAft>
+              <a:buSzPts val="12000"/>
+              <a:buNone/>
+              <a:defRPr sz="12000"/>
+            </a:lvl1pPr>
+            <a:lvl2pPr lvl="1" algn="ctr">
+              <a:spcBef>
+                <a:spcPts val="0"/>
+              </a:spcBef>
+              <a:spcAft>
+                <a:spcPts val="0"/>
+              </a:spcAft>
+              <a:buSzPts val="12000"/>
+              <a:buNone/>
+              <a:defRPr sz="12000"/>
+            </a:lvl2pPr>
+            <a:lvl3pPr lvl="2" algn="ctr">
+              <a:spcBef>
+                <a:spcPts val="0"/>
+              </a:spcBef>
+              <a:spcAft>
+                <a:spcPts val="0"/>
+              </a:spcAft>
+              <a:buSzPts val="12000"/>
+              <a:buNone/>
+              <a:defRPr sz="12000"/>
+            </a:lvl3pPr>
+            <a:lvl4pPr lvl="3" algn="ctr">
+              <a:spcBef>
+                <a:spcPts val="0"/>
+              </a:spcBef>
+              <a:spcAft>
+                <a:spcPts val="0"/>
+              </a:spcAft>
+              <a:buSzPts val="12000"/>
+              <a:buNone/>
+              <a:defRPr sz="12000"/>
+            </a:lvl4pPr>
+            <a:lvl5pPr lvl="4" algn="ctr">
+              <a:spcBef>
+                <a:spcPts val="0"/>
+              </a:spcBef>
+              <a:spcAft>
+                <a:spcPts val="0"/>
+              </a:spcAft>
+              <a:buSzPts val="12000"/>
+              <a:buNone/>
+              <a:defRPr sz="12000"/>
+            </a:lvl5pPr>
+            <a:lvl6pPr lvl="5" algn="ctr">
+              <a:spcBef>
+                <a:spcPts val="0"/>
+              </a:spcBef>
+              <a:spcAft>
+                <a:spcPts val="0"/>
+              </a:spcAft>
+              <a:buSzPts val="12000"/>
+              <a:buNone/>
+              <a:defRPr sz="12000"/>
+            </a:lvl6pPr>
+            <a:lvl7pPr lvl="6" algn="ctr">
+              <a:spcBef>
+                <a:spcPts val="0"/>
+              </a:spcBef>
+              <a:spcAft>
+                <a:spcPts val="0"/>
+              </a:spcAft>
+              <a:buSzPts val="12000"/>
+              <a:buNone/>
+              <a:defRPr sz="12000"/>
+            </a:lvl7pPr>
+            <a:lvl8pPr lvl="7" algn="ctr">
+              <a:spcBef>
+                <a:spcPts val="0"/>
+              </a:spcBef>
+              <a:spcAft>
+                <a:spcPts val="0"/>
+              </a:spcAft>
+              <a:buSzPts val="12000"/>
+              <a:buNone/>
+              <a:defRPr sz="12000"/>
+            </a:lvl8pPr>
+            <a:lvl9pPr lvl="8" algn="ctr">
+              <a:spcBef>
+                <a:spcPts val="0"/>
+              </a:spcBef>
+              <a:spcAft>
+                <a:spcPts val="0"/>
+              </a:spcAft>
+              <a:buSzPts val="12000"/>
+              <a:buNone/>
+              <a:defRPr sz="12000"/>
+            </a:lvl9pPr>
+          </a:lstStyle>
+          <a:p>
+            <a:r>
+              <a:t>xx%</a:t>
+            </a:r>
+          </a:p>
+        </p:txBody>
+      </p:sp>
+      <p:sp>
+        <p:nvSpPr>
+          <p:cNvPr id="46" name="Google Shape;46;p11"/>
+          <p:cNvSpPr txBox="1">
+            <a:spLocks noGrp="1"/>
+          </p:cNvSpPr>
+          <p:nvPr>
+            <p:ph type="body" idx="1"/>
+          </p:nvPr>
+        </p:nvSpPr>
+        <p:spPr>
+          <a:xfrm>
+            <a:off x="311700" y="3152225"/>
+            <a:ext cx="8520600" cy="1300800"/>
+          </a:xfrm>
+          <a:prstGeom prst="rect">
+            <a:avLst/>
+          </a:prstGeom>
+        </p:spPr>
+        <p:txBody>
+          <a:bodyPr spcFirstLastPara="1" wrap="square" lIns="91425" tIns="91425" rIns="91425" bIns="91425" anchor="t" anchorCtr="0">
+            <a:normAutofit/>
+          </a:bodyPr>
+          <a:lstStyle>
+            <a:lvl1pPr marL="457200" lvl="0" indent="-342900" algn="ctr">
+              <a:spcBef>
+                <a:spcPts val="0"/>
+              </a:spcBef>
+              <a:spcAft>
+                <a:spcPts val="0"/>
+              </a:spcAft>
+              <a:buSzPts val="1800"/>
+              <a:buChar char="●"/>
+              <a:defRPr/>
+            </a:lvl1pPr>
+            <a:lvl2pPr marL="914400" lvl="1" indent="-317500" algn="ctr">
+              <a:spcBef>
+                <a:spcPts val="0"/>
+              </a:spcBef>
+              <a:spcAft>
+                <a:spcPts val="0"/>
+              </a:spcAft>
+              <a:buSzPts val="1400"/>
+              <a:buChar char="○"/>
+              <a:defRPr/>
+            </a:lvl2pPr>
+            <a:lvl3pPr marL="1371600" lvl="2" indent="-317500" algn="ctr">
+              <a:spcBef>
+                <a:spcPts val="0"/>
+              </a:spcBef>
+              <a:spcAft>
+                <a:spcPts val="0"/>
+              </a:spcAft>
+              <a:buSzPts val="1400"/>
+              <a:buChar char="■"/>
+              <a:defRPr/>
+            </a:lvl3pPr>
+            <a:lvl4pPr marL="1828800" lvl="3" indent="-317500" algn="ctr">
+              <a:spcBef>
+                <a:spcPts val="0"/>
+              </a:spcBef>
+              <a:spcAft>
+                <a:spcPts val="0"/>
+              </a:spcAft>
+              <a:buSzPts val="1400"/>
+              <a:buChar char="●"/>
+              <a:defRPr/>
+            </a:lvl4pPr>
+            <a:lvl5pPr marL="2286000" lvl="4" indent="-317500" algn="ctr">
+              <a:spcBef>
+                <a:spcPts val="0"/>
+              </a:spcBef>
+              <a:spcAft>
+                <a:spcPts val="0"/>
+              </a:spcAft>
+              <a:buSzPts val="1400"/>
+              <a:buChar char="○"/>
+              <a:defRPr/>
+            </a:lvl5pPr>
+            <a:lvl6pPr marL="2743200" lvl="5" indent="-317500" algn="ctr">
+              <a:spcBef>
+                <a:spcPts val="0"/>
+              </a:spcBef>
+              <a:spcAft>
+                <a:spcPts val="0"/>
+              </a:spcAft>
+              <a:buSzPts val="1400"/>
+              <a:buChar char="■"/>
+              <a:defRPr/>
+            </a:lvl6pPr>
+            <a:lvl7pPr marL="3200400" lvl="6" indent="-317500" algn="ctr">
+              <a:spcBef>
+                <a:spcPts val="0"/>
+              </a:spcBef>
+              <a:spcAft>
+                <a:spcPts val="0"/>
+              </a:spcAft>
+              <a:buSzPts val="1400"/>
+              <a:buChar char="●"/>
+              <a:defRPr/>
+            </a:lvl7pPr>
+            <a:lvl8pPr marL="3657600" lvl="7" indent="-317500" algn="ctr">
+              <a:spcBef>
+                <a:spcPts val="0"/>
+              </a:spcBef>
+              <a:spcAft>
+                <a:spcPts val="0"/>
+              </a:spcAft>
+              <a:buSzPts val="1400"/>
+              <a:buChar char="○"/>
+              <a:defRPr/>
+            </a:lvl8pPr>
+            <a:lvl9pPr marL="4114800" lvl="8" indent="-317500" algn="ctr">
+              <a:spcBef>
+                <a:spcPts val="0"/>
+              </a:spcBef>
+              <a:spcAft>
+                <a:spcPts val="0"/>
+              </a:spcAft>
+              <a:buSzPts val="1400"/>
+              <a:buChar char="■"/>
+              <a:defRPr/>
+            </a:lvl9pPr>
+          </a:lstStyle>
+          <a:p>
+            <a:endParaRPr/>
+          </a:p>
+        </p:txBody>
+      </p:sp>
+      <p:sp>
+        <p:nvSpPr>
+          <p:cNvPr id="47" name="Google Shape;47;p11"/>
           <p:cNvSpPr txBox="1">
             <a:spLocks noGrp="1"/>
           </p:cNvSpPr>
@@ -6542,17 +5231,16 @@
   </p:cSld>
   <p:clrMap bg1="lt1" tx1="dk1" bg2="dk2" tx2="lt2" accent1="accent1" accent2="accent2" accent3="accent3" accent4="accent4" accent5="accent5" accent6="accent6" hlink="hlink" folHlink="folHlink"/>
   <p:sldLayoutIdLst>
-    <p:sldLayoutId id="2147483648" r:id="rId1"/>
-    <p:sldLayoutId id="2147483649" r:id="rId2"/>
-    <p:sldLayoutId id="2147483650" r:id="rId3"/>
-    <p:sldLayoutId id="2147483651" r:id="rId4"/>
-    <p:sldLayoutId id="2147483652" r:id="rId5"/>
-    <p:sldLayoutId id="2147483653" r:id="rId6"/>
-    <p:sldLayoutId id="2147483654" r:id="rId7"/>
-    <p:sldLayoutId id="2147483655" r:id="rId8"/>
-    <p:sldLayoutId id="2147483656" r:id="rId9"/>
-    <p:sldLayoutId id="2147483657" r:id="rId10"/>
-    <p:sldLayoutId id="2147483658" r:id="rId11"/>
+    <p:sldLayoutId id="2147483649" r:id="rId1"/>
+    <p:sldLayoutId id="2147483650" r:id="rId2"/>
+    <p:sldLayoutId id="2147483651" r:id="rId3"/>
+    <p:sldLayoutId id="2147483652" r:id="rId4"/>
+    <p:sldLayoutId id="2147483653" r:id="rId5"/>
+    <p:sldLayoutId id="2147483654" r:id="rId6"/>
+    <p:sldLayoutId id="2147483655" r:id="rId7"/>
+    <p:sldLayoutId id="2147483656" r:id="rId8"/>
+    <p:sldLayoutId id="2147483657" r:id="rId9"/>
+    <p:sldLayoutId id="2147483658" r:id="rId10"/>
   </p:sldLayoutIdLst>
   <p:hf sldNum="0" hdr="0" ftr="0" dt="0"/>
   <p:txStyles>
@@ -7252,1759 +5940,6 @@
   <p:cSld>
     <p:spTree>
       <p:nvGrpSpPr>
-        <p:cNvPr id="1" name="Shape 53"/>
-        <p:cNvGrpSpPr/>
-        <p:nvPr/>
-      </p:nvGrpSpPr>
-      <p:grpSpPr>
-        <a:xfrm>
-          <a:off x="0" y="0"/>
-          <a:ext cx="0" cy="0"/>
-          <a:chOff x="0" y="0"/>
-          <a:chExt cx="0" cy="0"/>
-        </a:xfrm>
-      </p:grpSpPr>
-      <p:pic>
-        <p:nvPicPr>
-          <p:cNvPr id="54" name="Google Shape;54;p13"/>
-          <p:cNvPicPr preferRelativeResize="0"/>
-          <p:nvPr/>
-        </p:nvPicPr>
-        <p:blipFill>
-          <a:blip r:embed="rId3">
-            <a:alphaModFix/>
-          </a:blip>
-          <a:stretch>
-            <a:fillRect/>
-          </a:stretch>
-        </p:blipFill>
-        <p:spPr>
-          <a:xfrm>
-            <a:off x="0" y="0"/>
-            <a:ext cx="9143992" cy="5143500"/>
-          </a:xfrm>
-          <a:prstGeom prst="rect">
-            <a:avLst/>
-          </a:prstGeom>
-          <a:noFill/>
-          <a:ln>
-            <a:noFill/>
-          </a:ln>
-        </p:spPr>
-      </p:pic>
-    </p:spTree>
-  </p:cSld>
-  <p:clrMapOvr>
-    <a:masterClrMapping/>
-  </p:clrMapOvr>
-</p:sld>
-</file>
-
-<file path=ppt/slides/slide10.xml><?xml version="1.0" encoding="utf-8"?>
-<p:sld xmlns:a="http://schemas.openxmlformats.org/drawingml/2006/main" xmlns:r="http://schemas.openxmlformats.org/officeDocument/2006/relationships" xmlns:p="http://schemas.openxmlformats.org/presentationml/2006/main">
-  <p:cSld>
-    <p:spTree>
-      <p:nvGrpSpPr>
-        <p:cNvPr id="1" name="Shape 119"/>
-        <p:cNvGrpSpPr/>
-        <p:nvPr/>
-      </p:nvGrpSpPr>
-      <p:grpSpPr>
-        <a:xfrm>
-          <a:off x="0" y="0"/>
-          <a:ext cx="0" cy="0"/>
-          <a:chOff x="0" y="0"/>
-          <a:chExt cx="0" cy="0"/>
-        </a:xfrm>
-      </p:grpSpPr>
-      <p:sp>
-        <p:nvSpPr>
-          <p:cNvPr id="120" name="Google Shape;120;p22"/>
-          <p:cNvSpPr txBox="1">
-            <a:spLocks noGrp="1"/>
-          </p:cNvSpPr>
-          <p:nvPr>
-            <p:ph type="title"/>
-          </p:nvPr>
-        </p:nvSpPr>
-        <p:spPr>
-          <a:xfrm>
-            <a:off x="311700" y="292625"/>
-            <a:ext cx="8520600" cy="572700"/>
-          </a:xfrm>
-          <a:prstGeom prst="rect">
-            <a:avLst/>
-          </a:prstGeom>
-        </p:spPr>
-        <p:txBody>
-          <a:bodyPr spcFirstLastPara="1" wrap="square" lIns="91425" tIns="91425" rIns="91425" bIns="91425" anchor="t" anchorCtr="0">
-            <a:normAutofit fontScale="90000"/>
-          </a:bodyPr>
-          <a:lstStyle/>
-          <a:p>
-            <a:pPr marL="0" lvl="0" indent="0" algn="l" rtl="0">
-              <a:spcBef>
-                <a:spcPts val="0"/>
-              </a:spcBef>
-              <a:spcAft>
-                <a:spcPts val="0"/>
-              </a:spcAft>
-              <a:buNone/>
-            </a:pPr>
-            <a:r>
-              <a:rPr lang="en">
-                <a:solidFill>
-                  <a:srgbClr val="EE0C90"/>
-                </a:solidFill>
-                <a:latin typeface="Audiowide"/>
-                <a:ea typeface="Audiowide"/>
-                <a:cs typeface="Audiowide"/>
-                <a:sym typeface="Audiowide"/>
-              </a:rPr>
-              <a:t>The Market</a:t>
-            </a:r>
-            <a:endParaRPr>
-              <a:solidFill>
-                <a:srgbClr val="EE0C90"/>
-              </a:solidFill>
-              <a:latin typeface="Audiowide"/>
-              <a:ea typeface="Audiowide"/>
-              <a:cs typeface="Audiowide"/>
-              <a:sym typeface="Audiowide"/>
-            </a:endParaRPr>
-          </a:p>
-        </p:txBody>
-      </p:sp>
-      <p:sp>
-        <p:nvSpPr>
-          <p:cNvPr id="121" name="Google Shape;121;p22"/>
-          <p:cNvSpPr/>
-          <p:nvPr/>
-        </p:nvSpPr>
-        <p:spPr>
-          <a:xfrm>
-            <a:off x="0" y="1000775"/>
-            <a:ext cx="9144000" cy="4142700"/>
-          </a:xfrm>
-          <a:prstGeom prst="rect">
-            <a:avLst/>
-          </a:prstGeom>
-          <a:solidFill>
-            <a:srgbClr val="2C0353"/>
-          </a:solidFill>
-          <a:ln w="9525" cap="flat" cmpd="sng">
-            <a:solidFill>
-              <a:srgbClr val="701C7F"/>
-            </a:solidFill>
-            <a:prstDash val="solid"/>
-            <a:round/>
-            <a:headEnd type="none" w="sm" len="sm"/>
-            <a:tailEnd type="none" w="sm" len="sm"/>
-          </a:ln>
-        </p:spPr>
-        <p:txBody>
-          <a:bodyPr spcFirstLastPara="1" wrap="square" lIns="91425" tIns="91425" rIns="91425" bIns="91425" anchor="ctr" anchorCtr="0">
-            <a:noAutofit/>
-          </a:bodyPr>
-          <a:lstStyle/>
-          <a:p>
-            <a:pPr marL="499744" marR="5080" lvl="0" indent="-487679" algn="l" rtl="0">
-              <a:lnSpc>
-                <a:spcPct val="116666"/>
-              </a:lnSpc>
-              <a:spcBef>
-                <a:spcPts val="0"/>
-              </a:spcBef>
-              <a:spcAft>
-                <a:spcPts val="0"/>
-              </a:spcAft>
-              <a:buNone/>
-            </a:pPr>
-            <a:endParaRPr/>
-          </a:p>
-        </p:txBody>
-      </p:sp>
-      <p:sp>
-        <p:nvSpPr>
-          <p:cNvPr id="122" name="Google Shape;122;p22"/>
-          <p:cNvSpPr txBox="1"/>
-          <p:nvPr/>
-        </p:nvSpPr>
-        <p:spPr>
-          <a:xfrm>
-            <a:off x="311705" y="2131775"/>
-            <a:ext cx="8339400" cy="289800"/>
-          </a:xfrm>
-          <a:prstGeom prst="rect">
-            <a:avLst/>
-          </a:prstGeom>
-          <a:noFill/>
-          <a:ln>
-            <a:noFill/>
-          </a:ln>
-        </p:spPr>
-        <p:txBody>
-          <a:bodyPr spcFirstLastPara="1" wrap="square" lIns="0" tIns="12700" rIns="0" bIns="0" anchor="t" anchorCtr="0">
-            <a:spAutoFit/>
-          </a:bodyPr>
-          <a:lstStyle/>
-          <a:p>
-            <a:pPr marL="12700" marR="0" lvl="0" indent="0" algn="l" rtl="0">
-              <a:lnSpc>
-                <a:spcPct val="100000"/>
-              </a:lnSpc>
-              <a:spcBef>
-                <a:spcPts val="0"/>
-              </a:spcBef>
-              <a:spcAft>
-                <a:spcPts val="0"/>
-              </a:spcAft>
-              <a:buNone/>
-            </a:pPr>
-            <a:r>
-              <a:rPr lang="en" sz="1800" i="1">
-                <a:solidFill>
-                  <a:srgbClr val="FFFFFF"/>
-                </a:solidFill>
-                <a:latin typeface="Roboto"/>
-                <a:ea typeface="Roboto"/>
-                <a:cs typeface="Roboto"/>
-                <a:sym typeface="Roboto"/>
-              </a:rPr>
-              <a:t>Make a case on the room on the market for a Product / Service like yours</a:t>
-            </a:r>
-            <a:endParaRPr sz="1800" i="1">
-              <a:latin typeface="Roboto"/>
-              <a:ea typeface="Roboto"/>
-              <a:cs typeface="Roboto"/>
-              <a:sym typeface="Roboto"/>
-            </a:endParaRPr>
-          </a:p>
-        </p:txBody>
-      </p:sp>
-    </p:spTree>
-  </p:cSld>
-  <p:clrMapOvr>
-    <a:masterClrMapping/>
-  </p:clrMapOvr>
-</p:sld>
-</file>
-
-<file path=ppt/slides/slide11.xml><?xml version="1.0" encoding="utf-8"?>
-<p:sld xmlns:a="http://schemas.openxmlformats.org/drawingml/2006/main" xmlns:r="http://schemas.openxmlformats.org/officeDocument/2006/relationships" xmlns:p="http://schemas.openxmlformats.org/presentationml/2006/main">
-  <p:cSld>
-    <p:spTree>
-      <p:nvGrpSpPr>
-        <p:cNvPr id="1" name="Shape 126"/>
-        <p:cNvGrpSpPr/>
-        <p:nvPr/>
-      </p:nvGrpSpPr>
-      <p:grpSpPr>
-        <a:xfrm>
-          <a:off x="0" y="0"/>
-          <a:ext cx="0" cy="0"/>
-          <a:chOff x="0" y="0"/>
-          <a:chExt cx="0" cy="0"/>
-        </a:xfrm>
-      </p:grpSpPr>
-      <p:sp>
-        <p:nvSpPr>
-          <p:cNvPr id="127" name="Google Shape;127;p23"/>
-          <p:cNvSpPr txBox="1">
-            <a:spLocks noGrp="1"/>
-          </p:cNvSpPr>
-          <p:nvPr>
-            <p:ph type="title"/>
-          </p:nvPr>
-        </p:nvSpPr>
-        <p:spPr>
-          <a:xfrm>
-            <a:off x="311700" y="292625"/>
-            <a:ext cx="8520600" cy="572700"/>
-          </a:xfrm>
-          <a:prstGeom prst="rect">
-            <a:avLst/>
-          </a:prstGeom>
-        </p:spPr>
-        <p:txBody>
-          <a:bodyPr spcFirstLastPara="1" wrap="square" lIns="91425" tIns="91425" rIns="91425" bIns="91425" anchor="t" anchorCtr="0">
-            <a:normAutofit fontScale="90000"/>
-          </a:bodyPr>
-          <a:lstStyle/>
-          <a:p>
-            <a:pPr marL="0" lvl="0" indent="0" algn="l" rtl="0">
-              <a:spcBef>
-                <a:spcPts val="0"/>
-              </a:spcBef>
-              <a:spcAft>
-                <a:spcPts val="0"/>
-              </a:spcAft>
-              <a:buNone/>
-            </a:pPr>
-            <a:r>
-              <a:rPr lang="en">
-                <a:solidFill>
-                  <a:srgbClr val="EE0C90"/>
-                </a:solidFill>
-                <a:latin typeface="Audiowide"/>
-                <a:ea typeface="Audiowide"/>
-                <a:cs typeface="Audiowide"/>
-                <a:sym typeface="Audiowide"/>
-              </a:rPr>
-              <a:t>The Added Value</a:t>
-            </a:r>
-            <a:endParaRPr>
-              <a:solidFill>
-                <a:srgbClr val="EE0C90"/>
-              </a:solidFill>
-              <a:latin typeface="Audiowide"/>
-              <a:ea typeface="Audiowide"/>
-              <a:cs typeface="Audiowide"/>
-              <a:sym typeface="Audiowide"/>
-            </a:endParaRPr>
-          </a:p>
-        </p:txBody>
-      </p:sp>
-      <p:sp>
-        <p:nvSpPr>
-          <p:cNvPr id="128" name="Google Shape;128;p23"/>
-          <p:cNvSpPr/>
-          <p:nvPr/>
-        </p:nvSpPr>
-        <p:spPr>
-          <a:xfrm>
-            <a:off x="0" y="1000775"/>
-            <a:ext cx="9144000" cy="4142700"/>
-          </a:xfrm>
-          <a:prstGeom prst="rect">
-            <a:avLst/>
-          </a:prstGeom>
-          <a:solidFill>
-            <a:srgbClr val="2C0353"/>
-          </a:solidFill>
-          <a:ln w="9525" cap="flat" cmpd="sng">
-            <a:solidFill>
-              <a:srgbClr val="701C7F"/>
-            </a:solidFill>
-            <a:prstDash val="solid"/>
-            <a:round/>
-            <a:headEnd type="none" w="sm" len="sm"/>
-            <a:tailEnd type="none" w="sm" len="sm"/>
-          </a:ln>
-        </p:spPr>
-        <p:txBody>
-          <a:bodyPr spcFirstLastPara="1" wrap="square" lIns="91425" tIns="91425" rIns="91425" bIns="91425" anchor="ctr" anchorCtr="0">
-            <a:noAutofit/>
-          </a:bodyPr>
-          <a:lstStyle/>
-          <a:p>
-            <a:pPr marL="499744" marR="5080" lvl="0" indent="-487679" algn="l" rtl="0">
-              <a:lnSpc>
-                <a:spcPct val="116666"/>
-              </a:lnSpc>
-              <a:spcBef>
-                <a:spcPts val="0"/>
-              </a:spcBef>
-              <a:spcAft>
-                <a:spcPts val="0"/>
-              </a:spcAft>
-              <a:buNone/>
-            </a:pPr>
-            <a:endParaRPr/>
-          </a:p>
-        </p:txBody>
-      </p:sp>
-      <p:sp>
-        <p:nvSpPr>
-          <p:cNvPr id="129" name="Google Shape;129;p23"/>
-          <p:cNvSpPr txBox="1"/>
-          <p:nvPr/>
-        </p:nvSpPr>
-        <p:spPr>
-          <a:xfrm>
-            <a:off x="311705" y="2131775"/>
-            <a:ext cx="8339400" cy="567000"/>
-          </a:xfrm>
-          <a:prstGeom prst="rect">
-            <a:avLst/>
-          </a:prstGeom>
-          <a:noFill/>
-          <a:ln>
-            <a:noFill/>
-          </a:ln>
-        </p:spPr>
-        <p:txBody>
-          <a:bodyPr spcFirstLastPara="1" wrap="square" lIns="0" tIns="12700" rIns="0" bIns="0" anchor="t" anchorCtr="0">
-            <a:spAutoFit/>
-          </a:bodyPr>
-          <a:lstStyle/>
-          <a:p>
-            <a:pPr marL="12700" marR="0" lvl="0" indent="0" algn="l" rtl="0">
-              <a:lnSpc>
-                <a:spcPct val="100000"/>
-              </a:lnSpc>
-              <a:spcBef>
-                <a:spcPts val="0"/>
-              </a:spcBef>
-              <a:spcAft>
-                <a:spcPts val="0"/>
-              </a:spcAft>
-              <a:buNone/>
-            </a:pPr>
-            <a:r>
-              <a:rPr lang="en" sz="1800" i="1">
-                <a:solidFill>
-                  <a:srgbClr val="FFFFFF"/>
-                </a:solidFill>
-                <a:latin typeface="Roboto"/>
-                <a:ea typeface="Roboto"/>
-                <a:cs typeface="Roboto"/>
-                <a:sym typeface="Roboto"/>
-              </a:rPr>
-              <a:t>Explain what the added value of your Solution / Product / Service is.</a:t>
-            </a:r>
-            <a:br>
-              <a:rPr lang="en" sz="1800" i="1">
-                <a:solidFill>
-                  <a:srgbClr val="FFFFFF"/>
-                </a:solidFill>
-                <a:latin typeface="Roboto"/>
-                <a:ea typeface="Roboto"/>
-                <a:cs typeface="Roboto"/>
-                <a:sym typeface="Roboto"/>
-              </a:rPr>
-            </a:br>
-            <a:r>
-              <a:rPr lang="en" sz="1800" i="1">
-                <a:solidFill>
-                  <a:srgbClr val="FFFFFF"/>
-                </a:solidFill>
-                <a:latin typeface="Roboto"/>
-                <a:ea typeface="Roboto"/>
-                <a:cs typeface="Roboto"/>
-                <a:sym typeface="Roboto"/>
-              </a:rPr>
-              <a:t>Explain why you think your solution is better than the other out there.</a:t>
-            </a:r>
-            <a:endParaRPr sz="1800" i="1">
-              <a:latin typeface="Roboto"/>
-              <a:ea typeface="Roboto"/>
-              <a:cs typeface="Roboto"/>
-              <a:sym typeface="Roboto"/>
-            </a:endParaRPr>
-          </a:p>
-        </p:txBody>
-      </p:sp>
-    </p:spTree>
-  </p:cSld>
-  <p:clrMapOvr>
-    <a:masterClrMapping/>
-  </p:clrMapOvr>
-</p:sld>
-</file>
-
-<file path=ppt/slides/slide12.xml><?xml version="1.0" encoding="utf-8"?>
-<p:sld xmlns:a="http://schemas.openxmlformats.org/drawingml/2006/main" xmlns:r="http://schemas.openxmlformats.org/officeDocument/2006/relationships" xmlns:p="http://schemas.openxmlformats.org/presentationml/2006/main">
-  <p:cSld>
-    <p:spTree>
-      <p:nvGrpSpPr>
-        <p:cNvPr id="1" name="Shape 133"/>
-        <p:cNvGrpSpPr/>
-        <p:nvPr/>
-      </p:nvGrpSpPr>
-      <p:grpSpPr>
-        <a:xfrm>
-          <a:off x="0" y="0"/>
-          <a:ext cx="0" cy="0"/>
-          <a:chOff x="0" y="0"/>
-          <a:chExt cx="0" cy="0"/>
-        </a:xfrm>
-      </p:grpSpPr>
-      <p:sp>
-        <p:nvSpPr>
-          <p:cNvPr id="134" name="Google Shape;134;p24"/>
-          <p:cNvSpPr txBox="1">
-            <a:spLocks noGrp="1"/>
-          </p:cNvSpPr>
-          <p:nvPr>
-            <p:ph type="title"/>
-          </p:nvPr>
-        </p:nvSpPr>
-        <p:spPr>
-          <a:xfrm>
-            <a:off x="311700" y="292625"/>
-            <a:ext cx="8520600" cy="572700"/>
-          </a:xfrm>
-          <a:prstGeom prst="rect">
-            <a:avLst/>
-          </a:prstGeom>
-        </p:spPr>
-        <p:txBody>
-          <a:bodyPr spcFirstLastPara="1" wrap="square" lIns="91425" tIns="91425" rIns="91425" bIns="91425" anchor="t" anchorCtr="0">
-            <a:normAutofit fontScale="90000"/>
-          </a:bodyPr>
-          <a:lstStyle/>
-          <a:p>
-            <a:pPr marL="0" lvl="0" indent="0" algn="l" rtl="0">
-              <a:spcBef>
-                <a:spcPts val="0"/>
-              </a:spcBef>
-              <a:spcAft>
-                <a:spcPts val="0"/>
-              </a:spcAft>
-              <a:buNone/>
-            </a:pPr>
-            <a:r>
-              <a:rPr lang="en">
-                <a:solidFill>
-                  <a:srgbClr val="EE0C90"/>
-                </a:solidFill>
-                <a:latin typeface="Audiowide"/>
-                <a:ea typeface="Audiowide"/>
-                <a:cs typeface="Audiowide"/>
-                <a:sym typeface="Audiowide"/>
-              </a:rPr>
-              <a:t>The Competition</a:t>
-            </a:r>
-            <a:endParaRPr>
-              <a:solidFill>
-                <a:srgbClr val="EE0C90"/>
-              </a:solidFill>
-              <a:latin typeface="Audiowide"/>
-              <a:ea typeface="Audiowide"/>
-              <a:cs typeface="Audiowide"/>
-              <a:sym typeface="Audiowide"/>
-            </a:endParaRPr>
-          </a:p>
-        </p:txBody>
-      </p:sp>
-      <p:sp>
-        <p:nvSpPr>
-          <p:cNvPr id="135" name="Google Shape;135;p24"/>
-          <p:cNvSpPr/>
-          <p:nvPr/>
-        </p:nvSpPr>
-        <p:spPr>
-          <a:xfrm>
-            <a:off x="0" y="1000775"/>
-            <a:ext cx="9144000" cy="4142700"/>
-          </a:xfrm>
-          <a:prstGeom prst="rect">
-            <a:avLst/>
-          </a:prstGeom>
-          <a:solidFill>
-            <a:srgbClr val="2C0353"/>
-          </a:solidFill>
-          <a:ln w="9525" cap="flat" cmpd="sng">
-            <a:solidFill>
-              <a:srgbClr val="701C7F"/>
-            </a:solidFill>
-            <a:prstDash val="solid"/>
-            <a:round/>
-            <a:headEnd type="none" w="sm" len="sm"/>
-            <a:tailEnd type="none" w="sm" len="sm"/>
-          </a:ln>
-        </p:spPr>
-        <p:txBody>
-          <a:bodyPr spcFirstLastPara="1" wrap="square" lIns="91425" tIns="91425" rIns="91425" bIns="91425" anchor="ctr" anchorCtr="0">
-            <a:noAutofit/>
-          </a:bodyPr>
-          <a:lstStyle/>
-          <a:p>
-            <a:pPr marL="499744" marR="5080" lvl="0" indent="-487679" algn="l" rtl="0">
-              <a:lnSpc>
-                <a:spcPct val="116666"/>
-              </a:lnSpc>
-              <a:spcBef>
-                <a:spcPts val="0"/>
-              </a:spcBef>
-              <a:spcAft>
-                <a:spcPts val="0"/>
-              </a:spcAft>
-              <a:buNone/>
-            </a:pPr>
-            <a:endParaRPr/>
-          </a:p>
-        </p:txBody>
-      </p:sp>
-      <p:sp>
-        <p:nvSpPr>
-          <p:cNvPr id="136" name="Google Shape;136;p24"/>
-          <p:cNvSpPr txBox="1"/>
-          <p:nvPr/>
-        </p:nvSpPr>
-        <p:spPr>
-          <a:xfrm>
-            <a:off x="311705" y="2131775"/>
-            <a:ext cx="8339400" cy="289800"/>
-          </a:xfrm>
-          <a:prstGeom prst="rect">
-            <a:avLst/>
-          </a:prstGeom>
-          <a:noFill/>
-          <a:ln>
-            <a:noFill/>
-          </a:ln>
-        </p:spPr>
-        <p:txBody>
-          <a:bodyPr spcFirstLastPara="1" wrap="square" lIns="0" tIns="12700" rIns="0" bIns="0" anchor="t" anchorCtr="0">
-            <a:spAutoFit/>
-          </a:bodyPr>
-          <a:lstStyle/>
-          <a:p>
-            <a:pPr marL="12700" marR="0" lvl="0" indent="0" algn="l" rtl="0">
-              <a:lnSpc>
-                <a:spcPct val="100000"/>
-              </a:lnSpc>
-              <a:spcBef>
-                <a:spcPts val="0"/>
-              </a:spcBef>
-              <a:spcAft>
-                <a:spcPts val="0"/>
-              </a:spcAft>
-              <a:buNone/>
-            </a:pPr>
-            <a:r>
-              <a:rPr lang="en" sz="1800" i="1">
-                <a:solidFill>
-                  <a:srgbClr val="FFFFFF"/>
-                </a:solidFill>
-                <a:latin typeface="Roboto"/>
-                <a:ea typeface="Roboto"/>
-                <a:cs typeface="Roboto"/>
-                <a:sym typeface="Roboto"/>
-              </a:rPr>
-              <a:t>Enumerate your competitors and explain how you differ from them.</a:t>
-            </a:r>
-            <a:endParaRPr sz="1800" i="1">
-              <a:latin typeface="Roboto"/>
-              <a:ea typeface="Roboto"/>
-              <a:cs typeface="Roboto"/>
-              <a:sym typeface="Roboto"/>
-            </a:endParaRPr>
-          </a:p>
-        </p:txBody>
-      </p:sp>
-    </p:spTree>
-  </p:cSld>
-  <p:clrMapOvr>
-    <a:masterClrMapping/>
-  </p:clrMapOvr>
-</p:sld>
-</file>
-
-<file path=ppt/slides/slide13.xml><?xml version="1.0" encoding="utf-8"?>
-<p:sld xmlns:a="http://schemas.openxmlformats.org/drawingml/2006/main" xmlns:r="http://schemas.openxmlformats.org/officeDocument/2006/relationships" xmlns:p="http://schemas.openxmlformats.org/presentationml/2006/main">
-  <p:cSld>
-    <p:spTree>
-      <p:nvGrpSpPr>
-        <p:cNvPr id="1" name="Shape 140"/>
-        <p:cNvGrpSpPr/>
-        <p:nvPr/>
-      </p:nvGrpSpPr>
-      <p:grpSpPr>
-        <a:xfrm>
-          <a:off x="0" y="0"/>
-          <a:ext cx="0" cy="0"/>
-          <a:chOff x="0" y="0"/>
-          <a:chExt cx="0" cy="0"/>
-        </a:xfrm>
-      </p:grpSpPr>
-      <p:sp>
-        <p:nvSpPr>
-          <p:cNvPr id="141" name="Google Shape;141;p25"/>
-          <p:cNvSpPr txBox="1">
-            <a:spLocks noGrp="1"/>
-          </p:cNvSpPr>
-          <p:nvPr>
-            <p:ph type="title"/>
-          </p:nvPr>
-        </p:nvSpPr>
-        <p:spPr>
-          <a:xfrm>
-            <a:off x="311700" y="292625"/>
-            <a:ext cx="8520600" cy="572700"/>
-          </a:xfrm>
-          <a:prstGeom prst="rect">
-            <a:avLst/>
-          </a:prstGeom>
-        </p:spPr>
-        <p:txBody>
-          <a:bodyPr spcFirstLastPara="1" wrap="square" lIns="91425" tIns="91425" rIns="91425" bIns="91425" anchor="t" anchorCtr="0">
-            <a:normAutofit fontScale="90000"/>
-          </a:bodyPr>
-          <a:lstStyle/>
-          <a:p>
-            <a:pPr marL="0" lvl="0" indent="0" algn="l" rtl="0">
-              <a:spcBef>
-                <a:spcPts val="0"/>
-              </a:spcBef>
-              <a:spcAft>
-                <a:spcPts val="0"/>
-              </a:spcAft>
-              <a:buNone/>
-            </a:pPr>
-            <a:r>
-              <a:rPr lang="en">
-                <a:solidFill>
-                  <a:srgbClr val="EE0C90"/>
-                </a:solidFill>
-                <a:latin typeface="Audiowide"/>
-                <a:ea typeface="Audiowide"/>
-                <a:cs typeface="Audiowide"/>
-                <a:sym typeface="Audiowide"/>
-              </a:rPr>
-              <a:t>Business Model</a:t>
-            </a:r>
-            <a:endParaRPr>
-              <a:solidFill>
-                <a:srgbClr val="EE0C90"/>
-              </a:solidFill>
-              <a:latin typeface="Audiowide"/>
-              <a:ea typeface="Audiowide"/>
-              <a:cs typeface="Audiowide"/>
-              <a:sym typeface="Audiowide"/>
-            </a:endParaRPr>
-          </a:p>
-        </p:txBody>
-      </p:sp>
-      <p:sp>
-        <p:nvSpPr>
-          <p:cNvPr id="142" name="Google Shape;142;p25"/>
-          <p:cNvSpPr/>
-          <p:nvPr/>
-        </p:nvSpPr>
-        <p:spPr>
-          <a:xfrm>
-            <a:off x="0" y="1000775"/>
-            <a:ext cx="9144000" cy="4142700"/>
-          </a:xfrm>
-          <a:prstGeom prst="rect">
-            <a:avLst/>
-          </a:prstGeom>
-          <a:solidFill>
-            <a:srgbClr val="2C0353"/>
-          </a:solidFill>
-          <a:ln w="9525" cap="flat" cmpd="sng">
-            <a:solidFill>
-              <a:srgbClr val="701C7F"/>
-            </a:solidFill>
-            <a:prstDash val="solid"/>
-            <a:round/>
-            <a:headEnd type="none" w="sm" len="sm"/>
-            <a:tailEnd type="none" w="sm" len="sm"/>
-          </a:ln>
-        </p:spPr>
-        <p:txBody>
-          <a:bodyPr spcFirstLastPara="1" wrap="square" lIns="91425" tIns="91425" rIns="91425" bIns="91425" anchor="ctr" anchorCtr="0">
-            <a:noAutofit/>
-          </a:bodyPr>
-          <a:lstStyle/>
-          <a:p>
-            <a:pPr marL="499744" marR="5080" lvl="0" indent="-487679" algn="l" rtl="0">
-              <a:lnSpc>
-                <a:spcPct val="116666"/>
-              </a:lnSpc>
-              <a:spcBef>
-                <a:spcPts val="0"/>
-              </a:spcBef>
-              <a:spcAft>
-                <a:spcPts val="0"/>
-              </a:spcAft>
-              <a:buNone/>
-            </a:pPr>
-            <a:endParaRPr/>
-          </a:p>
-        </p:txBody>
-      </p:sp>
-      <p:sp>
-        <p:nvSpPr>
-          <p:cNvPr id="143" name="Google Shape;143;p25"/>
-          <p:cNvSpPr txBox="1"/>
-          <p:nvPr/>
-        </p:nvSpPr>
-        <p:spPr>
-          <a:xfrm>
-            <a:off x="311705" y="2131775"/>
-            <a:ext cx="8339400" cy="289800"/>
-          </a:xfrm>
-          <a:prstGeom prst="rect">
-            <a:avLst/>
-          </a:prstGeom>
-          <a:noFill/>
-          <a:ln>
-            <a:noFill/>
-          </a:ln>
-        </p:spPr>
-        <p:txBody>
-          <a:bodyPr spcFirstLastPara="1" wrap="square" lIns="0" tIns="12700" rIns="0" bIns="0" anchor="t" anchorCtr="0">
-            <a:spAutoFit/>
-          </a:bodyPr>
-          <a:lstStyle/>
-          <a:p>
-            <a:pPr marL="12700" marR="0" lvl="0" indent="0" algn="l" rtl="0">
-              <a:lnSpc>
-                <a:spcPct val="100000"/>
-              </a:lnSpc>
-              <a:spcBef>
-                <a:spcPts val="0"/>
-              </a:spcBef>
-              <a:spcAft>
-                <a:spcPts val="0"/>
-              </a:spcAft>
-              <a:buNone/>
-            </a:pPr>
-            <a:r>
-              <a:rPr lang="en" sz="1800" i="1">
-                <a:solidFill>
-                  <a:srgbClr val="FFFFFF"/>
-                </a:solidFill>
-                <a:latin typeface="Roboto"/>
-                <a:ea typeface="Roboto"/>
-                <a:cs typeface="Roboto"/>
-                <a:sym typeface="Roboto"/>
-              </a:rPr>
-              <a:t>Explain how you envision generating sales for your Product or Service.</a:t>
-            </a:r>
-            <a:endParaRPr sz="1800" i="1">
-              <a:latin typeface="Roboto"/>
-              <a:ea typeface="Roboto"/>
-              <a:cs typeface="Roboto"/>
-              <a:sym typeface="Roboto"/>
-            </a:endParaRPr>
-          </a:p>
-        </p:txBody>
-      </p:sp>
-    </p:spTree>
-  </p:cSld>
-  <p:clrMapOvr>
-    <a:masterClrMapping/>
-  </p:clrMapOvr>
-</p:sld>
-</file>
-
-<file path=ppt/slides/slide14.xml><?xml version="1.0" encoding="utf-8"?>
-<p:sld xmlns:a="http://schemas.openxmlformats.org/drawingml/2006/main" xmlns:r="http://schemas.openxmlformats.org/officeDocument/2006/relationships" xmlns:p="http://schemas.openxmlformats.org/presentationml/2006/main">
-  <p:cSld>
-    <p:spTree>
-      <p:nvGrpSpPr>
-        <p:cNvPr id="1" name="Shape 147"/>
-        <p:cNvGrpSpPr/>
-        <p:nvPr/>
-      </p:nvGrpSpPr>
-      <p:grpSpPr>
-        <a:xfrm>
-          <a:off x="0" y="0"/>
-          <a:ext cx="0" cy="0"/>
-          <a:chOff x="0" y="0"/>
-          <a:chExt cx="0" cy="0"/>
-        </a:xfrm>
-      </p:grpSpPr>
-      <p:sp>
-        <p:nvSpPr>
-          <p:cNvPr id="148" name="Google Shape;148;p26"/>
-          <p:cNvSpPr txBox="1">
-            <a:spLocks noGrp="1"/>
-          </p:cNvSpPr>
-          <p:nvPr>
-            <p:ph type="title"/>
-          </p:nvPr>
-        </p:nvSpPr>
-        <p:spPr>
-          <a:xfrm>
-            <a:off x="311700" y="292625"/>
-            <a:ext cx="8520600" cy="572700"/>
-          </a:xfrm>
-          <a:prstGeom prst="rect">
-            <a:avLst/>
-          </a:prstGeom>
-        </p:spPr>
-        <p:txBody>
-          <a:bodyPr spcFirstLastPara="1" wrap="square" lIns="91425" tIns="91425" rIns="91425" bIns="91425" anchor="t" anchorCtr="0">
-            <a:normAutofit fontScale="90000"/>
-          </a:bodyPr>
-          <a:lstStyle/>
-          <a:p>
-            <a:pPr marL="0" lvl="0" indent="0" algn="l" rtl="0">
-              <a:spcBef>
-                <a:spcPts val="0"/>
-              </a:spcBef>
-              <a:spcAft>
-                <a:spcPts val="0"/>
-              </a:spcAft>
-              <a:buNone/>
-            </a:pPr>
-            <a:r>
-              <a:rPr lang="en">
-                <a:solidFill>
-                  <a:srgbClr val="EE0C90"/>
-                </a:solidFill>
-                <a:latin typeface="Audiowide"/>
-                <a:ea typeface="Audiowide"/>
-                <a:cs typeface="Audiowide"/>
-                <a:sym typeface="Audiowide"/>
-              </a:rPr>
-              <a:t>Business Plan</a:t>
-            </a:r>
-            <a:endParaRPr>
-              <a:solidFill>
-                <a:srgbClr val="EE0C90"/>
-              </a:solidFill>
-              <a:latin typeface="Audiowide"/>
-              <a:ea typeface="Audiowide"/>
-              <a:cs typeface="Audiowide"/>
-              <a:sym typeface="Audiowide"/>
-            </a:endParaRPr>
-          </a:p>
-        </p:txBody>
-      </p:sp>
-      <p:sp>
-        <p:nvSpPr>
-          <p:cNvPr id="149" name="Google Shape;149;p26"/>
-          <p:cNvSpPr/>
-          <p:nvPr/>
-        </p:nvSpPr>
-        <p:spPr>
-          <a:xfrm>
-            <a:off x="0" y="1000775"/>
-            <a:ext cx="9144000" cy="4142700"/>
-          </a:xfrm>
-          <a:prstGeom prst="rect">
-            <a:avLst/>
-          </a:prstGeom>
-          <a:solidFill>
-            <a:srgbClr val="2C0353"/>
-          </a:solidFill>
-          <a:ln w="9525" cap="flat" cmpd="sng">
-            <a:solidFill>
-              <a:srgbClr val="701C7F"/>
-            </a:solidFill>
-            <a:prstDash val="solid"/>
-            <a:round/>
-            <a:headEnd type="none" w="sm" len="sm"/>
-            <a:tailEnd type="none" w="sm" len="sm"/>
-          </a:ln>
-        </p:spPr>
-        <p:txBody>
-          <a:bodyPr spcFirstLastPara="1" wrap="square" lIns="91425" tIns="91425" rIns="91425" bIns="91425" anchor="ctr" anchorCtr="0">
-            <a:noAutofit/>
-          </a:bodyPr>
-          <a:lstStyle/>
-          <a:p>
-            <a:pPr marL="499744" marR="5080" lvl="0" indent="-487679" algn="l" rtl="0">
-              <a:lnSpc>
-                <a:spcPct val="116666"/>
-              </a:lnSpc>
-              <a:spcBef>
-                <a:spcPts val="0"/>
-              </a:spcBef>
-              <a:spcAft>
-                <a:spcPts val="0"/>
-              </a:spcAft>
-              <a:buNone/>
-            </a:pPr>
-            <a:endParaRPr/>
-          </a:p>
-        </p:txBody>
-      </p:sp>
-      <p:sp>
-        <p:nvSpPr>
-          <p:cNvPr id="150" name="Google Shape;150;p26"/>
-          <p:cNvSpPr txBox="1"/>
-          <p:nvPr/>
-        </p:nvSpPr>
-        <p:spPr>
-          <a:xfrm>
-            <a:off x="311705" y="2131775"/>
-            <a:ext cx="8339400" cy="289800"/>
-          </a:xfrm>
-          <a:prstGeom prst="rect">
-            <a:avLst/>
-          </a:prstGeom>
-          <a:noFill/>
-          <a:ln>
-            <a:noFill/>
-          </a:ln>
-        </p:spPr>
-        <p:txBody>
-          <a:bodyPr spcFirstLastPara="1" wrap="square" lIns="0" tIns="12700" rIns="0" bIns="0" anchor="t" anchorCtr="0">
-            <a:spAutoFit/>
-          </a:bodyPr>
-          <a:lstStyle/>
-          <a:p>
-            <a:pPr marL="12700" marR="0" lvl="0" indent="0" algn="l" rtl="0">
-              <a:lnSpc>
-                <a:spcPct val="100000"/>
-              </a:lnSpc>
-              <a:spcBef>
-                <a:spcPts val="0"/>
-              </a:spcBef>
-              <a:spcAft>
-                <a:spcPts val="0"/>
-              </a:spcAft>
-              <a:buNone/>
-            </a:pPr>
-            <a:r>
-              <a:rPr lang="en" sz="1800" i="1">
-                <a:solidFill>
-                  <a:srgbClr val="FFFFFF"/>
-                </a:solidFill>
-                <a:latin typeface="Roboto"/>
-                <a:ea typeface="Roboto"/>
-                <a:cs typeface="Roboto"/>
-                <a:sym typeface="Roboto"/>
-              </a:rPr>
-              <a:t>Describe the way you envision implementing the business model</a:t>
-            </a:r>
-            <a:endParaRPr sz="1800" i="1">
-              <a:latin typeface="Roboto"/>
-              <a:ea typeface="Roboto"/>
-              <a:cs typeface="Roboto"/>
-              <a:sym typeface="Roboto"/>
-            </a:endParaRPr>
-          </a:p>
-        </p:txBody>
-      </p:sp>
-    </p:spTree>
-  </p:cSld>
-  <p:clrMapOvr>
-    <a:masterClrMapping/>
-  </p:clrMapOvr>
-</p:sld>
-</file>
-
-<file path=ppt/slides/slide15.xml><?xml version="1.0" encoding="utf-8"?>
-<p:sld xmlns:a="http://schemas.openxmlformats.org/drawingml/2006/main" xmlns:r="http://schemas.openxmlformats.org/officeDocument/2006/relationships" xmlns:p="http://schemas.openxmlformats.org/presentationml/2006/main">
-  <p:cSld>
-    <p:spTree>
-      <p:nvGrpSpPr>
-        <p:cNvPr id="1" name="Shape 154"/>
-        <p:cNvGrpSpPr/>
-        <p:nvPr/>
-      </p:nvGrpSpPr>
-      <p:grpSpPr>
-        <a:xfrm>
-          <a:off x="0" y="0"/>
-          <a:ext cx="0" cy="0"/>
-          <a:chOff x="0" y="0"/>
-          <a:chExt cx="0" cy="0"/>
-        </a:xfrm>
-      </p:grpSpPr>
-      <p:sp>
-        <p:nvSpPr>
-          <p:cNvPr id="155" name="Google Shape;155;p27"/>
-          <p:cNvSpPr txBox="1">
-            <a:spLocks noGrp="1"/>
-          </p:cNvSpPr>
-          <p:nvPr>
-            <p:ph type="title"/>
-          </p:nvPr>
-        </p:nvSpPr>
-        <p:spPr>
-          <a:xfrm>
-            <a:off x="311700" y="292625"/>
-            <a:ext cx="8520600" cy="572700"/>
-          </a:xfrm>
-          <a:prstGeom prst="rect">
-            <a:avLst/>
-          </a:prstGeom>
-        </p:spPr>
-        <p:txBody>
-          <a:bodyPr spcFirstLastPara="1" wrap="square" lIns="91425" tIns="91425" rIns="91425" bIns="91425" anchor="t" anchorCtr="0">
-            <a:normAutofit fontScale="90000"/>
-          </a:bodyPr>
-          <a:lstStyle/>
-          <a:p>
-            <a:pPr marL="0" lvl="0" indent="0" algn="l" rtl="0">
-              <a:spcBef>
-                <a:spcPts val="0"/>
-              </a:spcBef>
-              <a:spcAft>
-                <a:spcPts val="0"/>
-              </a:spcAft>
-              <a:buNone/>
-            </a:pPr>
-            <a:r>
-              <a:rPr lang="en">
-                <a:solidFill>
-                  <a:srgbClr val="EE0C90"/>
-                </a:solidFill>
-                <a:latin typeface="Audiowide"/>
-                <a:ea typeface="Audiowide"/>
-                <a:cs typeface="Audiowide"/>
-                <a:sym typeface="Audiowide"/>
-              </a:rPr>
-              <a:t>Funding Requirements</a:t>
-            </a:r>
-            <a:endParaRPr>
-              <a:solidFill>
-                <a:srgbClr val="EE0C90"/>
-              </a:solidFill>
-              <a:latin typeface="Audiowide"/>
-              <a:ea typeface="Audiowide"/>
-              <a:cs typeface="Audiowide"/>
-              <a:sym typeface="Audiowide"/>
-            </a:endParaRPr>
-          </a:p>
-        </p:txBody>
-      </p:sp>
-      <p:sp>
-        <p:nvSpPr>
-          <p:cNvPr id="156" name="Google Shape;156;p27"/>
-          <p:cNvSpPr/>
-          <p:nvPr/>
-        </p:nvSpPr>
-        <p:spPr>
-          <a:xfrm>
-            <a:off x="0" y="1000775"/>
-            <a:ext cx="9144000" cy="4142700"/>
-          </a:xfrm>
-          <a:prstGeom prst="rect">
-            <a:avLst/>
-          </a:prstGeom>
-          <a:solidFill>
-            <a:srgbClr val="2C0353"/>
-          </a:solidFill>
-          <a:ln w="9525" cap="flat" cmpd="sng">
-            <a:solidFill>
-              <a:srgbClr val="701C7F"/>
-            </a:solidFill>
-            <a:prstDash val="solid"/>
-            <a:round/>
-            <a:headEnd type="none" w="sm" len="sm"/>
-            <a:tailEnd type="none" w="sm" len="sm"/>
-          </a:ln>
-        </p:spPr>
-        <p:txBody>
-          <a:bodyPr spcFirstLastPara="1" wrap="square" lIns="91425" tIns="91425" rIns="91425" bIns="91425" anchor="ctr" anchorCtr="0">
-            <a:noAutofit/>
-          </a:bodyPr>
-          <a:lstStyle/>
-          <a:p>
-            <a:pPr marL="499744" marR="5080" lvl="0" indent="-487679" algn="l" rtl="0">
-              <a:lnSpc>
-                <a:spcPct val="116666"/>
-              </a:lnSpc>
-              <a:spcBef>
-                <a:spcPts val="0"/>
-              </a:spcBef>
-              <a:spcAft>
-                <a:spcPts val="0"/>
-              </a:spcAft>
-              <a:buNone/>
-            </a:pPr>
-            <a:endParaRPr/>
-          </a:p>
-        </p:txBody>
-      </p:sp>
-      <p:sp>
-        <p:nvSpPr>
-          <p:cNvPr id="157" name="Google Shape;157;p27"/>
-          <p:cNvSpPr txBox="1"/>
-          <p:nvPr/>
-        </p:nvSpPr>
-        <p:spPr>
-          <a:xfrm>
-            <a:off x="311705" y="2131775"/>
-            <a:ext cx="8339400" cy="289800"/>
-          </a:xfrm>
-          <a:prstGeom prst="rect">
-            <a:avLst/>
-          </a:prstGeom>
-          <a:noFill/>
-          <a:ln>
-            <a:noFill/>
-          </a:ln>
-        </p:spPr>
-        <p:txBody>
-          <a:bodyPr spcFirstLastPara="1" wrap="square" lIns="0" tIns="12700" rIns="0" bIns="0" anchor="t" anchorCtr="0">
-            <a:spAutoFit/>
-          </a:bodyPr>
-          <a:lstStyle/>
-          <a:p>
-            <a:pPr marL="12700" marR="0" lvl="0" indent="0" algn="l" rtl="0">
-              <a:lnSpc>
-                <a:spcPct val="100000"/>
-              </a:lnSpc>
-              <a:spcBef>
-                <a:spcPts val="0"/>
-              </a:spcBef>
-              <a:spcAft>
-                <a:spcPts val="0"/>
-              </a:spcAft>
-              <a:buNone/>
-            </a:pPr>
-            <a:r>
-              <a:rPr lang="en" sz="1800" i="1">
-                <a:solidFill>
-                  <a:srgbClr val="FFFFFF"/>
-                </a:solidFill>
-                <a:latin typeface="Roboto"/>
-                <a:ea typeface="Roboto"/>
-                <a:cs typeface="Roboto"/>
-                <a:sym typeface="Roboto"/>
-              </a:rPr>
-              <a:t>Enumerate what the required funds would be and explain what they’d be used for.</a:t>
-            </a:r>
-            <a:endParaRPr sz="1800" i="1">
-              <a:latin typeface="Roboto"/>
-              <a:ea typeface="Roboto"/>
-              <a:cs typeface="Roboto"/>
-              <a:sym typeface="Roboto"/>
-            </a:endParaRPr>
-          </a:p>
-        </p:txBody>
-      </p:sp>
-    </p:spTree>
-  </p:cSld>
-  <p:clrMapOvr>
-    <a:masterClrMapping/>
-  </p:clrMapOvr>
-</p:sld>
-</file>
-
-<file path=ppt/slides/slide16.xml><?xml version="1.0" encoding="utf-8"?>
-<p:sld xmlns:a="http://schemas.openxmlformats.org/drawingml/2006/main" xmlns:r="http://schemas.openxmlformats.org/officeDocument/2006/relationships" xmlns:p="http://schemas.openxmlformats.org/presentationml/2006/main">
-  <p:cSld>
-    <p:spTree>
-      <p:nvGrpSpPr>
-        <p:cNvPr id="1" name="Shape 161"/>
-        <p:cNvGrpSpPr/>
-        <p:nvPr/>
-      </p:nvGrpSpPr>
-      <p:grpSpPr>
-        <a:xfrm>
-          <a:off x="0" y="0"/>
-          <a:ext cx="0" cy="0"/>
-          <a:chOff x="0" y="0"/>
-          <a:chExt cx="0" cy="0"/>
-        </a:xfrm>
-      </p:grpSpPr>
-      <p:sp>
-        <p:nvSpPr>
-          <p:cNvPr id="162" name="Google Shape;162;p28"/>
-          <p:cNvSpPr txBox="1">
-            <a:spLocks noGrp="1"/>
-          </p:cNvSpPr>
-          <p:nvPr>
-            <p:ph type="title"/>
-          </p:nvPr>
-        </p:nvSpPr>
-        <p:spPr>
-          <a:xfrm>
-            <a:off x="311700" y="292625"/>
-            <a:ext cx="8520600" cy="572700"/>
-          </a:xfrm>
-          <a:prstGeom prst="rect">
-            <a:avLst/>
-          </a:prstGeom>
-        </p:spPr>
-        <p:txBody>
-          <a:bodyPr spcFirstLastPara="1" wrap="square" lIns="91425" tIns="91425" rIns="91425" bIns="91425" anchor="t" anchorCtr="0">
-            <a:normAutofit fontScale="90000"/>
-          </a:bodyPr>
-          <a:lstStyle/>
-          <a:p>
-            <a:pPr marL="0" lvl="0" indent="0" algn="l" rtl="0">
-              <a:spcBef>
-                <a:spcPts val="0"/>
-              </a:spcBef>
-              <a:spcAft>
-                <a:spcPts val="0"/>
-              </a:spcAft>
-              <a:buNone/>
-            </a:pPr>
-            <a:r>
-              <a:rPr lang="en">
-                <a:solidFill>
-                  <a:srgbClr val="EE0C90"/>
-                </a:solidFill>
-                <a:latin typeface="Audiowide"/>
-                <a:ea typeface="Audiowide"/>
-                <a:cs typeface="Audiowide"/>
-                <a:sym typeface="Audiowide"/>
-              </a:rPr>
-              <a:t>Contact</a:t>
-            </a:r>
-            <a:endParaRPr>
-              <a:solidFill>
-                <a:srgbClr val="EE0C90"/>
-              </a:solidFill>
-              <a:latin typeface="Audiowide"/>
-              <a:ea typeface="Audiowide"/>
-              <a:cs typeface="Audiowide"/>
-              <a:sym typeface="Audiowide"/>
-            </a:endParaRPr>
-          </a:p>
-        </p:txBody>
-      </p:sp>
-      <p:sp>
-        <p:nvSpPr>
-          <p:cNvPr id="163" name="Google Shape;163;p28"/>
-          <p:cNvSpPr/>
-          <p:nvPr/>
-        </p:nvSpPr>
-        <p:spPr>
-          <a:xfrm>
-            <a:off x="0" y="1000775"/>
-            <a:ext cx="9144000" cy="4142700"/>
-          </a:xfrm>
-          <a:prstGeom prst="rect">
-            <a:avLst/>
-          </a:prstGeom>
-          <a:solidFill>
-            <a:srgbClr val="2C0353"/>
-          </a:solidFill>
-          <a:ln w="9525" cap="flat" cmpd="sng">
-            <a:solidFill>
-              <a:srgbClr val="701C7F"/>
-            </a:solidFill>
-            <a:prstDash val="solid"/>
-            <a:round/>
-            <a:headEnd type="none" w="sm" len="sm"/>
-            <a:tailEnd type="none" w="sm" len="sm"/>
-          </a:ln>
-        </p:spPr>
-        <p:txBody>
-          <a:bodyPr spcFirstLastPara="1" wrap="square" lIns="91425" tIns="91425" rIns="91425" bIns="91425" anchor="ctr" anchorCtr="0">
-            <a:noAutofit/>
-          </a:bodyPr>
-          <a:lstStyle/>
-          <a:p>
-            <a:pPr marL="499744" marR="5080" lvl="0" indent="-487679" algn="l" rtl="0">
-              <a:lnSpc>
-                <a:spcPct val="116666"/>
-              </a:lnSpc>
-              <a:spcBef>
-                <a:spcPts val="0"/>
-              </a:spcBef>
-              <a:spcAft>
-                <a:spcPts val="0"/>
-              </a:spcAft>
-              <a:buNone/>
-            </a:pPr>
-            <a:endParaRPr/>
-          </a:p>
-        </p:txBody>
-      </p:sp>
-      <p:sp>
-        <p:nvSpPr>
-          <p:cNvPr id="164" name="Google Shape;164;p28"/>
-          <p:cNvSpPr txBox="1"/>
-          <p:nvPr/>
-        </p:nvSpPr>
-        <p:spPr>
-          <a:xfrm>
-            <a:off x="311705" y="2131775"/>
-            <a:ext cx="8339400" cy="567000"/>
-          </a:xfrm>
-          <a:prstGeom prst="rect">
-            <a:avLst/>
-          </a:prstGeom>
-          <a:noFill/>
-          <a:ln>
-            <a:noFill/>
-          </a:ln>
-        </p:spPr>
-        <p:txBody>
-          <a:bodyPr spcFirstLastPara="1" wrap="square" lIns="0" tIns="12700" rIns="0" bIns="0" anchor="t" anchorCtr="0">
-            <a:spAutoFit/>
-          </a:bodyPr>
-          <a:lstStyle/>
-          <a:p>
-            <a:pPr marL="12700" marR="0" lvl="0" indent="0" algn="l" rtl="0">
-              <a:lnSpc>
-                <a:spcPct val="100000"/>
-              </a:lnSpc>
-              <a:spcBef>
-                <a:spcPts val="0"/>
-              </a:spcBef>
-              <a:spcAft>
-                <a:spcPts val="0"/>
-              </a:spcAft>
-              <a:buNone/>
-            </a:pPr>
-            <a:r>
-              <a:rPr lang="en" sz="1800" i="1">
-                <a:solidFill>
-                  <a:srgbClr val="FFFFFF"/>
-                </a:solidFill>
-                <a:latin typeface="Roboto"/>
-                <a:ea typeface="Roboto"/>
-                <a:cs typeface="Roboto"/>
-                <a:sym typeface="Roboto"/>
-              </a:rPr>
-              <a:t>List the contact details of the people in charge of the different aspects of the “business”.</a:t>
-            </a:r>
-            <a:endParaRPr sz="1800" i="1">
-              <a:latin typeface="Roboto"/>
-              <a:ea typeface="Roboto"/>
-              <a:cs typeface="Roboto"/>
-              <a:sym typeface="Roboto"/>
-            </a:endParaRPr>
-          </a:p>
-        </p:txBody>
-      </p:sp>
-    </p:spTree>
-  </p:cSld>
-  <p:clrMapOvr>
-    <a:masterClrMapping/>
-  </p:clrMapOvr>
-</p:sld>
-</file>
-
-<file path=ppt/slides/slide17.xml><?xml version="1.0" encoding="utf-8"?>
-<p:sld xmlns:a="http://schemas.openxmlformats.org/drawingml/2006/main" xmlns:r="http://schemas.openxmlformats.org/officeDocument/2006/relationships" xmlns:p="http://schemas.openxmlformats.org/presentationml/2006/main">
-  <p:cSld>
-    <p:spTree>
-      <p:nvGrpSpPr>
-        <p:cNvPr id="1" name="Shape 168"/>
-        <p:cNvGrpSpPr/>
-        <p:nvPr/>
-      </p:nvGrpSpPr>
-      <p:grpSpPr>
-        <a:xfrm>
-          <a:off x="0" y="0"/>
-          <a:ext cx="0" cy="0"/>
-          <a:chOff x="0" y="0"/>
-          <a:chExt cx="0" cy="0"/>
-        </a:xfrm>
-      </p:grpSpPr>
-      <p:sp>
-        <p:nvSpPr>
-          <p:cNvPr id="169" name="Google Shape;169;p29"/>
-          <p:cNvSpPr/>
-          <p:nvPr/>
-        </p:nvSpPr>
-        <p:spPr>
-          <a:xfrm>
-            <a:off x="0" y="0"/>
-            <a:ext cx="9144000" cy="5143500"/>
-          </a:xfrm>
-          <a:prstGeom prst="rect">
-            <a:avLst/>
-          </a:prstGeom>
-          <a:solidFill>
-            <a:srgbClr val="2C0353"/>
-          </a:solidFill>
-          <a:ln w="9525" cap="flat" cmpd="sng">
-            <a:solidFill>
-              <a:srgbClr val="701C7F"/>
-            </a:solidFill>
-            <a:prstDash val="solid"/>
-            <a:round/>
-            <a:headEnd type="none" w="sm" len="sm"/>
-            <a:tailEnd type="none" w="sm" len="sm"/>
-          </a:ln>
-        </p:spPr>
-        <p:txBody>
-          <a:bodyPr spcFirstLastPara="1" wrap="square" lIns="91425" tIns="91425" rIns="91425" bIns="91425" anchor="ctr" anchorCtr="0">
-            <a:noAutofit/>
-          </a:bodyPr>
-          <a:lstStyle/>
-          <a:p>
-            <a:pPr marL="499744" marR="5080" lvl="0" indent="-487679" algn="l" rtl="0">
-              <a:lnSpc>
-                <a:spcPct val="116666"/>
-              </a:lnSpc>
-              <a:spcBef>
-                <a:spcPts val="0"/>
-              </a:spcBef>
-              <a:spcAft>
-                <a:spcPts val="0"/>
-              </a:spcAft>
-              <a:buNone/>
-            </a:pPr>
-            <a:endParaRPr/>
-          </a:p>
-        </p:txBody>
-      </p:sp>
-      <p:sp>
-        <p:nvSpPr>
-          <p:cNvPr id="170" name="Google Shape;170;p29"/>
-          <p:cNvSpPr txBox="1"/>
-          <p:nvPr/>
-        </p:nvSpPr>
-        <p:spPr>
-          <a:xfrm>
-            <a:off x="6642268" y="4671450"/>
-            <a:ext cx="2403300" cy="320700"/>
-          </a:xfrm>
-          <a:prstGeom prst="rect">
-            <a:avLst/>
-          </a:prstGeom>
-          <a:noFill/>
-          <a:ln>
-            <a:noFill/>
-          </a:ln>
-        </p:spPr>
-        <p:txBody>
-          <a:bodyPr spcFirstLastPara="1" wrap="square" lIns="0" tIns="12700" rIns="0" bIns="0" anchor="t" anchorCtr="0">
-            <a:spAutoFit/>
-          </a:bodyPr>
-          <a:lstStyle/>
-          <a:p>
-            <a:pPr marL="12700" marR="0" lvl="0" indent="0" algn="r" rtl="0">
-              <a:lnSpc>
-                <a:spcPct val="100000"/>
-              </a:lnSpc>
-              <a:spcBef>
-                <a:spcPts val="0"/>
-              </a:spcBef>
-              <a:spcAft>
-                <a:spcPts val="0"/>
-              </a:spcAft>
-              <a:buNone/>
-            </a:pPr>
-            <a:r>
-              <a:rPr lang="en" sz="1000">
-                <a:solidFill>
-                  <a:schemeClr val="lt1"/>
-                </a:solidFill>
-                <a:latin typeface="Roboto"/>
-                <a:ea typeface="Roboto"/>
-                <a:cs typeface="Roboto"/>
-                <a:sym typeface="Roboto"/>
-              </a:rPr>
-              <a:t>20-22 November, Karlsruhe, Germany</a:t>
-            </a:r>
-            <a:endParaRPr sz="1000">
-              <a:solidFill>
-                <a:schemeClr val="lt1"/>
-              </a:solidFill>
-              <a:latin typeface="Roboto"/>
-              <a:ea typeface="Roboto"/>
-              <a:cs typeface="Roboto"/>
-              <a:sym typeface="Roboto"/>
-            </a:endParaRPr>
-          </a:p>
-          <a:p>
-            <a:pPr marL="12700" marR="0" lvl="0" indent="0" algn="r" rtl="0">
-              <a:lnSpc>
-                <a:spcPct val="100000"/>
-              </a:lnSpc>
-              <a:spcBef>
-                <a:spcPts val="0"/>
-              </a:spcBef>
-              <a:spcAft>
-                <a:spcPts val="0"/>
-              </a:spcAft>
-              <a:buNone/>
-            </a:pPr>
-            <a:r>
-              <a:rPr lang="en" sz="1000">
-                <a:solidFill>
-                  <a:schemeClr val="lt1"/>
-                </a:solidFill>
-                <a:latin typeface="Roboto"/>
-                <a:ea typeface="Roboto"/>
-                <a:cs typeface="Roboto"/>
-                <a:sym typeface="Roboto"/>
-              </a:rPr>
-              <a:t>An Eclipse SDV Event</a:t>
-            </a:r>
-            <a:endParaRPr sz="1000">
-              <a:solidFill>
-                <a:schemeClr val="lt1"/>
-              </a:solidFill>
-              <a:latin typeface="Roboto"/>
-              <a:ea typeface="Roboto"/>
-              <a:cs typeface="Roboto"/>
-              <a:sym typeface="Roboto"/>
-            </a:endParaRPr>
-          </a:p>
-        </p:txBody>
-      </p:sp>
-      <p:sp>
-        <p:nvSpPr>
-          <p:cNvPr id="171" name="Google Shape;171;p29"/>
-          <p:cNvSpPr txBox="1"/>
-          <p:nvPr/>
-        </p:nvSpPr>
-        <p:spPr>
-          <a:xfrm>
-            <a:off x="212350" y="856700"/>
-            <a:ext cx="8769300" cy="797700"/>
-          </a:xfrm>
-          <a:prstGeom prst="rect">
-            <a:avLst/>
-          </a:prstGeom>
-          <a:noFill/>
-          <a:ln>
-            <a:noFill/>
-          </a:ln>
-        </p:spPr>
-        <p:txBody>
-          <a:bodyPr spcFirstLastPara="1" wrap="square" lIns="0" tIns="27925" rIns="0" bIns="0" anchor="t" anchorCtr="0">
-            <a:spAutoFit/>
-          </a:bodyPr>
-          <a:lstStyle/>
-          <a:p>
-            <a:pPr marL="0" lvl="0" indent="0" algn="ctr" rtl="0">
-              <a:spcBef>
-                <a:spcPts val="0"/>
-              </a:spcBef>
-              <a:spcAft>
-                <a:spcPts val="0"/>
-              </a:spcAft>
-              <a:buClr>
-                <a:schemeClr val="dk1"/>
-              </a:buClr>
-              <a:buSzPts val="1100"/>
-              <a:buFont typeface="Arial"/>
-              <a:buNone/>
-            </a:pPr>
-            <a:r>
-              <a:rPr lang="en" sz="5000">
-                <a:solidFill>
-                  <a:srgbClr val="EE0C90"/>
-                </a:solidFill>
-                <a:latin typeface="Audiowide"/>
-                <a:ea typeface="Audiowide"/>
-                <a:cs typeface="Audiowide"/>
-                <a:sym typeface="Audiowide"/>
-              </a:rPr>
-              <a:t>Thank You slide</a:t>
-            </a:r>
-            <a:endParaRPr sz="5000">
-              <a:solidFill>
-                <a:srgbClr val="EE0C90"/>
-              </a:solidFill>
-              <a:latin typeface="Audiowide"/>
-              <a:ea typeface="Audiowide"/>
-              <a:cs typeface="Audiowide"/>
-              <a:sym typeface="Audiowide"/>
-            </a:endParaRPr>
-          </a:p>
-        </p:txBody>
-      </p:sp>
-      <p:pic>
-        <p:nvPicPr>
-          <p:cNvPr id="172" name="Google Shape;172;p29"/>
-          <p:cNvPicPr preferRelativeResize="0"/>
-          <p:nvPr/>
-        </p:nvPicPr>
-        <p:blipFill>
-          <a:blip r:embed="rId3">
-            <a:alphaModFix/>
-          </a:blip>
-          <a:stretch>
-            <a:fillRect/>
-          </a:stretch>
-        </p:blipFill>
-        <p:spPr>
-          <a:xfrm>
-            <a:off x="8158150" y="77000"/>
-            <a:ext cx="856051" cy="856051"/>
-          </a:xfrm>
-          <a:prstGeom prst="rect">
-            <a:avLst/>
-          </a:prstGeom>
-          <a:noFill/>
-          <a:ln>
-            <a:noFill/>
-          </a:ln>
-        </p:spPr>
-      </p:pic>
-      <p:pic>
-        <p:nvPicPr>
-          <p:cNvPr id="173" name="Google Shape;173;p29"/>
-          <p:cNvPicPr preferRelativeResize="0"/>
-          <p:nvPr/>
-        </p:nvPicPr>
-        <p:blipFill>
-          <a:blip r:embed="rId4">
-            <a:alphaModFix/>
-          </a:blip>
-          <a:stretch>
-            <a:fillRect/>
-          </a:stretch>
-        </p:blipFill>
-        <p:spPr>
-          <a:xfrm>
-            <a:off x="543350" y="386725"/>
-            <a:ext cx="1106007" cy="384500"/>
-          </a:xfrm>
-          <a:prstGeom prst="rect">
-            <a:avLst/>
-          </a:prstGeom>
-          <a:noFill/>
-          <a:ln>
-            <a:noFill/>
-          </a:ln>
-        </p:spPr>
-      </p:pic>
-      <p:sp>
-        <p:nvSpPr>
-          <p:cNvPr id="174" name="Google Shape;174;p29"/>
-          <p:cNvSpPr txBox="1"/>
-          <p:nvPr/>
-        </p:nvSpPr>
-        <p:spPr>
-          <a:xfrm>
-            <a:off x="311705" y="2131775"/>
-            <a:ext cx="8339400" cy="289800"/>
-          </a:xfrm>
-          <a:prstGeom prst="rect">
-            <a:avLst/>
-          </a:prstGeom>
-          <a:noFill/>
-          <a:ln>
-            <a:noFill/>
-          </a:ln>
-        </p:spPr>
-        <p:txBody>
-          <a:bodyPr spcFirstLastPara="1" wrap="square" lIns="0" tIns="12700" rIns="0" bIns="0" anchor="t" anchorCtr="0">
-            <a:spAutoFit/>
-          </a:bodyPr>
-          <a:lstStyle/>
-          <a:p>
-            <a:pPr marL="12700" marR="0" lvl="0" indent="0" algn="l" rtl="0">
-              <a:lnSpc>
-                <a:spcPct val="100000"/>
-              </a:lnSpc>
-              <a:spcBef>
-                <a:spcPts val="0"/>
-              </a:spcBef>
-              <a:spcAft>
-                <a:spcPts val="0"/>
-              </a:spcAft>
-              <a:buNone/>
-            </a:pPr>
-            <a:r>
-              <a:rPr lang="en" sz="1800" i="1">
-                <a:solidFill>
-                  <a:srgbClr val="FFFFFF"/>
-                </a:solidFill>
-                <a:latin typeface="Roboto"/>
-                <a:ea typeface="Roboto"/>
-                <a:cs typeface="Roboto"/>
-                <a:sym typeface="Roboto"/>
-              </a:rPr>
-              <a:t>Thank your audience and encourage them to get in touch afterwards!</a:t>
-            </a:r>
-            <a:endParaRPr sz="1800" i="1">
-              <a:latin typeface="Roboto"/>
-              <a:ea typeface="Roboto"/>
-              <a:cs typeface="Roboto"/>
-              <a:sym typeface="Roboto"/>
-            </a:endParaRPr>
-          </a:p>
-        </p:txBody>
-      </p:sp>
-    </p:spTree>
-  </p:cSld>
-  <p:clrMapOvr>
-    <a:masterClrMapping/>
-  </p:clrMapOvr>
-</p:sld>
-</file>
-
-<file path=ppt/slides/slide2.xml><?xml version="1.0" encoding="utf-8"?>
-<p:sld xmlns:a="http://schemas.openxmlformats.org/drawingml/2006/main" xmlns:r="http://schemas.openxmlformats.org/officeDocument/2006/relationships" xmlns:p="http://schemas.openxmlformats.org/presentationml/2006/main">
-  <p:cSld>
-    <p:spTree>
-      <p:nvGrpSpPr>
         <p:cNvPr id="1" name="Shape 58"/>
         <p:cNvGrpSpPr/>
         <p:nvPr/>
@@ -9170,7 +6105,7 @@
         </p:nvSpPr>
         <p:spPr>
           <a:xfrm>
-            <a:off x="212350" y="856700"/>
+            <a:off x="187350" y="1659200"/>
             <a:ext cx="8769300" cy="797700"/>
           </a:xfrm>
           <a:prstGeom prst="rect">
@@ -9202,7 +6137,7 @@
               <a:buNone/>
             </a:pPr>
             <a:r>
-              <a:rPr lang="en" sz="5000">
+              <a:rPr lang="en" sz="5000" dirty="0">
                 <a:solidFill>
                   <a:srgbClr val="EE0C90"/>
                 </a:solidFill>
@@ -9213,7 +6148,7 @@
               </a:rPr>
               <a:t>Pitching Session</a:t>
             </a:r>
-            <a:endParaRPr sz="5000">
+            <a:endParaRPr sz="5000" dirty="0">
               <a:solidFill>
                 <a:srgbClr val="EE0C90"/>
               </a:solidFill>
@@ -9352,499 +6287,7 @@
 </p:sld>
 </file>
 
-<file path=ppt/slides/slide3.xml><?xml version="1.0" encoding="utf-8"?>
-<p:sld xmlns:a="http://schemas.openxmlformats.org/drawingml/2006/main" xmlns:r="http://schemas.openxmlformats.org/officeDocument/2006/relationships" xmlns:p="http://schemas.openxmlformats.org/presentationml/2006/main" show="0">
-  <p:cSld>
-    <p:spTree>
-      <p:nvGrpSpPr>
-        <p:cNvPr id="1" name="Shape 68"/>
-        <p:cNvGrpSpPr/>
-        <p:nvPr/>
-      </p:nvGrpSpPr>
-      <p:grpSpPr>
-        <a:xfrm>
-          <a:off x="0" y="0"/>
-          <a:ext cx="0" cy="0"/>
-          <a:chOff x="0" y="0"/>
-          <a:chExt cx="0" cy="0"/>
-        </a:xfrm>
-      </p:grpSpPr>
-      <p:sp>
-        <p:nvSpPr>
-          <p:cNvPr id="69" name="Google Shape;69;p15"/>
-          <p:cNvSpPr txBox="1">
-            <a:spLocks noGrp="1"/>
-          </p:cNvSpPr>
-          <p:nvPr>
-            <p:ph type="title"/>
-          </p:nvPr>
-        </p:nvSpPr>
-        <p:spPr>
-          <a:xfrm>
-            <a:off x="311700" y="292625"/>
-            <a:ext cx="5110200" cy="572700"/>
-          </a:xfrm>
-          <a:prstGeom prst="rect">
-            <a:avLst/>
-          </a:prstGeom>
-        </p:spPr>
-        <p:txBody>
-          <a:bodyPr spcFirstLastPara="1" wrap="square" lIns="91425" tIns="91425" rIns="91425" bIns="91425" anchor="t" anchorCtr="0">
-            <a:normAutofit fontScale="90000"/>
-          </a:bodyPr>
-          <a:lstStyle/>
-          <a:p>
-            <a:pPr marL="0" lvl="0" indent="0" algn="l" rtl="0">
-              <a:spcBef>
-                <a:spcPts val="0"/>
-              </a:spcBef>
-              <a:spcAft>
-                <a:spcPts val="0"/>
-              </a:spcAft>
-              <a:buNone/>
-            </a:pPr>
-            <a:r>
-              <a:rPr lang="en">
-                <a:solidFill>
-                  <a:srgbClr val="EE0C90"/>
-                </a:solidFill>
-                <a:latin typeface="Audiowide"/>
-                <a:ea typeface="Audiowide"/>
-                <a:cs typeface="Audiowide"/>
-                <a:sym typeface="Audiowide"/>
-              </a:rPr>
-              <a:t>Title</a:t>
-            </a:r>
-            <a:endParaRPr>
-              <a:solidFill>
-                <a:srgbClr val="EE0C90"/>
-              </a:solidFill>
-              <a:latin typeface="Audiowide"/>
-              <a:ea typeface="Audiowide"/>
-              <a:cs typeface="Audiowide"/>
-              <a:sym typeface="Audiowide"/>
-            </a:endParaRPr>
-          </a:p>
-        </p:txBody>
-      </p:sp>
-      <p:sp>
-        <p:nvSpPr>
-          <p:cNvPr id="70" name="Google Shape;70;p15"/>
-          <p:cNvSpPr/>
-          <p:nvPr/>
-        </p:nvSpPr>
-        <p:spPr>
-          <a:xfrm>
-            <a:off x="0" y="1000775"/>
-            <a:ext cx="9144000" cy="4142700"/>
-          </a:xfrm>
-          <a:prstGeom prst="rect">
-            <a:avLst/>
-          </a:prstGeom>
-          <a:solidFill>
-            <a:srgbClr val="2C0353"/>
-          </a:solidFill>
-          <a:ln w="9525" cap="flat" cmpd="sng">
-            <a:solidFill>
-              <a:srgbClr val="701C7F"/>
-            </a:solidFill>
-            <a:prstDash val="solid"/>
-            <a:round/>
-            <a:headEnd type="none" w="sm" len="sm"/>
-            <a:tailEnd type="none" w="sm" len="sm"/>
-          </a:ln>
-        </p:spPr>
-        <p:txBody>
-          <a:bodyPr spcFirstLastPara="1" wrap="square" lIns="91425" tIns="91425" rIns="91425" bIns="91425" anchor="ctr" anchorCtr="0">
-            <a:noAutofit/>
-          </a:bodyPr>
-          <a:lstStyle/>
-          <a:p>
-            <a:pPr marL="499744" marR="5080" lvl="0" indent="-487679" algn="l" rtl="0">
-              <a:lnSpc>
-                <a:spcPct val="116666"/>
-              </a:lnSpc>
-              <a:spcBef>
-                <a:spcPts val="0"/>
-              </a:spcBef>
-              <a:spcAft>
-                <a:spcPts val="0"/>
-              </a:spcAft>
-              <a:buNone/>
-            </a:pPr>
-            <a:endParaRPr/>
-          </a:p>
-        </p:txBody>
-      </p:sp>
-      <p:sp>
-        <p:nvSpPr>
-          <p:cNvPr id="71" name="Google Shape;71;p15"/>
-          <p:cNvSpPr txBox="1"/>
-          <p:nvPr/>
-        </p:nvSpPr>
-        <p:spPr>
-          <a:xfrm>
-            <a:off x="3066963" y="4671450"/>
-            <a:ext cx="5978700" cy="320700"/>
-          </a:xfrm>
-          <a:prstGeom prst="rect">
-            <a:avLst/>
-          </a:prstGeom>
-          <a:noFill/>
-          <a:ln>
-            <a:noFill/>
-          </a:ln>
-        </p:spPr>
-        <p:txBody>
-          <a:bodyPr spcFirstLastPara="1" wrap="square" lIns="0" tIns="12700" rIns="0" bIns="0" anchor="t" anchorCtr="0">
-            <a:spAutoFit/>
-          </a:bodyPr>
-          <a:lstStyle/>
-          <a:p>
-            <a:pPr marL="12700" marR="0" lvl="0" indent="0" algn="r" rtl="0">
-              <a:lnSpc>
-                <a:spcPct val="100000"/>
-              </a:lnSpc>
-              <a:spcBef>
-                <a:spcPts val="0"/>
-              </a:spcBef>
-              <a:spcAft>
-                <a:spcPts val="0"/>
-              </a:spcAft>
-              <a:buNone/>
-            </a:pPr>
-            <a:r>
-              <a:rPr lang="en" sz="1000">
-                <a:solidFill>
-                  <a:srgbClr val="FFFFFF"/>
-                </a:solidFill>
-                <a:latin typeface="Roboto"/>
-                <a:ea typeface="Roboto"/>
-                <a:cs typeface="Roboto"/>
-                <a:sym typeface="Roboto"/>
-              </a:rPr>
-              <a:t>20-22 November, Karlsruhe, Germany</a:t>
-            </a:r>
-            <a:endParaRPr sz="1000">
-              <a:solidFill>
-                <a:srgbClr val="FFFFFF"/>
-              </a:solidFill>
-              <a:latin typeface="Roboto"/>
-              <a:ea typeface="Roboto"/>
-              <a:cs typeface="Roboto"/>
-              <a:sym typeface="Roboto"/>
-            </a:endParaRPr>
-          </a:p>
-          <a:p>
-            <a:pPr marL="12700" marR="0" lvl="0" indent="0" algn="r" rtl="0">
-              <a:lnSpc>
-                <a:spcPct val="100000"/>
-              </a:lnSpc>
-              <a:spcBef>
-                <a:spcPts val="0"/>
-              </a:spcBef>
-              <a:spcAft>
-                <a:spcPts val="0"/>
-              </a:spcAft>
-              <a:buNone/>
-            </a:pPr>
-            <a:r>
-              <a:rPr lang="en" sz="1000">
-                <a:solidFill>
-                  <a:srgbClr val="FFFFFF"/>
-                </a:solidFill>
-                <a:latin typeface="Roboto"/>
-                <a:ea typeface="Roboto"/>
-                <a:cs typeface="Roboto"/>
-                <a:sym typeface="Roboto"/>
-              </a:rPr>
-              <a:t>An Eclipse SDV Event</a:t>
-            </a:r>
-            <a:endParaRPr sz="1000">
-              <a:solidFill>
-                <a:srgbClr val="FFFFFF"/>
-              </a:solidFill>
-              <a:latin typeface="Roboto"/>
-              <a:ea typeface="Roboto"/>
-              <a:cs typeface="Roboto"/>
-              <a:sym typeface="Roboto"/>
-            </a:endParaRPr>
-          </a:p>
-        </p:txBody>
-      </p:sp>
-      <p:sp>
-        <p:nvSpPr>
-          <p:cNvPr id="72" name="Google Shape;72;p15"/>
-          <p:cNvSpPr txBox="1"/>
-          <p:nvPr/>
-        </p:nvSpPr>
-        <p:spPr>
-          <a:xfrm>
-            <a:off x="383375" y="1324200"/>
-            <a:ext cx="7882500" cy="305400"/>
-          </a:xfrm>
-          <a:prstGeom prst="rect">
-            <a:avLst/>
-          </a:prstGeom>
-          <a:noFill/>
-          <a:ln>
-            <a:noFill/>
-          </a:ln>
-        </p:spPr>
-        <p:txBody>
-          <a:bodyPr spcFirstLastPara="1" wrap="square" lIns="0" tIns="27925" rIns="0" bIns="0" anchor="t" anchorCtr="0">
-            <a:spAutoFit/>
-          </a:bodyPr>
-          <a:lstStyle/>
-          <a:p>
-            <a:pPr marL="499744" marR="5080" lvl="0" indent="-487679" algn="l" rtl="0">
-              <a:lnSpc>
-                <a:spcPct val="116666"/>
-              </a:lnSpc>
-              <a:spcBef>
-                <a:spcPts val="0"/>
-              </a:spcBef>
-              <a:spcAft>
-                <a:spcPts val="0"/>
-              </a:spcAft>
-              <a:buNone/>
-            </a:pPr>
-            <a:r>
-              <a:rPr lang="en" sz="1800">
-                <a:solidFill>
-                  <a:srgbClr val="FFFFFF"/>
-                </a:solidFill>
-                <a:latin typeface="Roboto"/>
-                <a:ea typeface="Roboto"/>
-                <a:cs typeface="Roboto"/>
-                <a:sym typeface="Roboto"/>
-              </a:rPr>
-              <a:t>Text</a:t>
-            </a:r>
-            <a:endParaRPr sz="1800">
-              <a:solidFill>
-                <a:srgbClr val="FFFFFF"/>
-              </a:solidFill>
-              <a:latin typeface="Roboto"/>
-              <a:ea typeface="Roboto"/>
-              <a:cs typeface="Roboto"/>
-              <a:sym typeface="Roboto"/>
-            </a:endParaRPr>
-          </a:p>
-        </p:txBody>
-      </p:sp>
-      <p:pic>
-        <p:nvPicPr>
-          <p:cNvPr id="73" name="Google Shape;73;p15"/>
-          <p:cNvPicPr preferRelativeResize="0"/>
-          <p:nvPr/>
-        </p:nvPicPr>
-        <p:blipFill>
-          <a:blip r:embed="rId3">
-            <a:alphaModFix/>
-          </a:blip>
-          <a:stretch>
-            <a:fillRect/>
-          </a:stretch>
-        </p:blipFill>
-        <p:spPr>
-          <a:xfrm>
-            <a:off x="8206850" y="224900"/>
-            <a:ext cx="708148" cy="708148"/>
-          </a:xfrm>
-          <a:prstGeom prst="rect">
-            <a:avLst/>
-          </a:prstGeom>
-          <a:noFill/>
-          <a:ln>
-            <a:noFill/>
-          </a:ln>
-        </p:spPr>
-      </p:pic>
-      <p:pic>
-        <p:nvPicPr>
-          <p:cNvPr id="74" name="Google Shape;74;p15"/>
-          <p:cNvPicPr preferRelativeResize="0"/>
-          <p:nvPr/>
-        </p:nvPicPr>
-        <p:blipFill>
-          <a:blip r:embed="rId4">
-            <a:alphaModFix/>
-          </a:blip>
-          <a:stretch>
-            <a:fillRect/>
-          </a:stretch>
-        </p:blipFill>
-        <p:spPr>
-          <a:xfrm>
-            <a:off x="6770075" y="376224"/>
-            <a:ext cx="1166397" cy="405500"/>
-          </a:xfrm>
-          <a:prstGeom prst="rect">
-            <a:avLst/>
-          </a:prstGeom>
-          <a:noFill/>
-          <a:ln>
-            <a:noFill/>
-          </a:ln>
-        </p:spPr>
-      </p:pic>
-    </p:spTree>
-  </p:cSld>
-  <p:clrMapOvr>
-    <a:masterClrMapping/>
-  </p:clrMapOvr>
-</p:sld>
-</file>
-
-<file path=ppt/slides/slide4.xml><?xml version="1.0" encoding="utf-8"?>
-<p:sld xmlns:a="http://schemas.openxmlformats.org/drawingml/2006/main" xmlns:r="http://schemas.openxmlformats.org/officeDocument/2006/relationships" xmlns:p="http://schemas.openxmlformats.org/presentationml/2006/main" show="0">
-  <p:cSld>
-    <p:spTree>
-      <p:nvGrpSpPr>
-        <p:cNvPr id="1" name="Shape 78"/>
-        <p:cNvGrpSpPr/>
-        <p:nvPr/>
-      </p:nvGrpSpPr>
-      <p:grpSpPr>
-        <a:xfrm>
-          <a:off x="0" y="0"/>
-          <a:ext cx="0" cy="0"/>
-          <a:chOff x="0" y="0"/>
-          <a:chExt cx="0" cy="0"/>
-        </a:xfrm>
-      </p:grpSpPr>
-      <p:sp>
-        <p:nvSpPr>
-          <p:cNvPr id="79" name="Google Shape;79;p16"/>
-          <p:cNvSpPr txBox="1">
-            <a:spLocks noGrp="1"/>
-          </p:cNvSpPr>
-          <p:nvPr>
-            <p:ph type="title"/>
-          </p:nvPr>
-        </p:nvSpPr>
-        <p:spPr>
-          <a:xfrm>
-            <a:off x="311700" y="292625"/>
-            <a:ext cx="8520600" cy="572700"/>
-          </a:xfrm>
-          <a:prstGeom prst="rect">
-            <a:avLst/>
-          </a:prstGeom>
-        </p:spPr>
-        <p:txBody>
-          <a:bodyPr spcFirstLastPara="1" wrap="square" lIns="91425" tIns="91425" rIns="91425" bIns="91425" anchor="t" anchorCtr="0">
-            <a:normAutofit fontScale="90000"/>
-          </a:bodyPr>
-          <a:lstStyle/>
-          <a:p>
-            <a:pPr marL="0" lvl="0" indent="0" algn="l" rtl="0">
-              <a:spcBef>
-                <a:spcPts val="0"/>
-              </a:spcBef>
-              <a:spcAft>
-                <a:spcPts val="0"/>
-              </a:spcAft>
-              <a:buNone/>
-            </a:pPr>
-            <a:r>
-              <a:rPr lang="en">
-                <a:solidFill>
-                  <a:srgbClr val="EE0C90"/>
-                </a:solidFill>
-                <a:latin typeface="Audiowide"/>
-                <a:ea typeface="Audiowide"/>
-                <a:cs typeface="Audiowide"/>
-                <a:sym typeface="Audiowide"/>
-              </a:rPr>
-              <a:t>Title</a:t>
-            </a:r>
-            <a:endParaRPr>
-              <a:solidFill>
-                <a:srgbClr val="EE0C90"/>
-              </a:solidFill>
-              <a:latin typeface="Audiowide"/>
-              <a:ea typeface="Audiowide"/>
-              <a:cs typeface="Audiowide"/>
-              <a:sym typeface="Audiowide"/>
-            </a:endParaRPr>
-          </a:p>
-        </p:txBody>
-      </p:sp>
-      <p:sp>
-        <p:nvSpPr>
-          <p:cNvPr id="80" name="Google Shape;80;p16"/>
-          <p:cNvSpPr txBox="1"/>
-          <p:nvPr/>
-        </p:nvSpPr>
-        <p:spPr>
-          <a:xfrm>
-            <a:off x="311700" y="1065325"/>
-            <a:ext cx="8584800" cy="446400"/>
-          </a:xfrm>
-          <a:prstGeom prst="rect">
-            <a:avLst/>
-          </a:prstGeom>
-          <a:noFill/>
-          <a:ln>
-            <a:noFill/>
-          </a:ln>
-        </p:spPr>
-        <p:txBody>
-          <a:bodyPr spcFirstLastPara="1" wrap="square" lIns="91425" tIns="91425" rIns="91425" bIns="91425" anchor="t" anchorCtr="0">
-            <a:spAutoFit/>
-          </a:bodyPr>
-          <a:lstStyle/>
-          <a:p>
-            <a:pPr marL="457200" lvl="0" indent="0" algn="l" rtl="0">
-              <a:spcBef>
-                <a:spcPts val="0"/>
-              </a:spcBef>
-              <a:spcAft>
-                <a:spcPts val="0"/>
-              </a:spcAft>
-              <a:buNone/>
-            </a:pPr>
-            <a:r>
-              <a:rPr lang="en" sz="1700" b="1">
-                <a:solidFill>
-                  <a:srgbClr val="222222"/>
-                </a:solidFill>
-                <a:highlight>
-                  <a:srgbClr val="FFFFFF"/>
-                </a:highlight>
-                <a:latin typeface="Roboto"/>
-                <a:ea typeface="Roboto"/>
-                <a:cs typeface="Roboto"/>
-                <a:sym typeface="Roboto"/>
-              </a:rPr>
-              <a:t>Text</a:t>
-            </a:r>
-            <a:endParaRPr sz="1600">
-              <a:solidFill>
-                <a:srgbClr val="222222"/>
-              </a:solidFill>
-              <a:highlight>
-                <a:srgbClr val="FFFFFF"/>
-              </a:highlight>
-              <a:latin typeface="Roboto"/>
-              <a:ea typeface="Roboto"/>
-              <a:cs typeface="Roboto"/>
-              <a:sym typeface="Roboto"/>
-            </a:endParaRPr>
-          </a:p>
-        </p:txBody>
-      </p:sp>
-    </p:spTree>
-  </p:cSld>
-  <p:clrMapOvr>
-    <a:masterClrMapping/>
-  </p:clrMapOvr>
-</p:sld>
-</file>
-
-<file path=ppt/slides/slide5.xml><?xml version="1.0" encoding="utf-8"?>
+<file path=ppt/slides/slide2.xml><?xml version="1.0" encoding="utf-8"?>
 <p:sld xmlns:a="http://schemas.openxmlformats.org/drawingml/2006/main" xmlns:r="http://schemas.openxmlformats.org/officeDocument/2006/relationships" xmlns:p="http://schemas.openxmlformats.org/presentationml/2006/main">
   <p:cSld>
     <p:spTree>
@@ -9976,8 +6419,8 @@
         </p:nvSpPr>
         <p:spPr>
           <a:xfrm>
-            <a:off x="311705" y="2131775"/>
-            <a:ext cx="8339400" cy="289800"/>
+            <a:off x="492900" y="1913910"/>
+            <a:ext cx="8339400" cy="2228815"/>
           </a:xfrm>
           <a:prstGeom prst="rect">
             <a:avLst/>
@@ -9993,9 +6436,9 @@
           </a:bodyPr>
           <a:lstStyle/>
           <a:p>
-            <a:pPr marL="12700" marR="0" lvl="0" indent="0" algn="l" rtl="0">
+            <a:pPr marL="298450" marR="0" lvl="0" indent="-285750" algn="l" rtl="0">
               <a:lnSpc>
-                <a:spcPct val="100000"/>
+                <a:spcPct val="200000"/>
               </a:lnSpc>
               <a:spcBef>
                 <a:spcPts val="0"/>
@@ -10003,10 +6446,11 @@
               <a:spcAft>
                 <a:spcPts val="0"/>
               </a:spcAft>
-              <a:buNone/>
+              <a:buFont typeface="Arial" panose="020B0604020202020204" pitchFamily="34" charset="0"/>
+              <a:buChar char="•"/>
             </a:pPr>
             <a:r>
-              <a:rPr lang="en" sz="1800" i="1" dirty="0">
+              <a:rPr lang="de-DE" sz="2400" dirty="0">
                 <a:solidFill>
                   <a:srgbClr val="FFFFFF"/>
                 </a:solidFill>
@@ -10015,14 +6459,98 @@
                 <a:cs typeface="Roboto"/>
                 <a:sym typeface="Roboto"/>
               </a:rPr>
-              <a:t>Short description of the idea you had in solving the Challenge</a:t>
+              <a:t>r</a:t>
             </a:r>
-            <a:endParaRPr sz="1800" i="1" dirty="0">
-              <a:latin typeface="Roboto"/>
-              <a:ea typeface="Roboto"/>
-              <a:cs typeface="Roboto"/>
-              <a:sym typeface="Roboto"/>
-            </a:endParaRPr>
+            <a:r>
+              <a:rPr lang="en" sz="2400" dirty="0">
+                <a:solidFill>
+                  <a:srgbClr val="FFFFFF"/>
+                </a:solidFill>
+                <a:latin typeface="Roboto"/>
+                <a:ea typeface="Roboto"/>
+                <a:cs typeface="Roboto"/>
+                <a:sym typeface="Roboto"/>
+              </a:rPr>
+              <a:t>apid OTA deployment</a:t>
+            </a:r>
+          </a:p>
+          <a:p>
+            <a:pPr marL="298450" marR="0" lvl="0" indent="-285750" algn="l" rtl="0">
+              <a:lnSpc>
+                <a:spcPct val="200000"/>
+              </a:lnSpc>
+              <a:spcBef>
+                <a:spcPts val="0"/>
+              </a:spcBef>
+              <a:spcAft>
+                <a:spcPts val="0"/>
+              </a:spcAft>
+              <a:buFont typeface="Arial" panose="020B0604020202020204" pitchFamily="34" charset="0"/>
+              <a:buChar char="•"/>
+            </a:pPr>
+            <a:r>
+              <a:rPr lang="de-DE" sz="2400" dirty="0">
+                <a:solidFill>
+                  <a:srgbClr val="FFFFFF"/>
+                </a:solidFill>
+                <a:latin typeface="Roboto"/>
+                <a:ea typeface="Roboto"/>
+                <a:cs typeface="Roboto"/>
+                <a:sym typeface="Roboto"/>
+              </a:rPr>
+              <a:t>l</a:t>
+            </a:r>
+            <a:r>
+              <a:rPr lang="en" sz="2400" dirty="0">
+                <a:solidFill>
+                  <a:srgbClr val="FFFFFF"/>
+                </a:solidFill>
+                <a:latin typeface="Roboto"/>
+                <a:ea typeface="Roboto"/>
+                <a:cs typeface="Roboto"/>
+                <a:sym typeface="Roboto"/>
+              </a:rPr>
+              <a:t>ive OTA monitoring</a:t>
+            </a:r>
+          </a:p>
+          <a:p>
+            <a:pPr marL="298450" marR="0" lvl="0" indent="-285750" algn="l" rtl="0">
+              <a:lnSpc>
+                <a:spcPct val="200000"/>
+              </a:lnSpc>
+              <a:spcBef>
+                <a:spcPts val="0"/>
+              </a:spcBef>
+              <a:spcAft>
+                <a:spcPts val="0"/>
+              </a:spcAft>
+              <a:buFont typeface="Arial" panose="020B0604020202020204" pitchFamily="34" charset="0"/>
+              <a:buChar char="•"/>
+            </a:pPr>
+            <a:r>
+              <a:rPr lang="de-DE" sz="2400" dirty="0">
+                <a:solidFill>
+                  <a:srgbClr val="FFFFFF"/>
+                </a:solidFill>
+                <a:latin typeface="Roboto"/>
+                <a:ea typeface="Roboto"/>
+                <a:cs typeface="Roboto"/>
+                <a:sym typeface="Roboto"/>
+              </a:rPr>
+              <a:t>s</a:t>
+            </a:r>
+            <a:r>
+              <a:rPr lang="en" sz="2400" dirty="0">
+                <a:solidFill>
+                  <a:srgbClr val="FFFFFF"/>
+                </a:solidFill>
+                <a:latin typeface="Roboto"/>
+                <a:ea typeface="Roboto"/>
+                <a:cs typeface="Roboto"/>
+                <a:sym typeface="Roboto"/>
+              </a:rPr>
+              <a:t>calability</a:t>
+            </a:r>
           </a:p>
         </p:txBody>
       </p:sp>
@@ -10034,7 +6562,7 @@
 </p:sld>
 </file>
 
-<file path=ppt/slides/slide6.xml><?xml version="1.0" encoding="utf-8"?>
+<file path=ppt/slides/slide3.xml><?xml version="1.0" encoding="utf-8"?>
 <p:sld xmlns:a="http://schemas.openxmlformats.org/drawingml/2006/main" xmlns:r="http://schemas.openxmlformats.org/officeDocument/2006/relationships" xmlns:p="http://schemas.openxmlformats.org/presentationml/2006/main">
   <p:cSld>
     <p:spTree>
@@ -10166,7 +6694,7 @@
         </p:nvSpPr>
         <p:spPr>
           <a:xfrm>
-            <a:off x="311705" y="2131775"/>
+            <a:off x="311700" y="1834232"/>
             <a:ext cx="8339400" cy="2782813"/>
           </a:xfrm>
           <a:prstGeom prst="rect">
@@ -10417,7 +6945,7 @@
 </p:sld>
 </file>
 
-<file path=ppt/slides/slide7.xml><?xml version="1.0" encoding="utf-8"?>
+<file path=ppt/slides/slide4.xml><?xml version="1.0" encoding="utf-8"?>
 <p:sld xmlns:a="http://schemas.openxmlformats.org/drawingml/2006/main" xmlns:r="http://schemas.openxmlformats.org/officeDocument/2006/relationships" xmlns:p="http://schemas.openxmlformats.org/presentationml/2006/main">
   <p:cSld>
     <p:spTree>
@@ -10537,7 +7065,7 @@
               </a:spcAft>
               <a:buNone/>
             </a:pPr>
-            <a:endParaRPr/>
+            <a:endParaRPr dirty="0"/>
           </a:p>
         </p:txBody>
       </p:sp>
@@ -10549,8 +7077,8 @@
         </p:nvSpPr>
         <p:spPr>
           <a:xfrm>
-            <a:off x="311705" y="2131775"/>
-            <a:ext cx="8339400" cy="289800"/>
+            <a:off x="311700" y="1790689"/>
+            <a:ext cx="8339400" cy="1859483"/>
           </a:xfrm>
           <a:prstGeom prst="rect">
             <a:avLst/>
@@ -10566,7 +7094,7 @@
           </a:bodyPr>
           <a:lstStyle/>
           <a:p>
-            <a:pPr marL="12700" marR="0" lvl="0" indent="0" algn="l" rtl="0">
+            <a:pPr marL="12700" marR="0" lvl="0" algn="l" rtl="0">
               <a:lnSpc>
                 <a:spcPct val="100000"/>
               </a:lnSpc>
@@ -10576,10 +7104,9 @@
               <a:spcAft>
                 <a:spcPts val="0"/>
               </a:spcAft>
-              <a:buNone/>
             </a:pPr>
             <a:r>
-              <a:rPr lang="en" sz="1800" i="1" dirty="0">
+              <a:rPr lang="en-US" sz="2400" b="1" dirty="0">
                 <a:solidFill>
                   <a:srgbClr val="FFFFFF"/>
                 </a:solidFill>
@@ -10588,14 +7115,102 @@
                 <a:cs typeface="Roboto"/>
                 <a:sym typeface="Roboto"/>
               </a:rPr>
-              <a:t>Describe in a few words what the Initial Situation was</a:t>
+              <a:t>Goals:</a:t>
             </a:r>
-            <a:endParaRPr sz="1800" i="1" dirty="0">
+          </a:p>
+          <a:p>
+            <a:pPr marL="12700" marR="0" lvl="0" algn="l" rtl="0">
+              <a:lnSpc>
+                <a:spcPct val="100000"/>
+              </a:lnSpc>
+              <a:spcBef>
+                <a:spcPts val="0"/>
+              </a:spcBef>
+              <a:spcAft>
+                <a:spcPts val="0"/>
+              </a:spcAft>
+            </a:pPr>
+            <a:endParaRPr lang="en-US" sz="2400" dirty="0">
+              <a:solidFill>
+                <a:srgbClr val="FFFFFF"/>
+              </a:solidFill>
               <a:latin typeface="Roboto"/>
               <a:ea typeface="Roboto"/>
               <a:cs typeface="Roboto"/>
               <a:sym typeface="Roboto"/>
             </a:endParaRPr>
+          </a:p>
+          <a:p>
+            <a:pPr marL="12700" marR="0" lvl="0" algn="l" rtl="0">
+              <a:lnSpc>
+                <a:spcPct val="100000"/>
+              </a:lnSpc>
+              <a:spcBef>
+                <a:spcPts val="0"/>
+              </a:spcBef>
+              <a:spcAft>
+                <a:spcPts val="0"/>
+              </a:spcAft>
+            </a:pPr>
+            <a:r>
+              <a:rPr lang="en-US" sz="2400" dirty="0">
+                <a:solidFill>
+                  <a:srgbClr val="FFFFFF"/>
+                </a:solidFill>
+                <a:latin typeface="Roboto"/>
+                <a:ea typeface="Roboto"/>
+                <a:cs typeface="Roboto"/>
+                <a:sym typeface="Roboto"/>
+              </a:rPr>
+              <a:t>	1. Implement a way to update software OTA</a:t>
+            </a:r>
+          </a:p>
+          <a:p>
+            <a:pPr marL="12700" marR="0" lvl="0" algn="l" rtl="0">
+              <a:lnSpc>
+                <a:spcPct val="100000"/>
+              </a:lnSpc>
+              <a:spcBef>
+                <a:spcPts val="0"/>
+              </a:spcBef>
+              <a:spcAft>
+                <a:spcPts val="0"/>
+              </a:spcAft>
+            </a:pPr>
+            <a:endParaRPr lang="en-US" sz="2400" dirty="0">
+              <a:solidFill>
+                <a:srgbClr val="FFFFFF"/>
+              </a:solidFill>
+              <a:latin typeface="Roboto"/>
+              <a:ea typeface="Roboto"/>
+              <a:cs typeface="Roboto"/>
+              <a:sym typeface="Roboto"/>
+            </a:endParaRPr>
+          </a:p>
+          <a:p>
+            <a:pPr marL="12700" marR="0" lvl="0" algn="l" rtl="0">
+              <a:lnSpc>
+                <a:spcPct val="100000"/>
+              </a:lnSpc>
+              <a:spcBef>
+                <a:spcPts val="0"/>
+              </a:spcBef>
+              <a:spcAft>
+                <a:spcPts val="0"/>
+              </a:spcAft>
+            </a:pPr>
+            <a:r>
+              <a:rPr lang="en-US" sz="2400" dirty="0">
+                <a:solidFill>
+                  <a:srgbClr val="FFFFFF"/>
+                </a:solidFill>
+                <a:latin typeface="Roboto"/>
+                <a:ea typeface="Roboto"/>
+                <a:cs typeface="Roboto"/>
+                <a:sym typeface="Roboto"/>
+              </a:rPr>
+              <a:t>	2. Deploy a real app on a physical vehicle</a:t>
+            </a:r>
           </a:p>
         </p:txBody>
       </p:sp>
@@ -10607,12 +7222,18 @@
 </p:sld>
 </file>
 
-<file path=ppt/slides/slide8.xml><?xml version="1.0" encoding="utf-8"?>
+<file path=ppt/slides/slide5.xml><?xml version="1.0" encoding="utf-8"?>
 <p:sld xmlns:a="http://schemas.openxmlformats.org/drawingml/2006/main" xmlns:r="http://schemas.openxmlformats.org/officeDocument/2006/relationships" xmlns:p="http://schemas.openxmlformats.org/presentationml/2006/main">
   <p:cSld>
     <p:spTree>
       <p:nvGrpSpPr>
-        <p:cNvPr id="1" name="Shape 105"/>
+        <p:cNvPr id="1" name="Shape 78">
+          <a:extLst>
+            <a:ext uri="{FF2B5EF4-FFF2-40B4-BE49-F238E27FC236}">
+              <a16:creationId xmlns:a16="http://schemas.microsoft.com/office/drawing/2014/main" id="{2F05A30F-81FA-06FC-BE44-528830FE42A7}"/>
+            </a:ext>
+          </a:extLst>
+        </p:cNvPr>
         <p:cNvGrpSpPr/>
         <p:nvPr/>
       </p:nvGrpSpPr>
@@ -10626,7 +7247,13 @@
       </p:grpSpPr>
       <p:sp>
         <p:nvSpPr>
-          <p:cNvPr id="106" name="Google Shape;106;p20"/>
+          <p:cNvPr id="79" name="Google Shape;79;p16">
+            <a:extLst>
+              <a:ext uri="{FF2B5EF4-FFF2-40B4-BE49-F238E27FC236}">
+                <a16:creationId xmlns:a16="http://schemas.microsoft.com/office/drawing/2014/main" id="{8AB7F2E8-50F9-AEEE-647F-FFDF022A238A}"/>
+              </a:ext>
+            </a:extLst>
+          </p:cNvPr>
           <p:cNvSpPr txBox="1">
             <a:spLocks noGrp="1"/>
           </p:cNvSpPr>
@@ -10659,7 +7286,7 @@
               <a:buNone/>
             </a:pPr>
             <a:r>
-              <a:rPr lang="en">
+              <a:rPr lang="en" dirty="0">
                 <a:solidFill>
                   <a:srgbClr val="EE0C90"/>
                 </a:solidFill>
@@ -10668,9 +7295,127 @@
                 <a:cs typeface="Audiowide"/>
                 <a:sym typeface="Audiowide"/>
               </a:rPr>
-              <a:t>Solution</a:t>
+              <a:t>Architecture</a:t>
             </a:r>
-            <a:endParaRPr>
+            <a:endParaRPr dirty="0">
+              <a:solidFill>
+                <a:srgbClr val="EE0C90"/>
+              </a:solidFill>
+              <a:latin typeface="Audiowide"/>
+              <a:ea typeface="Audiowide"/>
+              <a:cs typeface="Audiowide"/>
+              <a:sym typeface="Audiowide"/>
+            </a:endParaRPr>
+          </a:p>
+        </p:txBody>
+      </p:sp>
+      <p:pic>
+        <p:nvPicPr>
+          <p:cNvPr id="2" name="Grafik 1">
+            <a:extLst>
+              <a:ext uri="{FF2B5EF4-FFF2-40B4-BE49-F238E27FC236}">
+                <a16:creationId xmlns:a16="http://schemas.microsoft.com/office/drawing/2014/main" id="{B5DB7703-0A87-02A3-FAAC-DB04B89D8A8A}"/>
+              </a:ext>
+            </a:extLst>
+          </p:cNvPr>
+          <p:cNvPicPr>
+            <a:picLocks noChangeAspect="1"/>
+          </p:cNvPicPr>
+          <p:nvPr/>
+        </p:nvPicPr>
+        <p:blipFill>
+          <a:blip r:embed="rId3"/>
+          <a:stretch>
+            <a:fillRect/>
+          </a:stretch>
+        </p:blipFill>
+        <p:spPr>
+          <a:xfrm>
+            <a:off x="2532743" y="727405"/>
+            <a:ext cx="3788229" cy="4123470"/>
+          </a:xfrm>
+          <a:prstGeom prst="rect">
+            <a:avLst/>
+          </a:prstGeom>
+        </p:spPr>
+      </p:pic>
+    </p:spTree>
+    <p:extLst>
+      <p:ext uri="{BB962C8B-B14F-4D97-AF65-F5344CB8AC3E}">
+        <p14:creationId xmlns:p14="http://schemas.microsoft.com/office/powerpoint/2010/main" val="3203878491"/>
+      </p:ext>
+    </p:extLst>
+  </p:cSld>
+  <p:clrMapOvr>
+    <a:masterClrMapping/>
+  </p:clrMapOvr>
+</p:sld>
+</file>
+
+<file path=ppt/slides/slide6.xml><?xml version="1.0" encoding="utf-8"?>
+<p:sld xmlns:a="http://schemas.openxmlformats.org/drawingml/2006/main" xmlns:r="http://schemas.openxmlformats.org/officeDocument/2006/relationships" xmlns:p="http://schemas.openxmlformats.org/presentationml/2006/main">
+  <p:cSld>
+    <p:spTree>
+      <p:nvGrpSpPr>
+        <p:cNvPr id="1" name="Shape 119"/>
+        <p:cNvGrpSpPr/>
+        <p:nvPr/>
+      </p:nvGrpSpPr>
+      <p:grpSpPr>
+        <a:xfrm>
+          <a:off x="0" y="0"/>
+          <a:ext cx="0" cy="0"/>
+          <a:chOff x="0" y="0"/>
+          <a:chExt cx="0" cy="0"/>
+        </a:xfrm>
+      </p:grpSpPr>
+      <p:sp>
+        <p:nvSpPr>
+          <p:cNvPr id="120" name="Google Shape;120;p22"/>
+          <p:cNvSpPr txBox="1">
+            <a:spLocks noGrp="1"/>
+          </p:cNvSpPr>
+          <p:nvPr>
+            <p:ph type="title"/>
+          </p:nvPr>
+        </p:nvSpPr>
+        <p:spPr>
+          <a:xfrm>
+            <a:off x="311700" y="292625"/>
+            <a:ext cx="8520600" cy="572700"/>
+          </a:xfrm>
+          <a:prstGeom prst="rect">
+            <a:avLst/>
+          </a:prstGeom>
+        </p:spPr>
+        <p:txBody>
+          <a:bodyPr spcFirstLastPara="1" wrap="square" lIns="91425" tIns="91425" rIns="91425" bIns="91425" anchor="t" anchorCtr="0">
+            <a:normAutofit fontScale="90000"/>
+          </a:bodyPr>
+          <a:lstStyle/>
+          <a:p>
+            <a:pPr marL="0" lvl="0" indent="0" algn="l" rtl="0">
+              <a:spcBef>
+                <a:spcPts val="0"/>
+              </a:spcBef>
+              <a:spcAft>
+                <a:spcPts val="0"/>
+              </a:spcAft>
+              <a:buNone/>
+            </a:pPr>
+            <a:r>
+              <a:rPr lang="en" dirty="0">
+                <a:solidFill>
+                  <a:srgbClr val="EE0C90"/>
+                </a:solidFill>
+                <a:latin typeface="Audiowide"/>
+                <a:ea typeface="Audiowide"/>
+                <a:cs typeface="Audiowide"/>
+                <a:sym typeface="Audiowide"/>
+              </a:rPr>
+              <a:t>Demo</a:t>
+            </a:r>
+            <a:endParaRPr dirty="0">
               <a:solidFill>
                 <a:srgbClr val="EE0C90"/>
               </a:solidFill>
@@ -10684,7 +7429,7 @@
       </p:sp>
       <p:sp>
         <p:nvSpPr>
-          <p:cNvPr id="107" name="Google Shape;107;p20"/>
+          <p:cNvPr id="121" name="Google Shape;121;p22"/>
           <p:cNvSpPr/>
           <p:nvPr/>
         </p:nvSpPr>
@@ -10733,14 +7478,14 @@
       </p:sp>
       <p:sp>
         <p:nvSpPr>
-          <p:cNvPr id="108" name="Google Shape;108;p20"/>
+          <p:cNvPr id="122" name="Google Shape;122;p22"/>
           <p:cNvSpPr txBox="1"/>
           <p:nvPr/>
         </p:nvSpPr>
         <p:spPr>
           <a:xfrm>
             <a:off x="311705" y="2131775"/>
-            <a:ext cx="8339400" cy="567000"/>
+            <a:ext cx="8339400" cy="289800"/>
           </a:xfrm>
           <a:prstGeom prst="rect">
             <a:avLst/>
@@ -10769,7 +7514,7 @@
               <a:buNone/>
             </a:pPr>
             <a:r>
-              <a:rPr lang="en" sz="1800" i="1">
+              <a:rPr lang="en" sz="1800" i="1" dirty="0">
                 <a:solidFill>
                   <a:srgbClr val="FFFFFF"/>
                 </a:solidFill>
@@ -10778,9 +7523,9 @@
                 <a:cs typeface="Roboto"/>
                 <a:sym typeface="Roboto"/>
               </a:rPr>
-              <a:t>Describe your solution in a few words clear enough for the audience to understand what you and your team are offering</a:t>
+              <a:t>&lt;Video here&gt;</a:t>
             </a:r>
-            <a:endParaRPr sz="1800" i="1">
+            <a:endParaRPr sz="1800" i="1" dirty="0">
               <a:latin typeface="Roboto"/>
               <a:ea typeface="Roboto"/>
               <a:cs typeface="Roboto"/>
@@ -10797,12 +7542,12 @@
 </p:sld>
 </file>
 
-<file path=ppt/slides/slide9.xml><?xml version="1.0" encoding="utf-8"?>
+<file path=ppt/slides/slide7.xml><?xml version="1.0" encoding="utf-8"?>
 <p:sld xmlns:a="http://schemas.openxmlformats.org/drawingml/2006/main" xmlns:r="http://schemas.openxmlformats.org/officeDocument/2006/relationships" xmlns:p="http://schemas.openxmlformats.org/presentationml/2006/main">
   <p:cSld>
     <p:spTree>
       <p:nvGrpSpPr>
-        <p:cNvPr id="1" name="Shape 112"/>
+        <p:cNvPr id="1" name="Shape 161"/>
         <p:cNvGrpSpPr/>
         <p:nvPr/>
       </p:nvGrpSpPr>
@@ -10816,7 +7561,7 @@
       </p:grpSpPr>
       <p:sp>
         <p:nvSpPr>
-          <p:cNvPr id="113" name="Google Shape;113;p21"/>
+          <p:cNvPr id="162" name="Google Shape;162;p28"/>
           <p:cNvSpPr txBox="1">
             <a:spLocks noGrp="1"/>
           </p:cNvSpPr>
@@ -10858,7 +7603,7 @@
                 <a:cs typeface="Audiowide"/>
                 <a:sym typeface="Audiowide"/>
               </a:rPr>
-              <a:t>The Product / Service</a:t>
+              <a:t>Contact</a:t>
             </a:r>
             <a:endParaRPr>
               <a:solidFill>
@@ -10874,7 +7619,7 @@
       </p:sp>
       <p:sp>
         <p:nvSpPr>
-          <p:cNvPr id="114" name="Google Shape;114;p21"/>
+          <p:cNvPr id="163" name="Google Shape;163;p28"/>
           <p:cNvSpPr/>
           <p:nvPr/>
         </p:nvSpPr>
@@ -10923,14 +7668,14 @@
       </p:sp>
       <p:sp>
         <p:nvSpPr>
-          <p:cNvPr id="115" name="Google Shape;115;p21"/>
+          <p:cNvPr id="164" name="Google Shape;164;p28"/>
           <p:cNvSpPr txBox="1"/>
           <p:nvPr/>
         </p:nvSpPr>
         <p:spPr>
           <a:xfrm>
             <a:off x="311705" y="2131775"/>
-            <a:ext cx="8339400" cy="289800"/>
+            <a:ext cx="8339400" cy="567000"/>
           </a:xfrm>
           <a:prstGeom prst="rect">
             <a:avLst/>
@@ -10959,7 +7704,7 @@
               <a:buNone/>
             </a:pPr>
             <a:r>
-              <a:rPr lang="en" sz="1800" i="1">
+              <a:rPr lang="en" sz="1800" i="1" dirty="0">
                 <a:solidFill>
                   <a:srgbClr val="FFFFFF"/>
                 </a:solidFill>
@@ -10968,14 +7713,379 @@
                 <a:cs typeface="Roboto"/>
                 <a:sym typeface="Roboto"/>
               </a:rPr>
-              <a:t>Briefly describe the Product or the Service that is the outcome of your solution</a:t>
+              <a:t>List the contact details of the people in charge of the different aspects of the “business”.</a:t>
             </a:r>
-            <a:endParaRPr sz="1800" i="1">
+            <a:endParaRPr sz="1800" i="1" dirty="0">
               <a:latin typeface="Roboto"/>
               <a:ea typeface="Roboto"/>
               <a:cs typeface="Roboto"/>
               <a:sym typeface="Roboto"/>
             </a:endParaRPr>
+          </a:p>
+        </p:txBody>
+      </p:sp>
+    </p:spTree>
+  </p:cSld>
+  <p:clrMapOvr>
+    <a:masterClrMapping/>
+  </p:clrMapOvr>
+</p:sld>
+</file>
+
+<file path=ppt/slides/slide8.xml><?xml version="1.0" encoding="utf-8"?>
+<p:sld xmlns:a="http://schemas.openxmlformats.org/drawingml/2006/main" xmlns:r="http://schemas.openxmlformats.org/officeDocument/2006/relationships" xmlns:p="http://schemas.openxmlformats.org/presentationml/2006/main">
+  <p:cSld>
+    <p:spTree>
+      <p:nvGrpSpPr>
+        <p:cNvPr id="1" name="Shape 168"/>
+        <p:cNvGrpSpPr/>
+        <p:nvPr/>
+      </p:nvGrpSpPr>
+      <p:grpSpPr>
+        <a:xfrm>
+          <a:off x="0" y="0"/>
+          <a:ext cx="0" cy="0"/>
+          <a:chOff x="0" y="0"/>
+          <a:chExt cx="0" cy="0"/>
+        </a:xfrm>
+      </p:grpSpPr>
+      <p:sp>
+        <p:nvSpPr>
+          <p:cNvPr id="169" name="Google Shape;169;p29"/>
+          <p:cNvSpPr/>
+          <p:nvPr/>
+        </p:nvSpPr>
+        <p:spPr>
+          <a:xfrm>
+            <a:off x="0" y="0"/>
+            <a:ext cx="9144000" cy="5143500"/>
+          </a:xfrm>
+          <a:prstGeom prst="rect">
+            <a:avLst/>
+          </a:prstGeom>
+          <a:solidFill>
+            <a:srgbClr val="2C0353"/>
+          </a:solidFill>
+          <a:ln w="9525" cap="flat" cmpd="sng">
+            <a:solidFill>
+              <a:srgbClr val="701C7F"/>
+            </a:solidFill>
+            <a:prstDash val="solid"/>
+            <a:round/>
+            <a:headEnd type="none" w="sm" len="sm"/>
+            <a:tailEnd type="none" w="sm" len="sm"/>
+          </a:ln>
+        </p:spPr>
+        <p:txBody>
+          <a:bodyPr spcFirstLastPara="1" wrap="square" lIns="91425" tIns="91425" rIns="91425" bIns="91425" anchor="ctr" anchorCtr="0">
+            <a:noAutofit/>
+          </a:bodyPr>
+          <a:lstStyle/>
+          <a:p>
+            <a:pPr marL="499744" marR="5080" lvl="0" indent="-487679" algn="l" rtl="0">
+              <a:lnSpc>
+                <a:spcPct val="116666"/>
+              </a:lnSpc>
+              <a:spcBef>
+                <a:spcPts val="0"/>
+              </a:spcBef>
+              <a:spcAft>
+                <a:spcPts val="0"/>
+              </a:spcAft>
+              <a:buNone/>
+            </a:pPr>
+            <a:endParaRPr dirty="0"/>
+          </a:p>
+        </p:txBody>
+      </p:sp>
+      <p:sp>
+        <p:nvSpPr>
+          <p:cNvPr id="170" name="Google Shape;170;p29"/>
+          <p:cNvSpPr txBox="1"/>
+          <p:nvPr/>
+        </p:nvSpPr>
+        <p:spPr>
+          <a:xfrm>
+            <a:off x="6642268" y="4671450"/>
+            <a:ext cx="2403300" cy="320700"/>
+          </a:xfrm>
+          <a:prstGeom prst="rect">
+            <a:avLst/>
+          </a:prstGeom>
+          <a:noFill/>
+          <a:ln>
+            <a:noFill/>
+          </a:ln>
+        </p:spPr>
+        <p:txBody>
+          <a:bodyPr spcFirstLastPara="1" wrap="square" lIns="0" tIns="12700" rIns="0" bIns="0" anchor="t" anchorCtr="0">
+            <a:spAutoFit/>
+          </a:bodyPr>
+          <a:lstStyle/>
+          <a:p>
+            <a:pPr marL="12700" marR="0" lvl="0" indent="0" algn="r" rtl="0">
+              <a:lnSpc>
+                <a:spcPct val="100000"/>
+              </a:lnSpc>
+              <a:spcBef>
+                <a:spcPts val="0"/>
+              </a:spcBef>
+              <a:spcAft>
+                <a:spcPts val="0"/>
+              </a:spcAft>
+              <a:buNone/>
+            </a:pPr>
+            <a:r>
+              <a:rPr lang="en" sz="1000">
+                <a:solidFill>
+                  <a:schemeClr val="lt1"/>
+                </a:solidFill>
+                <a:latin typeface="Roboto"/>
+                <a:ea typeface="Roboto"/>
+                <a:cs typeface="Roboto"/>
+                <a:sym typeface="Roboto"/>
+              </a:rPr>
+              <a:t>20-22 November, Karlsruhe, Germany</a:t>
+            </a:r>
+            <a:endParaRPr sz="1000">
+              <a:solidFill>
+                <a:schemeClr val="lt1"/>
+              </a:solidFill>
+              <a:latin typeface="Roboto"/>
+              <a:ea typeface="Roboto"/>
+              <a:cs typeface="Roboto"/>
+              <a:sym typeface="Roboto"/>
+            </a:endParaRPr>
+          </a:p>
+          <a:p>
+            <a:pPr marL="12700" marR="0" lvl="0" indent="0" algn="r" rtl="0">
+              <a:lnSpc>
+                <a:spcPct val="100000"/>
+              </a:lnSpc>
+              <a:spcBef>
+                <a:spcPts val="0"/>
+              </a:spcBef>
+              <a:spcAft>
+                <a:spcPts val="0"/>
+              </a:spcAft>
+              <a:buNone/>
+            </a:pPr>
+            <a:r>
+              <a:rPr lang="en" sz="1000">
+                <a:solidFill>
+                  <a:schemeClr val="lt1"/>
+                </a:solidFill>
+                <a:latin typeface="Roboto"/>
+                <a:ea typeface="Roboto"/>
+                <a:cs typeface="Roboto"/>
+                <a:sym typeface="Roboto"/>
+              </a:rPr>
+              <a:t>An Eclipse SDV Event</a:t>
+            </a:r>
+            <a:endParaRPr sz="1000">
+              <a:solidFill>
+                <a:schemeClr val="lt1"/>
+              </a:solidFill>
+              <a:latin typeface="Roboto"/>
+              <a:ea typeface="Roboto"/>
+              <a:cs typeface="Roboto"/>
+              <a:sym typeface="Roboto"/>
+            </a:endParaRPr>
+          </a:p>
+        </p:txBody>
+      </p:sp>
+      <p:sp>
+        <p:nvSpPr>
+          <p:cNvPr id="171" name="Google Shape;171;p29"/>
+          <p:cNvSpPr txBox="1"/>
+          <p:nvPr/>
+        </p:nvSpPr>
+        <p:spPr>
+          <a:xfrm>
+            <a:off x="187350" y="1726637"/>
+            <a:ext cx="8769300" cy="797700"/>
+          </a:xfrm>
+          <a:prstGeom prst="rect">
+            <a:avLst/>
+          </a:prstGeom>
+          <a:noFill/>
+          <a:ln>
+            <a:noFill/>
+          </a:ln>
+        </p:spPr>
+        <p:txBody>
+          <a:bodyPr spcFirstLastPara="1" wrap="square" lIns="0" tIns="27925" rIns="0" bIns="0" anchor="t" anchorCtr="0">
+            <a:spAutoFit/>
+          </a:bodyPr>
+          <a:lstStyle/>
+          <a:p>
+            <a:pPr marL="0" lvl="0" indent="0" algn="ctr" rtl="0">
+              <a:spcBef>
+                <a:spcPts val="0"/>
+              </a:spcBef>
+              <a:spcAft>
+                <a:spcPts val="0"/>
+              </a:spcAft>
+              <a:buClr>
+                <a:schemeClr val="dk1"/>
+              </a:buClr>
+              <a:buSzPts val="1100"/>
+              <a:buFont typeface="Arial"/>
+              <a:buNone/>
+            </a:pPr>
+            <a:r>
+              <a:rPr lang="en" sz="5000" dirty="0">
+                <a:solidFill>
+                  <a:srgbClr val="EE0C90"/>
+                </a:solidFill>
+                <a:latin typeface="Audiowide"/>
+                <a:ea typeface="Audiowide"/>
+                <a:cs typeface="Audiowide"/>
+                <a:sym typeface="Audiowide"/>
+              </a:rPr>
+              <a:t>Thank You!</a:t>
+            </a:r>
+            <a:endParaRPr sz="5000" dirty="0">
+              <a:solidFill>
+                <a:srgbClr val="EE0C90"/>
+              </a:solidFill>
+              <a:latin typeface="Audiowide"/>
+              <a:ea typeface="Audiowide"/>
+              <a:cs typeface="Audiowide"/>
+              <a:sym typeface="Audiowide"/>
+            </a:endParaRPr>
+          </a:p>
+        </p:txBody>
+      </p:sp>
+      <p:pic>
+        <p:nvPicPr>
+          <p:cNvPr id="172" name="Google Shape;172;p29"/>
+          <p:cNvPicPr preferRelativeResize="0"/>
+          <p:nvPr/>
+        </p:nvPicPr>
+        <p:blipFill>
+          <a:blip r:embed="rId3">
+            <a:alphaModFix/>
+          </a:blip>
+          <a:stretch>
+            <a:fillRect/>
+          </a:stretch>
+        </p:blipFill>
+        <p:spPr>
+          <a:xfrm>
+            <a:off x="8158150" y="77000"/>
+            <a:ext cx="856051" cy="856051"/>
+          </a:xfrm>
+          <a:prstGeom prst="rect">
+            <a:avLst/>
+          </a:prstGeom>
+          <a:noFill/>
+          <a:ln>
+            <a:noFill/>
+          </a:ln>
+        </p:spPr>
+      </p:pic>
+      <p:pic>
+        <p:nvPicPr>
+          <p:cNvPr id="173" name="Google Shape;173;p29"/>
+          <p:cNvPicPr preferRelativeResize="0"/>
+          <p:nvPr/>
+        </p:nvPicPr>
+        <p:blipFill>
+          <a:blip r:embed="rId4">
+            <a:alphaModFix/>
+          </a:blip>
+          <a:stretch>
+            <a:fillRect/>
+          </a:stretch>
+        </p:blipFill>
+        <p:spPr>
+          <a:xfrm>
+            <a:off x="543350" y="386725"/>
+            <a:ext cx="1106007" cy="384500"/>
+          </a:xfrm>
+          <a:prstGeom prst="rect">
+            <a:avLst/>
+          </a:prstGeom>
+          <a:noFill/>
+          <a:ln>
+            <a:noFill/>
+          </a:ln>
+        </p:spPr>
+      </p:pic>
+      <p:sp>
+        <p:nvSpPr>
+          <p:cNvPr id="174" name="Google Shape;174;p29"/>
+          <p:cNvSpPr txBox="1"/>
+          <p:nvPr/>
+        </p:nvSpPr>
+        <p:spPr>
+          <a:xfrm>
+            <a:off x="3728069" y="2880127"/>
+            <a:ext cx="1687862" cy="289823"/>
+          </a:xfrm>
+          <a:prstGeom prst="rect">
+            <a:avLst/>
+          </a:prstGeom>
+          <a:noFill/>
+          <a:ln>
+            <a:noFill/>
+          </a:ln>
+        </p:spPr>
+        <p:txBody>
+          <a:bodyPr spcFirstLastPara="1" wrap="square" lIns="0" tIns="12700" rIns="0" bIns="0" anchor="t" anchorCtr="0">
+            <a:spAutoFit/>
+          </a:bodyPr>
+          <a:lstStyle/>
+          <a:p>
+            <a:pPr marL="12700" marR="0" lvl="0" indent="0" algn="l" rtl="0">
+              <a:lnSpc>
+                <a:spcPct val="100000"/>
+              </a:lnSpc>
+              <a:spcBef>
+                <a:spcPts val="0"/>
+              </a:spcBef>
+              <a:spcAft>
+                <a:spcPts val="0"/>
+              </a:spcAft>
+              <a:buNone/>
+            </a:pPr>
+            <a:r>
+              <a:rPr lang="de-DE" sz="1800" dirty="0">
+                <a:solidFill>
+                  <a:schemeClr val="bg1"/>
+                </a:solidFill>
+                <a:latin typeface="Roboto"/>
+                <a:ea typeface="Roboto"/>
+                <a:cs typeface="Roboto"/>
+                <a:sym typeface="Roboto"/>
+              </a:rPr>
+              <a:t>Any </a:t>
+            </a:r>
+            <a:r>
+              <a:rPr lang="de-DE" sz="1800" dirty="0" err="1">
+                <a:solidFill>
+                  <a:schemeClr val="bg1"/>
+                </a:solidFill>
+                <a:latin typeface="Roboto"/>
+                <a:ea typeface="Roboto"/>
+                <a:cs typeface="Roboto"/>
+                <a:sym typeface="Roboto"/>
+              </a:rPr>
+              <a:t>questions</a:t>
+            </a:r>
+            <a:r>
+              <a:rPr lang="de-DE" sz="1800" dirty="0">
+                <a:solidFill>
+                  <a:schemeClr val="bg1"/>
+                </a:solidFill>
+                <a:latin typeface="Roboto"/>
+                <a:ea typeface="Roboto"/>
+                <a:cs typeface="Roboto"/>
+                <a:sym typeface="Roboto"/>
+              </a:rPr>
+              <a:t>?</a:t>
+            </a:r>
           </a:p>
         </p:txBody>
       </p:sp>
